--- a/DocumentsTP/Documentation_Tribar.pptx
+++ b/DocumentsTP/Documentation_Tribar.pptx
@@ -5,10 +5,10 @@
     <p:sldMasterId id="2147483648" r:id="rId1"/>
   </p:sldMasterIdLst>
   <p:notesMasterIdLst>
-    <p:notesMasterId r:id="rId22"/>
+    <p:notesMasterId r:id="rId16"/>
   </p:notesMasterIdLst>
   <p:handoutMasterIdLst>
-    <p:handoutMasterId r:id="rId23"/>
+    <p:handoutMasterId r:id="rId17"/>
   </p:handoutMasterIdLst>
   <p:sldIdLst>
     <p:sldId id="256" r:id="rId2"/>
@@ -19,18 +19,12 @@
     <p:sldId id="291" r:id="rId7"/>
     <p:sldId id="290" r:id="rId8"/>
     <p:sldId id="296" r:id="rId9"/>
-    <p:sldId id="299" r:id="rId10"/>
-    <p:sldId id="300" r:id="rId11"/>
-    <p:sldId id="302" r:id="rId12"/>
-    <p:sldId id="309" r:id="rId13"/>
-    <p:sldId id="316" r:id="rId14"/>
-    <p:sldId id="310" r:id="rId15"/>
-    <p:sldId id="303" r:id="rId16"/>
-    <p:sldId id="304" r:id="rId17"/>
-    <p:sldId id="315" r:id="rId18"/>
-    <p:sldId id="293" r:id="rId19"/>
-    <p:sldId id="294" r:id="rId20"/>
-    <p:sldId id="295" r:id="rId21"/>
+    <p:sldId id="302" r:id="rId10"/>
+    <p:sldId id="316" r:id="rId11"/>
+    <p:sldId id="293" r:id="rId12"/>
+    <p:sldId id="294" r:id="rId13"/>
+    <p:sldId id="295" r:id="rId14"/>
+    <p:sldId id="319" r:id="rId15"/>
   </p:sldIdLst>
   <p:sldSz cx="9144000" cy="6858000" type="screen4x3"/>
   <p:notesSz cx="7099300" cy="10234613"/>
@@ -9640,10 +9634,6 @@
           <a:p>
             <a:pPr algn="ctr"/>
             <a:r>
-              <a:rPr lang="fr-FR" dirty="0" smtClean="0"/>
-              <a:t>Axe </a:t>
-            </a:r>
-            <a:r>
               <a:rPr lang="fr-FR" dirty="0" err="1" smtClean="0"/>
               <a:t>Tribar</a:t>
             </a:r>
@@ -9791,12 +9781,12 @@
       </p:grpSpPr>
       <p:sp>
         <p:nvSpPr>
-          <p:cNvPr id="3" name="Espace réservé du numéro de diapositive 2"/>
-          <p:cNvSpPr>
-            <a:spLocks noGrp="1"/>
-          </p:cNvSpPr>
-          <p:nvPr>
-            <p:ph type="sldNum" sz="quarter" idx="17"/>
+          <p:cNvPr id="5" name="Espace réservé du contenu 4"/>
+          <p:cNvSpPr>
+            <a:spLocks noGrp="1"/>
+          </p:cNvSpPr>
+          <p:nvPr>
+            <p:ph sz="quarter" idx="15"/>
           </p:nvPr>
         </p:nvSpPr>
         <p:spPr/>
@@ -9804,12 +9794,36 @@
           <a:bodyPr/>
           <a:lstStyle/>
           <a:p>
+            <a:r>
+              <a:rPr lang="fr-FR" b="1" dirty="0" smtClean="0"/>
+              <a:t>Voir documentation (Classeurs)</a:t>
+            </a:r>
+            <a:endParaRPr lang="fr-FR" b="1" dirty="0"/>
+          </a:p>
+        </p:txBody>
+      </p:sp>
+      <p:sp>
+        <p:nvSpPr>
+          <p:cNvPr id="3" name="Espace réservé du numéro de diapositive 2"/>
+          <p:cNvSpPr>
+            <a:spLocks noGrp="1"/>
+          </p:cNvSpPr>
+          <p:nvPr>
+            <p:ph type="sldNum" sz="quarter" idx="17"/>
+          </p:nvPr>
+        </p:nvSpPr>
+        <p:spPr/>
+        <p:txBody>
+          <a:bodyPr/>
+          <a:lstStyle/>
+          <a:p>
+            <a:pPr algn="r"/>
             <a:fld id="{256D3EEF-DE4E-429D-8EC4-DDC531AFF587}" type="slidenum">
-              <a:rPr lang="fr-FR" smtClean="0"/>
-              <a:pPr/>
+              <a:rPr kumimoji="0" lang="fr-FR" sz="1000" smtClean="0"/>
+              <a:pPr algn="r"/>
               <a:t>10</a:t>
             </a:fld>
-            <a:endParaRPr lang="fr-FR" dirty="0"/>
+            <a:endParaRPr kumimoji="0" lang="fr-FR"/>
           </a:p>
         </p:txBody>
       </p:sp>
@@ -9832,30 +9846,29 @@
           <a:p>
             <a:r>
               <a:rPr lang="fr-FR" dirty="0"/>
-              <a:t>Présentation externe de </a:t>
+              <a:t>Présentation interne </a:t>
             </a:r>
             <a:r>
               <a:rPr lang="fr-FR" dirty="0" smtClean="0"/>
-              <a:t>l’axe </a:t>
+              <a:t>du </a:t>
             </a:r>
             <a:r>
               <a:rPr lang="fr-FR" dirty="0" err="1" smtClean="0"/>
-              <a:t>Emericc</a:t>
+              <a:t>tribar</a:t>
             </a:r>
             <a:endParaRPr lang="fr-FR" dirty="0" smtClean="0"/>
           </a:p>
           <a:p>
             <a:r>
               <a:rPr lang="fr-FR" dirty="0" smtClean="0"/>
-              <a:t>Cahier des charges</a:t>
-            </a:r>
-            <a:endParaRPr lang="fr-FR" dirty="0"/>
-          </a:p>
-        </p:txBody>
-      </p:sp>
-      <p:sp>
-        <p:nvSpPr>
-          <p:cNvPr id="9" name="ZoneTexte 8">
+              <a:t>Diagramme de blocs</a:t>
+            </a:r>
+          </a:p>
+        </p:txBody>
+      </p:sp>
+      <p:sp>
+        <p:nvSpPr>
+          <p:cNvPr id="7" name="ZoneTexte 6">
             <a:hlinkClick r:id="rId2" action="ppaction://hlinksldjump"/>
           </p:cNvPr>
           <p:cNvSpPr txBox="1"/>
@@ -9898,442 +9911,22 @@
           </a:p>
         </p:txBody>
       </p:sp>
-    </p:spTree>
-    <p:extLst>
-      <p:ext uri="{BB962C8B-B14F-4D97-AF65-F5344CB8AC3E}">
-        <p14:creationId xmlns:p14="http://schemas.microsoft.com/office/powerpoint/2010/main" val="2706017064"/>
-      </p:ext>
-    </p:extLst>
-  </p:cSld>
-  <p:clrMapOvr>
-    <a:masterClrMapping/>
-  </p:clrMapOvr>
-  <p:timing>
-    <p:tnLst>
-      <p:par>
-        <p:cTn id="1" dur="indefinite" restart="never" nodeType="tmRoot"/>
-      </p:par>
-    </p:tnLst>
-  </p:timing>
-</p:sld>
-</file>
-
-<file path=ppt/slides/slide11.xml><?xml version="1.0" encoding="utf-8"?>
-<p:sld xmlns:a="http://schemas.openxmlformats.org/drawingml/2006/main" xmlns:r="http://schemas.openxmlformats.org/officeDocument/2006/relationships" xmlns:p="http://schemas.openxmlformats.org/presentationml/2006/main">
-  <p:cSld>
-    <p:spTree>
-      <p:nvGrpSpPr>
-        <p:cNvPr id="1" name=""/>
-        <p:cNvGrpSpPr/>
-        <p:nvPr/>
-      </p:nvGrpSpPr>
-      <p:grpSpPr>
-        <a:xfrm>
-          <a:off x="0" y="0"/>
-          <a:ext cx="0" cy="0"/>
-          <a:chOff x="0" y="0"/>
-          <a:chExt cx="0" cy="0"/>
-        </a:xfrm>
-      </p:grpSpPr>
-      <p:sp>
-        <p:nvSpPr>
-          <p:cNvPr id="2" name="Titre 1"/>
-          <p:cNvSpPr>
-            <a:spLocks noGrp="1"/>
-          </p:cNvSpPr>
-          <p:nvPr>
-            <p:ph type="ctrTitle"/>
-          </p:nvPr>
-        </p:nvSpPr>
-        <p:spPr/>
-        <p:txBody>
-          <a:bodyPr/>
-          <a:lstStyle/>
-          <a:p>
-            <a:r>
-              <a:rPr lang="fr-FR" dirty="0" smtClean="0"/>
-              <a:t>Présentation interne de l’axe </a:t>
-            </a:r>
-            <a:r>
-              <a:rPr lang="fr-FR" dirty="0" err="1" smtClean="0"/>
-              <a:t>Emericc</a:t>
-            </a:r>
-            <a:endParaRPr lang="fr-FR" dirty="0"/>
-          </a:p>
-        </p:txBody>
-      </p:sp>
-      <p:sp>
-        <p:nvSpPr>
-          <p:cNvPr id="3" name="Espace réservé du numéro de diapositive 2"/>
-          <p:cNvSpPr>
-            <a:spLocks noGrp="1"/>
-          </p:cNvSpPr>
-          <p:nvPr>
-            <p:ph type="sldNum" sz="quarter" idx="12"/>
-          </p:nvPr>
-        </p:nvSpPr>
-        <p:spPr/>
-        <p:txBody>
-          <a:bodyPr/>
-          <a:lstStyle/>
-          <a:p>
-            <a:pPr algn="r"/>
-            <a:fld id="{256D3EEF-DE4E-429D-8EC4-DDC531AFF587}" type="slidenum">
-              <a:rPr kumimoji="0" lang="fr-FR" sz="1000" smtClean="0"/>
-              <a:pPr algn="r"/>
-              <a:t>11</a:t>
-            </a:fld>
-            <a:endParaRPr kumimoji="0" lang="fr-FR"/>
-          </a:p>
-        </p:txBody>
-      </p:sp>
-      <p:sp>
-        <p:nvSpPr>
-          <p:cNvPr id="5" name="ZoneTexte 4">
-            <a:hlinkClick r:id="rId2" action="ppaction://hlinksldjump"/>
-          </p:cNvPr>
-          <p:cNvSpPr txBox="1"/>
-          <p:nvPr/>
-        </p:nvSpPr>
-        <p:spPr>
-          <a:xfrm>
-            <a:off x="107504" y="6525344"/>
-            <a:ext cx="8136904" cy="307777"/>
-          </a:xfrm>
-          <a:prstGeom prst="rect">
-            <a:avLst/>
-          </a:prstGeom>
-          <a:noFill/>
-        </p:spPr>
-        <p:txBody>
-          <a:bodyPr wrap="square" rtlCol="0">
-            <a:spAutoFit/>
-          </a:bodyPr>
-          <a:lstStyle/>
-          <a:p>
-            <a:pPr algn="r"/>
-            <a:r>
-              <a:rPr lang="fr-FR" sz="1400" i="1" dirty="0" smtClean="0">
-                <a:solidFill>
-                  <a:schemeClr val="bg1">
-                    <a:lumMod val="50000"/>
-                  </a:schemeClr>
-                </a:solidFill>
-              </a:rPr>
-              <a:t>Retour vers le menu</a:t>
-            </a:r>
-            <a:endParaRPr lang="fr-FR" sz="1400" i="1" dirty="0">
-              <a:solidFill>
-                <a:schemeClr val="bg1">
-                  <a:lumMod val="50000"/>
-                </a:schemeClr>
-              </a:solidFill>
-            </a:endParaRPr>
-          </a:p>
-        </p:txBody>
-      </p:sp>
-    </p:spTree>
-    <p:extLst>
-      <p:ext uri="{BB962C8B-B14F-4D97-AF65-F5344CB8AC3E}">
-        <p14:creationId xmlns:p14="http://schemas.microsoft.com/office/powerpoint/2010/main" val="3834210991"/>
-      </p:ext>
-    </p:extLst>
-  </p:cSld>
-  <p:clrMapOvr>
-    <a:masterClrMapping/>
-  </p:clrMapOvr>
-  <p:timing>
-    <p:tnLst>
-      <p:par>
-        <p:cTn id="1" dur="indefinite" restart="never" nodeType="tmRoot"/>
-      </p:par>
-    </p:tnLst>
-  </p:timing>
-</p:sld>
-</file>
-
-<file path=ppt/slides/slide12.xml><?xml version="1.0" encoding="utf-8"?>
-<p:sld xmlns:a="http://schemas.openxmlformats.org/drawingml/2006/main" xmlns:r="http://schemas.openxmlformats.org/officeDocument/2006/relationships" xmlns:p="http://schemas.openxmlformats.org/presentationml/2006/main">
-  <p:cSld>
-    <p:spTree>
-      <p:nvGrpSpPr>
-        <p:cNvPr id="1" name=""/>
-        <p:cNvGrpSpPr/>
-        <p:nvPr/>
-      </p:nvGrpSpPr>
-      <p:grpSpPr>
-        <a:xfrm>
-          <a:off x="0" y="0"/>
-          <a:ext cx="0" cy="0"/>
-          <a:chOff x="0" y="0"/>
-          <a:chExt cx="0" cy="0"/>
-        </a:xfrm>
-      </p:grpSpPr>
-      <p:sp>
-        <p:nvSpPr>
-          <p:cNvPr id="3" name="Espace réservé du numéro de diapositive 2"/>
-          <p:cNvSpPr>
-            <a:spLocks noGrp="1"/>
-          </p:cNvSpPr>
-          <p:nvPr>
-            <p:ph type="sldNum" sz="quarter" idx="17"/>
-          </p:nvPr>
-        </p:nvSpPr>
-        <p:spPr/>
-        <p:txBody>
-          <a:bodyPr/>
-          <a:lstStyle/>
-          <a:p>
-            <a:pPr algn="r"/>
-            <a:fld id="{256D3EEF-DE4E-429D-8EC4-DDC531AFF587}" type="slidenum">
-              <a:rPr kumimoji="0" lang="fr-FR" sz="1000" smtClean="0"/>
-              <a:pPr algn="r"/>
-              <a:t>12</a:t>
-            </a:fld>
-            <a:endParaRPr kumimoji="0" lang="fr-FR"/>
-          </a:p>
-        </p:txBody>
-      </p:sp>
-      <p:sp>
-        <p:nvSpPr>
-          <p:cNvPr id="4" name="Espace réservé du texte 3"/>
-          <p:cNvSpPr>
-            <a:spLocks noGrp="1"/>
-          </p:cNvSpPr>
-          <p:nvPr>
-            <p:ph type="body" sz="quarter" idx="13"/>
-          </p:nvPr>
-        </p:nvSpPr>
-        <p:spPr/>
-        <p:txBody>
-          <a:bodyPr>
-            <a:normAutofit fontScale="55000" lnSpcReduction="20000"/>
-          </a:bodyPr>
-          <a:lstStyle/>
-          <a:p>
-            <a:r>
-              <a:rPr lang="fr-FR" dirty="0"/>
-              <a:t>Présentation interne de </a:t>
-            </a:r>
-            <a:r>
-              <a:rPr lang="fr-FR" dirty="0" smtClean="0"/>
-              <a:t>l’axe </a:t>
-            </a:r>
-            <a:r>
-              <a:rPr lang="fr-FR" dirty="0" err="1" smtClean="0"/>
-              <a:t>emericc</a:t>
-            </a:r>
-            <a:endParaRPr lang="fr-FR" dirty="0" smtClean="0"/>
-          </a:p>
-          <a:p>
-            <a:r>
-              <a:rPr lang="fr-FR" dirty="0" smtClean="0"/>
-              <a:t>Diagramme de blocs</a:t>
-            </a:r>
-          </a:p>
-        </p:txBody>
-      </p:sp>
-      <p:sp>
-        <p:nvSpPr>
-          <p:cNvPr id="7" name="ZoneTexte 6">
-            <a:hlinkClick r:id="rId2" action="ppaction://hlinksldjump"/>
-          </p:cNvPr>
-          <p:cNvSpPr txBox="1"/>
-          <p:nvPr/>
-        </p:nvSpPr>
-        <p:spPr>
-          <a:xfrm>
-            <a:off x="107504" y="6525344"/>
-            <a:ext cx="8136904" cy="307777"/>
-          </a:xfrm>
-          <a:prstGeom prst="rect">
-            <a:avLst/>
-          </a:prstGeom>
-          <a:noFill/>
-        </p:spPr>
-        <p:txBody>
-          <a:bodyPr wrap="square" rtlCol="0">
-            <a:spAutoFit/>
-          </a:bodyPr>
-          <a:lstStyle/>
-          <a:p>
-            <a:pPr algn="r"/>
-            <a:r>
-              <a:rPr lang="fr-FR" sz="1400" i="1" dirty="0" smtClean="0">
-                <a:solidFill>
-                  <a:schemeClr val="bg1">
-                    <a:lumMod val="50000"/>
-                  </a:schemeClr>
-                </a:solidFill>
-              </a:rPr>
-              <a:t>Retour vers le menu</a:t>
-            </a:r>
-            <a:endParaRPr lang="fr-FR" sz="1400" i="1" dirty="0">
-              <a:solidFill>
-                <a:schemeClr val="bg1">
-                  <a:lumMod val="50000"/>
-                </a:schemeClr>
-              </a:solidFill>
-            </a:endParaRPr>
-          </a:p>
-        </p:txBody>
-      </p:sp>
-    </p:spTree>
-    <p:extLst>
-      <p:ext uri="{BB962C8B-B14F-4D97-AF65-F5344CB8AC3E}">
-        <p14:creationId xmlns:p14="http://schemas.microsoft.com/office/powerpoint/2010/main" val="746680930"/>
-      </p:ext>
-    </p:extLst>
-  </p:cSld>
-  <p:clrMapOvr>
-    <a:masterClrMapping/>
-  </p:clrMapOvr>
-  <p:timing>
-    <p:tnLst>
-      <p:par>
-        <p:cTn id="1" dur="indefinite" restart="never" nodeType="tmRoot"/>
-      </p:par>
-    </p:tnLst>
-  </p:timing>
-</p:sld>
-</file>
-
-<file path=ppt/slides/slide13.xml><?xml version="1.0" encoding="utf-8"?>
-<p:sld xmlns:a="http://schemas.openxmlformats.org/drawingml/2006/main" xmlns:r="http://schemas.openxmlformats.org/officeDocument/2006/relationships" xmlns:p="http://schemas.openxmlformats.org/presentationml/2006/main">
-  <p:cSld>
-    <p:spTree>
-      <p:nvGrpSpPr>
-        <p:cNvPr id="1" name=""/>
-        <p:cNvGrpSpPr/>
-        <p:nvPr/>
-      </p:nvGrpSpPr>
-      <p:grpSpPr>
-        <a:xfrm>
-          <a:off x="0" y="0"/>
-          <a:ext cx="0" cy="0"/>
-          <a:chOff x="0" y="0"/>
-          <a:chExt cx="0" cy="0"/>
-        </a:xfrm>
-      </p:grpSpPr>
-      <p:sp>
-        <p:nvSpPr>
-          <p:cNvPr id="3" name="Espace réservé du numéro de diapositive 2"/>
-          <p:cNvSpPr>
-            <a:spLocks noGrp="1"/>
-          </p:cNvSpPr>
-          <p:nvPr>
-            <p:ph type="sldNum" sz="quarter" idx="17"/>
-          </p:nvPr>
-        </p:nvSpPr>
-        <p:spPr/>
-        <p:txBody>
-          <a:bodyPr/>
-          <a:lstStyle/>
-          <a:p>
-            <a:pPr algn="r"/>
-            <a:fld id="{256D3EEF-DE4E-429D-8EC4-DDC531AFF587}" type="slidenum">
-              <a:rPr kumimoji="0" lang="fr-FR" sz="1000" smtClean="0"/>
-              <a:pPr algn="r"/>
-              <a:t>13</a:t>
-            </a:fld>
-            <a:endParaRPr kumimoji="0" lang="fr-FR"/>
-          </a:p>
-        </p:txBody>
-      </p:sp>
-      <p:sp>
-        <p:nvSpPr>
-          <p:cNvPr id="4" name="Espace réservé du texte 3"/>
-          <p:cNvSpPr>
-            <a:spLocks noGrp="1"/>
-          </p:cNvSpPr>
-          <p:nvPr>
-            <p:ph type="body" sz="quarter" idx="13"/>
-          </p:nvPr>
-        </p:nvSpPr>
-        <p:spPr/>
-        <p:txBody>
-          <a:bodyPr>
-            <a:normAutofit fontScale="55000" lnSpcReduction="20000"/>
-          </a:bodyPr>
-          <a:lstStyle/>
-          <a:p>
-            <a:r>
-              <a:rPr lang="fr-FR" dirty="0"/>
-              <a:t>Présentation interne de </a:t>
-            </a:r>
-            <a:r>
-              <a:rPr lang="fr-FR" dirty="0" smtClean="0"/>
-              <a:t>l’axe </a:t>
-            </a:r>
-            <a:r>
-              <a:rPr lang="fr-FR" dirty="0" err="1" smtClean="0"/>
-              <a:t>emericc</a:t>
-            </a:r>
-            <a:endParaRPr lang="fr-FR" dirty="0" smtClean="0"/>
-          </a:p>
-          <a:p>
-            <a:r>
-              <a:rPr lang="fr-FR" dirty="0" smtClean="0"/>
-              <a:t>Diagramme de blocs</a:t>
-            </a:r>
-          </a:p>
-        </p:txBody>
-      </p:sp>
-      <p:sp>
-        <p:nvSpPr>
-          <p:cNvPr id="7" name="ZoneTexte 6">
-            <a:hlinkClick r:id="rId2" action="ppaction://hlinksldjump"/>
-          </p:cNvPr>
-          <p:cNvSpPr txBox="1"/>
-          <p:nvPr/>
-        </p:nvSpPr>
-        <p:spPr>
-          <a:xfrm>
-            <a:off x="107504" y="6525344"/>
-            <a:ext cx="8136904" cy="307777"/>
-          </a:xfrm>
-          <a:prstGeom prst="rect">
-            <a:avLst/>
-          </a:prstGeom>
-          <a:noFill/>
-        </p:spPr>
-        <p:txBody>
-          <a:bodyPr wrap="square" rtlCol="0">
-            <a:spAutoFit/>
-          </a:bodyPr>
-          <a:lstStyle/>
-          <a:p>
-            <a:pPr algn="r"/>
-            <a:r>
-              <a:rPr lang="fr-FR" sz="1400" i="1" dirty="0" smtClean="0">
-                <a:solidFill>
-                  <a:schemeClr val="bg1">
-                    <a:lumMod val="50000"/>
-                  </a:schemeClr>
-                </a:solidFill>
-              </a:rPr>
-              <a:t>Retour vers le menu</a:t>
-            </a:r>
-            <a:endParaRPr lang="fr-FR" sz="1400" i="1" dirty="0">
-              <a:solidFill>
-                <a:schemeClr val="bg1">
-                  <a:lumMod val="50000"/>
-                </a:schemeClr>
-              </a:solidFill>
-            </a:endParaRPr>
-          </a:p>
-        </p:txBody>
-      </p:sp>
       <p:graphicFrame>
         <p:nvGraphicFramePr>
           <p:cNvPr id="2" name="Tableau 1"/>
           <p:cNvGraphicFramePr>
             <a:graphicFrameLocks noGrp="1"/>
           </p:cNvGraphicFramePr>
-          <p:nvPr/>
+          <p:nvPr>
+            <p:extLst>
+              <p:ext uri="{D42A27DB-BD31-4B8C-83A1-F6EECF244321}">
+                <p14:modId xmlns:p14="http://schemas.microsoft.com/office/powerpoint/2010/main" val="2079557365"/>
+              </p:ext>
+            </p:extLst>
+          </p:nvPr>
         </p:nvGraphicFramePr>
         <p:xfrm>
-          <a:off x="1567180" y="1943100"/>
+          <a:off x="1403648" y="3420050"/>
           <a:ext cx="5314315" cy="2743200"/>
         </p:xfrm>
         <a:graphic>
@@ -10359,12 +9952,12 @@
                         </a:spcAft>
                       </a:pPr>
                       <a:r>
-                        <a:rPr lang="fr-FR" sz="1000">
+                        <a:rPr lang="fr-FR" sz="1000" dirty="0">
                           <a:effectLst/>
                         </a:rPr>
                         <a:t>Moteur</a:t>
                       </a:r>
-                      <a:endParaRPr lang="fr-FR" sz="1000">
+                      <a:endParaRPr lang="fr-FR" sz="1000" dirty="0">
                         <a:effectLst/>
                         <a:latin typeface="Arial"/>
                         <a:ea typeface="Times New Roman"/>
@@ -11865,7 +11458,7 @@
 </p:sld>
 </file>
 
-<file path=ppt/slides/slide14.xml><?xml version="1.0" encoding="utf-8"?>
+<file path=ppt/slides/slide11.xml><?xml version="1.0" encoding="utf-8"?>
 <p:sld xmlns:a="http://schemas.openxmlformats.org/drawingml/2006/main" xmlns:r="http://schemas.openxmlformats.org/officeDocument/2006/relationships" xmlns:p="http://schemas.openxmlformats.org/presentationml/2006/main">
   <p:cSld>
     <p:spTree>
@@ -11884,550 +11477,6 @@
       </p:grpSpPr>
       <p:sp>
         <p:nvSpPr>
-          <p:cNvPr id="3" name="Espace réservé du numéro de diapositive 2"/>
-          <p:cNvSpPr>
-            <a:spLocks noGrp="1"/>
-          </p:cNvSpPr>
-          <p:nvPr>
-            <p:ph type="sldNum" sz="quarter" idx="17"/>
-          </p:nvPr>
-        </p:nvSpPr>
-        <p:spPr/>
-        <p:txBody>
-          <a:bodyPr/>
-          <a:lstStyle/>
-          <a:p>
-            <a:pPr algn="r"/>
-            <a:fld id="{256D3EEF-DE4E-429D-8EC4-DDC531AFF587}" type="slidenum">
-              <a:rPr kumimoji="0" lang="fr-FR" sz="1000" smtClean="0"/>
-              <a:pPr algn="r"/>
-              <a:t>14</a:t>
-            </a:fld>
-            <a:endParaRPr kumimoji="0" lang="fr-FR"/>
-          </a:p>
-        </p:txBody>
-      </p:sp>
-      <p:sp>
-        <p:nvSpPr>
-          <p:cNvPr id="4" name="Espace réservé du texte 3"/>
-          <p:cNvSpPr>
-            <a:spLocks noGrp="1"/>
-          </p:cNvSpPr>
-          <p:nvPr>
-            <p:ph type="body" sz="quarter" idx="13"/>
-          </p:nvPr>
-        </p:nvSpPr>
-        <p:spPr/>
-        <p:txBody>
-          <a:bodyPr>
-            <a:normAutofit fontScale="55000" lnSpcReduction="20000"/>
-          </a:bodyPr>
-          <a:lstStyle/>
-          <a:p>
-            <a:r>
-              <a:rPr lang="fr-FR" dirty="0"/>
-              <a:t>Présentation interne de </a:t>
-            </a:r>
-            <a:r>
-              <a:rPr lang="fr-FR" dirty="0" smtClean="0"/>
-              <a:t>L’</a:t>
-            </a:r>
-            <a:r>
-              <a:rPr lang="fr-FR" dirty="0" err="1" smtClean="0"/>
-              <a:t>eaxe</a:t>
-            </a:r>
-            <a:r>
-              <a:rPr lang="fr-FR" dirty="0" smtClean="0"/>
-              <a:t> </a:t>
-            </a:r>
-            <a:r>
-              <a:rPr lang="fr-FR" dirty="0" err="1" smtClean="0"/>
-              <a:t>Emericc</a:t>
-            </a:r>
-            <a:endParaRPr lang="fr-FR" dirty="0" smtClean="0"/>
-          </a:p>
-          <a:p>
-            <a:r>
-              <a:rPr lang="fr-FR" dirty="0" smtClean="0"/>
-              <a:t>Diagramme de blocs internes</a:t>
-            </a:r>
-          </a:p>
-        </p:txBody>
-      </p:sp>
-      <p:sp>
-        <p:nvSpPr>
-          <p:cNvPr id="7" name="ZoneTexte 6">
-            <a:hlinkClick r:id="rId2" action="ppaction://hlinksldjump"/>
-          </p:cNvPr>
-          <p:cNvSpPr txBox="1"/>
-          <p:nvPr/>
-        </p:nvSpPr>
-        <p:spPr>
-          <a:xfrm>
-            <a:off x="107504" y="6525344"/>
-            <a:ext cx="8136904" cy="307777"/>
-          </a:xfrm>
-          <a:prstGeom prst="rect">
-            <a:avLst/>
-          </a:prstGeom>
-          <a:noFill/>
-        </p:spPr>
-        <p:txBody>
-          <a:bodyPr wrap="square" rtlCol="0">
-            <a:spAutoFit/>
-          </a:bodyPr>
-          <a:lstStyle/>
-          <a:p>
-            <a:pPr algn="r"/>
-            <a:r>
-              <a:rPr lang="fr-FR" sz="1400" i="1" dirty="0" smtClean="0">
-                <a:solidFill>
-                  <a:schemeClr val="bg1">
-                    <a:lumMod val="50000"/>
-                  </a:schemeClr>
-                </a:solidFill>
-              </a:rPr>
-              <a:t>Retour vers le menu</a:t>
-            </a:r>
-            <a:endParaRPr lang="fr-FR" sz="1400" i="1" dirty="0">
-              <a:solidFill>
-                <a:schemeClr val="bg1">
-                  <a:lumMod val="50000"/>
-                </a:schemeClr>
-              </a:solidFill>
-            </a:endParaRPr>
-          </a:p>
-        </p:txBody>
-      </p:sp>
-    </p:spTree>
-    <p:extLst>
-      <p:ext uri="{BB962C8B-B14F-4D97-AF65-F5344CB8AC3E}">
-        <p14:creationId xmlns:p14="http://schemas.microsoft.com/office/powerpoint/2010/main" val="3136007789"/>
-      </p:ext>
-    </p:extLst>
-  </p:cSld>
-  <p:clrMapOvr>
-    <a:masterClrMapping/>
-  </p:clrMapOvr>
-  <p:timing>
-    <p:tnLst>
-      <p:par>
-        <p:cTn id="1" dur="indefinite" restart="never" nodeType="tmRoot"/>
-      </p:par>
-    </p:tnLst>
-  </p:timing>
-</p:sld>
-</file>
-
-<file path=ppt/slides/slide15.xml><?xml version="1.0" encoding="utf-8"?>
-<p:sld xmlns:a="http://schemas.openxmlformats.org/drawingml/2006/main" xmlns:r="http://schemas.openxmlformats.org/officeDocument/2006/relationships" xmlns:p="http://schemas.openxmlformats.org/presentationml/2006/main">
-  <p:cSld>
-    <p:spTree>
-      <p:nvGrpSpPr>
-        <p:cNvPr id="1" name=""/>
-        <p:cNvGrpSpPr/>
-        <p:nvPr/>
-      </p:nvGrpSpPr>
-      <p:grpSpPr>
-        <a:xfrm>
-          <a:off x="0" y="0"/>
-          <a:ext cx="0" cy="0"/>
-          <a:chOff x="0" y="0"/>
-          <a:chExt cx="0" cy="0"/>
-        </a:xfrm>
-      </p:grpSpPr>
-      <p:sp>
-        <p:nvSpPr>
-          <p:cNvPr id="3" name="Espace réservé du numéro de diapositive 2"/>
-          <p:cNvSpPr>
-            <a:spLocks noGrp="1"/>
-          </p:cNvSpPr>
-          <p:nvPr>
-            <p:ph type="sldNum" sz="quarter" idx="17"/>
-          </p:nvPr>
-        </p:nvSpPr>
-        <p:spPr/>
-        <p:txBody>
-          <a:bodyPr/>
-          <a:lstStyle/>
-          <a:p>
-            <a:pPr algn="r"/>
-            <a:fld id="{256D3EEF-DE4E-429D-8EC4-DDC531AFF587}" type="slidenum">
-              <a:rPr kumimoji="0" lang="fr-FR" sz="1000" smtClean="0"/>
-              <a:pPr algn="r"/>
-              <a:t>15</a:t>
-            </a:fld>
-            <a:endParaRPr kumimoji="0" lang="fr-FR"/>
-          </a:p>
-        </p:txBody>
-      </p:sp>
-      <p:sp>
-        <p:nvSpPr>
-          <p:cNvPr id="4" name="Espace réservé du texte 3"/>
-          <p:cNvSpPr>
-            <a:spLocks noGrp="1"/>
-          </p:cNvSpPr>
-          <p:nvPr>
-            <p:ph type="body" sz="quarter" idx="13"/>
-          </p:nvPr>
-        </p:nvSpPr>
-        <p:spPr/>
-        <p:txBody>
-          <a:bodyPr>
-            <a:normAutofit fontScale="55000" lnSpcReduction="20000"/>
-          </a:bodyPr>
-          <a:lstStyle/>
-          <a:p>
-            <a:r>
-              <a:rPr lang="fr-FR" dirty="0"/>
-              <a:t>Présentation interne de </a:t>
-            </a:r>
-            <a:r>
-              <a:rPr lang="fr-FR" dirty="0" smtClean="0"/>
-              <a:t>L’axe </a:t>
-            </a:r>
-            <a:r>
-              <a:rPr lang="fr-FR" dirty="0" err="1" smtClean="0"/>
-              <a:t>Emericc</a:t>
-            </a:r>
-            <a:endParaRPr lang="fr-FR" dirty="0" smtClean="0"/>
-          </a:p>
-          <a:p>
-            <a:r>
-              <a:rPr lang="fr-FR" dirty="0" smtClean="0"/>
-              <a:t>Composants de la chaîne d’énergie</a:t>
-            </a:r>
-            <a:endParaRPr lang="fr-FR" dirty="0"/>
-          </a:p>
-        </p:txBody>
-      </p:sp>
-      <p:sp>
-        <p:nvSpPr>
-          <p:cNvPr id="20" name="ZoneTexte 19">
-            <a:hlinkClick r:id="rId2" action="ppaction://hlinksldjump"/>
-          </p:cNvPr>
-          <p:cNvSpPr txBox="1"/>
-          <p:nvPr/>
-        </p:nvSpPr>
-        <p:spPr>
-          <a:xfrm>
-            <a:off x="107504" y="6525344"/>
-            <a:ext cx="8136904" cy="307777"/>
-          </a:xfrm>
-          <a:prstGeom prst="rect">
-            <a:avLst/>
-          </a:prstGeom>
-          <a:noFill/>
-        </p:spPr>
-        <p:txBody>
-          <a:bodyPr wrap="square" rtlCol="0">
-            <a:spAutoFit/>
-          </a:bodyPr>
-          <a:lstStyle/>
-          <a:p>
-            <a:pPr algn="r"/>
-            <a:r>
-              <a:rPr lang="fr-FR" sz="1400" i="1" dirty="0" smtClean="0">
-                <a:solidFill>
-                  <a:schemeClr val="bg1">
-                    <a:lumMod val="50000"/>
-                  </a:schemeClr>
-                </a:solidFill>
-              </a:rPr>
-              <a:t>Retour vers le menu</a:t>
-            </a:r>
-            <a:endParaRPr lang="fr-FR" sz="1400" i="1" dirty="0">
-              <a:solidFill>
-                <a:schemeClr val="bg1">
-                  <a:lumMod val="50000"/>
-                </a:schemeClr>
-              </a:solidFill>
-            </a:endParaRPr>
-          </a:p>
-        </p:txBody>
-      </p:sp>
-    </p:spTree>
-    <p:extLst>
-      <p:ext uri="{BB962C8B-B14F-4D97-AF65-F5344CB8AC3E}">
-        <p14:creationId xmlns:p14="http://schemas.microsoft.com/office/powerpoint/2010/main" val="1008993312"/>
-      </p:ext>
-    </p:extLst>
-  </p:cSld>
-  <p:clrMapOvr>
-    <a:masterClrMapping/>
-  </p:clrMapOvr>
-  <p:timing>
-    <p:tnLst>
-      <p:par>
-        <p:cTn id="1" dur="indefinite" restart="never" nodeType="tmRoot"/>
-      </p:par>
-    </p:tnLst>
-  </p:timing>
-</p:sld>
-</file>
-
-<file path=ppt/slides/slide16.xml><?xml version="1.0" encoding="utf-8"?>
-<p:sld xmlns:a="http://schemas.openxmlformats.org/drawingml/2006/main" xmlns:r="http://schemas.openxmlformats.org/officeDocument/2006/relationships" xmlns:p="http://schemas.openxmlformats.org/presentationml/2006/main">
-  <p:cSld>
-    <p:spTree>
-      <p:nvGrpSpPr>
-        <p:cNvPr id="1" name=""/>
-        <p:cNvGrpSpPr/>
-        <p:nvPr/>
-      </p:nvGrpSpPr>
-      <p:grpSpPr>
-        <a:xfrm>
-          <a:off x="0" y="0"/>
-          <a:ext cx="0" cy="0"/>
-          <a:chOff x="0" y="0"/>
-          <a:chExt cx="0" cy="0"/>
-        </a:xfrm>
-      </p:grpSpPr>
-      <p:sp>
-        <p:nvSpPr>
-          <p:cNvPr id="3" name="Espace réservé du numéro de diapositive 2"/>
-          <p:cNvSpPr>
-            <a:spLocks noGrp="1"/>
-          </p:cNvSpPr>
-          <p:nvPr>
-            <p:ph type="sldNum" sz="quarter" idx="17"/>
-          </p:nvPr>
-        </p:nvSpPr>
-        <p:spPr/>
-        <p:txBody>
-          <a:bodyPr/>
-          <a:lstStyle/>
-          <a:p>
-            <a:pPr algn="r"/>
-            <a:fld id="{256D3EEF-DE4E-429D-8EC4-DDC531AFF587}" type="slidenum">
-              <a:rPr kumimoji="0" lang="fr-FR" sz="1000" smtClean="0"/>
-              <a:pPr algn="r"/>
-              <a:t>16</a:t>
-            </a:fld>
-            <a:endParaRPr kumimoji="0" lang="fr-FR"/>
-          </a:p>
-        </p:txBody>
-      </p:sp>
-      <p:sp>
-        <p:nvSpPr>
-          <p:cNvPr id="4" name="Espace réservé du texte 3"/>
-          <p:cNvSpPr>
-            <a:spLocks noGrp="1"/>
-          </p:cNvSpPr>
-          <p:nvPr>
-            <p:ph type="body" sz="quarter" idx="13"/>
-          </p:nvPr>
-        </p:nvSpPr>
-        <p:spPr/>
-        <p:txBody>
-          <a:bodyPr>
-            <a:normAutofit fontScale="55000" lnSpcReduction="20000"/>
-          </a:bodyPr>
-          <a:lstStyle/>
-          <a:p>
-            <a:r>
-              <a:rPr lang="fr-FR" dirty="0"/>
-              <a:t>Présentation interne de </a:t>
-            </a:r>
-            <a:r>
-              <a:rPr lang="fr-FR" dirty="0" smtClean="0"/>
-              <a:t>L’axe </a:t>
-            </a:r>
-            <a:r>
-              <a:rPr lang="fr-FR" dirty="0" err="1" smtClean="0"/>
-              <a:t>Emericc</a:t>
-            </a:r>
-            <a:endParaRPr lang="fr-FR" dirty="0" smtClean="0"/>
-          </a:p>
-          <a:p>
-            <a:r>
-              <a:rPr lang="fr-FR" dirty="0" smtClean="0"/>
-              <a:t>Composants de la chaîne d’information</a:t>
-            </a:r>
-            <a:endParaRPr lang="fr-FR" dirty="0"/>
-          </a:p>
-        </p:txBody>
-      </p:sp>
-      <p:sp>
-        <p:nvSpPr>
-          <p:cNvPr id="20" name="ZoneTexte 19">
-            <a:hlinkClick r:id="rId2" action="ppaction://hlinksldjump"/>
-          </p:cNvPr>
-          <p:cNvSpPr txBox="1"/>
-          <p:nvPr/>
-        </p:nvSpPr>
-        <p:spPr>
-          <a:xfrm>
-            <a:off x="107504" y="6525344"/>
-            <a:ext cx="8136904" cy="307777"/>
-          </a:xfrm>
-          <a:prstGeom prst="rect">
-            <a:avLst/>
-          </a:prstGeom>
-          <a:noFill/>
-        </p:spPr>
-        <p:txBody>
-          <a:bodyPr wrap="square" rtlCol="0">
-            <a:spAutoFit/>
-          </a:bodyPr>
-          <a:lstStyle/>
-          <a:p>
-            <a:pPr algn="r"/>
-            <a:r>
-              <a:rPr lang="fr-FR" sz="1400" i="1" dirty="0" smtClean="0">
-                <a:solidFill>
-                  <a:schemeClr val="bg1">
-                    <a:lumMod val="50000"/>
-                  </a:schemeClr>
-                </a:solidFill>
-              </a:rPr>
-              <a:t>Retour vers le menu</a:t>
-            </a:r>
-            <a:endParaRPr lang="fr-FR" sz="1400" i="1" dirty="0">
-              <a:solidFill>
-                <a:schemeClr val="bg1">
-                  <a:lumMod val="50000"/>
-                </a:schemeClr>
-              </a:solidFill>
-            </a:endParaRPr>
-          </a:p>
-        </p:txBody>
-      </p:sp>
-    </p:spTree>
-    <p:extLst>
-      <p:ext uri="{BB962C8B-B14F-4D97-AF65-F5344CB8AC3E}">
-        <p14:creationId xmlns:p14="http://schemas.microsoft.com/office/powerpoint/2010/main" val="401315987"/>
-      </p:ext>
-    </p:extLst>
-  </p:cSld>
-  <p:clrMapOvr>
-    <a:masterClrMapping/>
-  </p:clrMapOvr>
-  <p:timing>
-    <p:tnLst>
-      <p:par>
-        <p:cTn id="1" dur="indefinite" restart="never" nodeType="tmRoot"/>
-      </p:par>
-    </p:tnLst>
-  </p:timing>
-</p:sld>
-</file>
-
-<file path=ppt/slides/slide17.xml><?xml version="1.0" encoding="utf-8"?>
-<p:sld xmlns:a="http://schemas.openxmlformats.org/drawingml/2006/main" xmlns:r="http://schemas.openxmlformats.org/officeDocument/2006/relationships" xmlns:p="http://schemas.openxmlformats.org/presentationml/2006/main">
-  <p:cSld>
-    <p:spTree>
-      <p:nvGrpSpPr>
-        <p:cNvPr id="1" name=""/>
-        <p:cNvGrpSpPr/>
-        <p:nvPr/>
-      </p:nvGrpSpPr>
-      <p:grpSpPr>
-        <a:xfrm>
-          <a:off x="0" y="0"/>
-          <a:ext cx="0" cy="0"/>
-          <a:chOff x="0" y="0"/>
-          <a:chExt cx="0" cy="0"/>
-        </a:xfrm>
-      </p:grpSpPr>
-      <p:sp>
-        <p:nvSpPr>
-          <p:cNvPr id="2" name="Espace réservé du contenu 1"/>
-          <p:cNvSpPr>
-            <a:spLocks noGrp="1"/>
-          </p:cNvSpPr>
-          <p:nvPr>
-            <p:ph sz="quarter" idx="15"/>
-          </p:nvPr>
-        </p:nvSpPr>
-        <p:spPr/>
-        <p:txBody>
-          <a:bodyPr/>
-          <a:lstStyle/>
-          <a:p>
-            <a:endParaRPr lang="fr-FR"/>
-          </a:p>
-        </p:txBody>
-      </p:sp>
-      <p:sp>
-        <p:nvSpPr>
-          <p:cNvPr id="3" name="Espace réservé du numéro de diapositive 2"/>
-          <p:cNvSpPr>
-            <a:spLocks noGrp="1"/>
-          </p:cNvSpPr>
-          <p:nvPr>
-            <p:ph type="sldNum" sz="quarter" idx="17"/>
-          </p:nvPr>
-        </p:nvSpPr>
-        <p:spPr/>
-        <p:txBody>
-          <a:bodyPr/>
-          <a:lstStyle/>
-          <a:p>
-            <a:fld id="{256D3EEF-DE4E-429D-8EC4-DDC531AFF587}" type="slidenum">
-              <a:rPr lang="fr-FR" smtClean="0"/>
-              <a:pPr/>
-              <a:t>17</a:t>
-            </a:fld>
-            <a:endParaRPr lang="fr-FR" dirty="0"/>
-          </a:p>
-        </p:txBody>
-      </p:sp>
-      <p:sp>
-        <p:nvSpPr>
-          <p:cNvPr id="4" name="Espace réservé du texte 3"/>
-          <p:cNvSpPr>
-            <a:spLocks noGrp="1"/>
-          </p:cNvSpPr>
-          <p:nvPr>
-            <p:ph type="body" sz="quarter" idx="13"/>
-          </p:nvPr>
-        </p:nvSpPr>
-        <p:spPr/>
-        <p:txBody>
-          <a:bodyPr/>
-          <a:lstStyle/>
-          <a:p>
-            <a:r>
-              <a:rPr lang="fr-FR" dirty="0" smtClean="0"/>
-              <a:t>Présentation interne de la DAE</a:t>
-            </a:r>
-            <a:endParaRPr lang="fr-FR" dirty="0"/>
-          </a:p>
-        </p:txBody>
-      </p:sp>
-    </p:spTree>
-    <p:extLst>
-      <p:ext uri="{BB962C8B-B14F-4D97-AF65-F5344CB8AC3E}">
-        <p14:creationId xmlns:p14="http://schemas.microsoft.com/office/powerpoint/2010/main" val="2367593916"/>
-      </p:ext>
-    </p:extLst>
-  </p:cSld>
-  <p:clrMapOvr>
-    <a:masterClrMapping/>
-  </p:clrMapOvr>
-</p:sld>
-</file>
-
-<file path=ppt/slides/slide18.xml><?xml version="1.0" encoding="utf-8"?>
-<p:sld xmlns:a="http://schemas.openxmlformats.org/drawingml/2006/main" xmlns:r="http://schemas.openxmlformats.org/officeDocument/2006/relationships" xmlns:p="http://schemas.openxmlformats.org/presentationml/2006/main">
-  <p:cSld>
-    <p:spTree>
-      <p:nvGrpSpPr>
-        <p:cNvPr id="1" name=""/>
-        <p:cNvGrpSpPr/>
-        <p:nvPr/>
-      </p:nvGrpSpPr>
-      <p:grpSpPr>
-        <a:xfrm>
-          <a:off x="0" y="0"/>
-          <a:ext cx="0" cy="0"/>
-          <a:chOff x="0" y="0"/>
-          <a:chExt cx="0" cy="0"/>
-        </a:xfrm>
-      </p:grpSpPr>
-      <p:sp>
-        <p:nvSpPr>
           <p:cNvPr id="5" name="Titre 4"/>
           <p:cNvSpPr>
             <a:spLocks noGrp="1"/>
@@ -12470,7 +11519,7 @@
             <a:fld id="{256D3EEF-DE4E-429D-8EC4-DDC531AFF587}" type="slidenum">
               <a:rPr lang="fr-FR" smtClean="0"/>
               <a:pPr/>
-              <a:t>18</a:t>
+              <a:t>11</a:t>
             </a:fld>
             <a:endParaRPr lang="fr-FR" dirty="0"/>
           </a:p>
@@ -12541,7 +11590,7 @@
 </p:sld>
 </file>
 
-<file path=ppt/slides/slide19.xml><?xml version="1.0" encoding="utf-8"?>
+<file path=ppt/slides/slide12.xml><?xml version="1.0" encoding="utf-8"?>
 <p:sld xmlns:a="http://schemas.openxmlformats.org/drawingml/2006/main" xmlns:r="http://schemas.openxmlformats.org/officeDocument/2006/relationships" xmlns:p="http://schemas.openxmlformats.org/presentationml/2006/main">
   <p:cSld>
     <p:spTree>
@@ -12568,7 +11617,12 @@
             <p:ph sz="quarter" idx="15"/>
           </p:nvPr>
         </p:nvSpPr>
-        <p:spPr/>
+        <p:spPr>
+          <a:xfrm>
+            <a:off x="304800" y="980728"/>
+            <a:ext cx="4987280" cy="5267672"/>
+          </a:xfrm>
+        </p:spPr>
         <p:txBody>
           <a:bodyPr>
             <a:normAutofit/>
@@ -12577,31 +11631,20 @@
           <a:p>
             <a:r>
               <a:rPr lang="fr-FR" dirty="0" smtClean="0"/>
-              <a:t>Lancer le logiciel </a:t>
-            </a:r>
+              <a:t>Lancer le logiciel TRIBAR</a:t>
+            </a:r>
+          </a:p>
+          <a:p>
             <a:r>
               <a:rPr lang="fr-FR" dirty="0" smtClean="0"/>
-              <a:t>TRIBAR</a:t>
-            </a:r>
-            <a:endParaRPr lang="fr-FR" dirty="0" smtClean="0"/>
-          </a:p>
-          <a:p>
-            <a:r>
-              <a:rPr lang="fr-FR" dirty="0" smtClean="0"/>
-              <a:t>Valider </a:t>
-            </a:r>
-            <a:r>
-              <a:rPr lang="fr-FR" dirty="0" smtClean="0"/>
-              <a:t>la demande d’initialisation</a:t>
-            </a:r>
-            <a:endParaRPr lang="fr-FR" dirty="0" smtClean="0"/>
+              <a:t>Valider la demande d’initialisation</a:t>
+            </a:r>
           </a:p>
           <a:p>
             <a:r>
               <a:rPr lang="fr-FR" dirty="0" smtClean="0"/>
               <a:t>Dans l’onglet Initialisation </a:t>
             </a:r>
-            <a:endParaRPr lang="fr-FR" dirty="0" smtClean="0"/>
           </a:p>
           <a:p>
             <a:pPr lvl="1"/>
@@ -12667,7 +11710,7 @@
             <a:fld id="{256D3EEF-DE4E-429D-8EC4-DDC531AFF587}" type="slidenum">
               <a:rPr lang="fr-FR" smtClean="0"/>
               <a:pPr/>
-              <a:t>19</a:t>
+              <a:t>12</a:t>
             </a:fld>
             <a:endParaRPr lang="fr-FR" dirty="0"/>
           </a:p>
@@ -12754,6 +11797,134 @@
           </a:p>
         </p:txBody>
       </p:sp>
+      <p:pic>
+        <p:nvPicPr>
+          <p:cNvPr id="1026" name="Picture 2"/>
+          <p:cNvPicPr>
+            <a:picLocks noChangeAspect="1" noChangeArrowheads="1"/>
+          </p:cNvPicPr>
+          <p:nvPr/>
+        </p:nvPicPr>
+        <p:blipFill>
+          <a:blip r:embed="rId3">
+            <a:extLst>
+              <a:ext uri="{28A0092B-C50C-407E-A947-70E740481C1C}">
+                <a14:useLocalDpi xmlns:a14="http://schemas.microsoft.com/office/drawing/2010/main" val="0"/>
+              </a:ext>
+            </a:extLst>
+          </a:blip>
+          <a:srcRect/>
+          <a:stretch>
+            <a:fillRect/>
+          </a:stretch>
+        </p:blipFill>
+        <p:spPr bwMode="auto">
+          <a:xfrm>
+            <a:off x="4175956" y="980728"/>
+            <a:ext cx="533400" cy="495300"/>
+          </a:xfrm>
+          <a:prstGeom prst="rect">
+            <a:avLst/>
+          </a:prstGeom>
+          <a:noFill/>
+          <a:ln>
+            <a:noFill/>
+          </a:ln>
+          <a:effectLst/>
+          <a:extLst>
+            <a:ext uri="{909E8E84-426E-40DD-AFC4-6F175D3DCCD1}">
+              <a14:hiddenFill xmlns:a14="http://schemas.microsoft.com/office/drawing/2010/main">
+                <a:solidFill>
+                  <a:schemeClr val="accent1"/>
+                </a:solidFill>
+              </a14:hiddenFill>
+            </a:ext>
+            <a:ext uri="{91240B29-F687-4F45-9708-019B960494DF}">
+              <a14:hiddenLine xmlns:a14="http://schemas.microsoft.com/office/drawing/2010/main" w="9525">
+                <a:solidFill>
+                  <a:schemeClr val="tx1"/>
+                </a:solidFill>
+                <a:miter lim="800000"/>
+                <a:headEnd/>
+                <a:tailEnd/>
+              </a14:hiddenLine>
+            </a:ext>
+            <a:ext uri="{AF507438-7753-43E0-B8FC-AC1667EBCBE1}">
+              <a14:hiddenEffects xmlns:a14="http://schemas.microsoft.com/office/drawing/2010/main">
+                <a:effectLst>
+                  <a:outerShdw dist="35921" dir="2700000" algn="ctr" rotWithShape="0">
+                    <a:schemeClr val="bg2"/>
+                  </a:outerShdw>
+                </a:effectLst>
+              </a14:hiddenEffects>
+            </a:ext>
+          </a:extLst>
+        </p:spPr>
+      </p:pic>
+      <p:pic>
+        <p:nvPicPr>
+          <p:cNvPr id="1027" name="Picture 3"/>
+          <p:cNvPicPr>
+            <a:picLocks noChangeAspect="1" noChangeArrowheads="1"/>
+          </p:cNvPicPr>
+          <p:nvPr/>
+        </p:nvPicPr>
+        <p:blipFill>
+          <a:blip r:embed="rId4">
+            <a:extLst>
+              <a:ext uri="{28A0092B-C50C-407E-A947-70E740481C1C}">
+                <a14:useLocalDpi xmlns:a14="http://schemas.microsoft.com/office/drawing/2010/main" val="0"/>
+              </a:ext>
+            </a:extLst>
+          </a:blip>
+          <a:srcRect/>
+          <a:stretch>
+            <a:fillRect/>
+          </a:stretch>
+        </p:blipFill>
+        <p:spPr bwMode="auto">
+          <a:xfrm>
+            <a:off x="4860032" y="1700808"/>
+            <a:ext cx="3168352" cy="2387115"/>
+          </a:xfrm>
+          <a:prstGeom prst="rect">
+            <a:avLst/>
+          </a:prstGeom>
+          <a:noFill/>
+          <a:ln>
+            <a:noFill/>
+          </a:ln>
+          <a:effectLst/>
+          <a:extLst>
+            <a:ext uri="{909E8E84-426E-40DD-AFC4-6F175D3DCCD1}">
+              <a14:hiddenFill xmlns:a14="http://schemas.microsoft.com/office/drawing/2010/main">
+                <a:solidFill>
+                  <a:schemeClr val="accent1"/>
+                </a:solidFill>
+              </a14:hiddenFill>
+            </a:ext>
+            <a:ext uri="{91240B29-F687-4F45-9708-019B960494DF}">
+              <a14:hiddenLine xmlns:a14="http://schemas.microsoft.com/office/drawing/2010/main" w="9525">
+                <a:solidFill>
+                  <a:schemeClr val="tx1"/>
+                </a:solidFill>
+                <a:miter lim="800000"/>
+                <a:headEnd/>
+                <a:tailEnd/>
+              </a14:hiddenLine>
+            </a:ext>
+            <a:ext uri="{AF507438-7753-43E0-B8FC-AC1667EBCBE1}">
+              <a14:hiddenEffects xmlns:a14="http://schemas.microsoft.com/office/drawing/2010/main">
+                <a:effectLst>
+                  <a:outerShdw dist="35921" dir="2700000" algn="ctr" rotWithShape="0">
+                    <a:schemeClr val="bg2"/>
+                  </a:outerShdw>
+                </a:effectLst>
+              </a14:hiddenEffects>
+            </a:ext>
+          </a:extLst>
+        </p:spPr>
+      </p:pic>
     </p:spTree>
     <p:extLst>
       <p:ext uri="{BB962C8B-B14F-4D97-AF65-F5344CB8AC3E}">
@@ -12774,6 +11945,850 @@
 </p:sld>
 </file>
 
+<file path=ppt/slides/slide13.xml><?xml version="1.0" encoding="utf-8"?>
+<p:sld xmlns:a="http://schemas.openxmlformats.org/drawingml/2006/main" xmlns:r="http://schemas.openxmlformats.org/officeDocument/2006/relationships" xmlns:p="http://schemas.openxmlformats.org/presentationml/2006/main">
+  <p:cSld>
+    <p:spTree>
+      <p:nvGrpSpPr>
+        <p:cNvPr id="1" name=""/>
+        <p:cNvGrpSpPr/>
+        <p:nvPr/>
+      </p:nvGrpSpPr>
+      <p:grpSpPr>
+        <a:xfrm>
+          <a:off x="0" y="0"/>
+          <a:ext cx="0" cy="0"/>
+          <a:chOff x="0" y="0"/>
+          <a:chExt cx="0" cy="0"/>
+        </a:xfrm>
+      </p:grpSpPr>
+      <p:sp>
+        <p:nvSpPr>
+          <p:cNvPr id="2" name="Espace réservé du contenu 1"/>
+          <p:cNvSpPr>
+            <a:spLocks noGrp="1"/>
+          </p:cNvSpPr>
+          <p:nvPr>
+            <p:ph sz="quarter" idx="15"/>
+          </p:nvPr>
+        </p:nvSpPr>
+        <p:spPr>
+          <a:xfrm>
+            <a:off x="304800" y="980728"/>
+            <a:ext cx="7839100" cy="5760640"/>
+          </a:xfrm>
+        </p:spPr>
+        <p:txBody>
+          <a:bodyPr>
+            <a:normAutofit/>
+          </a:bodyPr>
+          <a:lstStyle/>
+          <a:p>
+            <a:pPr lvl="0"/>
+            <a:r>
+              <a:rPr lang="fr-FR" sz="2000" dirty="0" smtClean="0"/>
+              <a:t>Asservissement en position : Module 7</a:t>
+            </a:r>
+          </a:p>
+          <a:p>
+            <a:pPr lvl="1"/>
+            <a:r>
+              <a:rPr lang="fr-FR" sz="1600" dirty="0" smtClean="0"/>
+              <a:t>Sélectionner le doit et le vérin à déplacer</a:t>
+            </a:r>
+          </a:p>
+          <a:p>
+            <a:pPr lvl="1"/>
+            <a:r>
+              <a:rPr lang="fr-FR" sz="1600" dirty="0" smtClean="0"/>
+              <a:t>Régler les différents paramètres du correcteur PID</a:t>
+            </a:r>
+          </a:p>
+          <a:p>
+            <a:pPr lvl="1"/>
+            <a:r>
+              <a:rPr lang="fr-FR" sz="1600" dirty="0" smtClean="0"/>
+              <a:t>Cliquer sur GO pour lancer la mesure</a:t>
+            </a:r>
+          </a:p>
+          <a:p>
+            <a:pPr lvl="1"/>
+            <a:r>
+              <a:rPr lang="fr-FR" sz="1600" dirty="0" smtClean="0"/>
+              <a:t>Cliquer sur Voir Courbe vérin pour afficher la courbe des vérins</a:t>
+            </a:r>
+          </a:p>
+          <a:p>
+            <a:pPr lvl="2"/>
+            <a:r>
+              <a:rPr lang="fr-FR" sz="1600" dirty="0" smtClean="0"/>
+              <a:t>Une fenêtre </a:t>
+            </a:r>
+            <a:r>
+              <a:rPr lang="fr-FR" sz="1600" dirty="0" err="1" smtClean="0"/>
+              <a:t>gnuplot</a:t>
+            </a:r>
+            <a:r>
+              <a:rPr lang="fr-FR" sz="1600" dirty="0" smtClean="0"/>
+              <a:t> s’ouvre</a:t>
+            </a:r>
+          </a:p>
+          <a:p>
+            <a:pPr lvl="2"/>
+            <a:r>
+              <a:rPr lang="fr-FR" sz="1600" dirty="0" smtClean="0"/>
+              <a:t>Dans le menu sélectionner Position pour visualiser la courbe de position</a:t>
+            </a:r>
+            <a:endParaRPr lang="fr-FR" sz="1600" dirty="0"/>
+          </a:p>
+          <a:p>
+            <a:pPr lvl="0"/>
+            <a:endParaRPr lang="fr-FR" sz="2000" dirty="0"/>
+          </a:p>
+        </p:txBody>
+      </p:sp>
+      <p:sp>
+        <p:nvSpPr>
+          <p:cNvPr id="3" name="Espace réservé du numéro de diapositive 2"/>
+          <p:cNvSpPr>
+            <a:spLocks noGrp="1"/>
+          </p:cNvSpPr>
+          <p:nvPr>
+            <p:ph type="sldNum" sz="quarter" idx="17"/>
+          </p:nvPr>
+        </p:nvSpPr>
+        <p:spPr/>
+        <p:txBody>
+          <a:bodyPr/>
+          <a:lstStyle/>
+          <a:p>
+            <a:fld id="{256D3EEF-DE4E-429D-8EC4-DDC531AFF587}" type="slidenum">
+              <a:rPr lang="fr-FR" smtClean="0"/>
+              <a:pPr/>
+              <a:t>13</a:t>
+            </a:fld>
+            <a:endParaRPr lang="fr-FR" dirty="0"/>
+          </a:p>
+        </p:txBody>
+      </p:sp>
+      <p:sp>
+        <p:nvSpPr>
+          <p:cNvPr id="4" name="Espace réservé du texte 3"/>
+          <p:cNvSpPr>
+            <a:spLocks noGrp="1"/>
+          </p:cNvSpPr>
+          <p:nvPr>
+            <p:ph type="body" sz="quarter" idx="13"/>
+          </p:nvPr>
+        </p:nvSpPr>
+        <p:spPr/>
+        <p:txBody>
+          <a:bodyPr>
+            <a:normAutofit fontScale="55000" lnSpcReduction="20000"/>
+          </a:bodyPr>
+          <a:lstStyle/>
+          <a:p>
+            <a:r>
+              <a:rPr lang="fr-FR" dirty="0"/>
+              <a:t>Présentation du logiciel d’acquisition</a:t>
+            </a:r>
+            <a:br>
+              <a:rPr lang="fr-FR" dirty="0"/>
+            </a:br>
+            <a:r>
+              <a:rPr lang="fr-FR" dirty="0" smtClean="0"/>
+              <a:t>Réalisation d’une acquisition</a:t>
+            </a:r>
+            <a:endParaRPr lang="fr-FR" dirty="0"/>
+          </a:p>
+          <a:p>
+            <a:endParaRPr lang="fr-FR" dirty="0"/>
+          </a:p>
+        </p:txBody>
+      </p:sp>
+      <p:sp>
+        <p:nvSpPr>
+          <p:cNvPr id="10" name="ZoneTexte 9">
+            <a:hlinkClick r:id="rId2" action="ppaction://hlinksldjump"/>
+          </p:cNvPr>
+          <p:cNvSpPr txBox="1"/>
+          <p:nvPr/>
+        </p:nvSpPr>
+        <p:spPr>
+          <a:xfrm>
+            <a:off x="107504" y="6525344"/>
+            <a:ext cx="8136904" cy="307777"/>
+          </a:xfrm>
+          <a:prstGeom prst="rect">
+            <a:avLst/>
+          </a:prstGeom>
+          <a:noFill/>
+        </p:spPr>
+        <p:txBody>
+          <a:bodyPr wrap="square" rtlCol="0">
+            <a:spAutoFit/>
+          </a:bodyPr>
+          <a:lstStyle/>
+          <a:p>
+            <a:pPr algn="r"/>
+            <a:r>
+              <a:rPr lang="fr-FR" sz="1400" i="1" dirty="0" smtClean="0">
+                <a:solidFill>
+                  <a:schemeClr val="bg1">
+                    <a:lumMod val="50000"/>
+                  </a:schemeClr>
+                </a:solidFill>
+              </a:rPr>
+              <a:t>Retour vers le menu</a:t>
+            </a:r>
+            <a:endParaRPr lang="fr-FR" sz="1400" i="1" dirty="0">
+              <a:solidFill>
+                <a:schemeClr val="bg1">
+                  <a:lumMod val="50000"/>
+                </a:schemeClr>
+              </a:solidFill>
+            </a:endParaRPr>
+          </a:p>
+        </p:txBody>
+      </p:sp>
+      <p:pic>
+        <p:nvPicPr>
+          <p:cNvPr id="2050" name="Picture 2"/>
+          <p:cNvPicPr>
+            <a:picLocks noChangeAspect="1" noChangeArrowheads="1"/>
+          </p:cNvPicPr>
+          <p:nvPr/>
+        </p:nvPicPr>
+        <p:blipFill>
+          <a:blip r:embed="rId3">
+            <a:extLst>
+              <a:ext uri="{28A0092B-C50C-407E-A947-70E740481C1C}">
+                <a14:useLocalDpi xmlns:a14="http://schemas.microsoft.com/office/drawing/2010/main" val="0"/>
+              </a:ext>
+            </a:extLst>
+          </a:blip>
+          <a:srcRect/>
+          <a:stretch>
+            <a:fillRect/>
+          </a:stretch>
+        </p:blipFill>
+        <p:spPr bwMode="auto">
+          <a:xfrm>
+            <a:off x="361888" y="3429000"/>
+            <a:ext cx="3790454" cy="2856688"/>
+          </a:xfrm>
+          <a:prstGeom prst="rect">
+            <a:avLst/>
+          </a:prstGeom>
+          <a:noFill/>
+          <a:ln>
+            <a:noFill/>
+          </a:ln>
+          <a:effectLst/>
+          <a:extLst>
+            <a:ext uri="{909E8E84-426E-40DD-AFC4-6F175D3DCCD1}">
+              <a14:hiddenFill xmlns:a14="http://schemas.microsoft.com/office/drawing/2010/main">
+                <a:solidFill>
+                  <a:schemeClr val="accent1"/>
+                </a:solidFill>
+              </a14:hiddenFill>
+            </a:ext>
+            <a:ext uri="{91240B29-F687-4F45-9708-019B960494DF}">
+              <a14:hiddenLine xmlns:a14="http://schemas.microsoft.com/office/drawing/2010/main" w="9525">
+                <a:solidFill>
+                  <a:schemeClr val="tx1"/>
+                </a:solidFill>
+                <a:miter lim="800000"/>
+                <a:headEnd/>
+                <a:tailEnd/>
+              </a14:hiddenLine>
+            </a:ext>
+            <a:ext uri="{AF507438-7753-43E0-B8FC-AC1667EBCBE1}">
+              <a14:hiddenEffects xmlns:a14="http://schemas.microsoft.com/office/drawing/2010/main">
+                <a:effectLst>
+                  <a:outerShdw dist="35921" dir="2700000" algn="ctr" rotWithShape="0">
+                    <a:schemeClr val="bg2"/>
+                  </a:outerShdw>
+                </a:effectLst>
+              </a14:hiddenEffects>
+            </a:ext>
+          </a:extLst>
+        </p:spPr>
+      </p:pic>
+      <p:pic>
+        <p:nvPicPr>
+          <p:cNvPr id="7" name="Picture 4"/>
+          <p:cNvPicPr>
+            <a:picLocks noChangeAspect="1" noChangeArrowheads="1"/>
+          </p:cNvPicPr>
+          <p:nvPr/>
+        </p:nvPicPr>
+        <p:blipFill rotWithShape="1">
+          <a:blip r:embed="rId4">
+            <a:extLst>
+              <a:ext uri="{28A0092B-C50C-407E-A947-70E740481C1C}">
+                <a14:useLocalDpi xmlns:a14="http://schemas.microsoft.com/office/drawing/2010/main" val="0"/>
+              </a:ext>
+            </a:extLst>
+          </a:blip>
+          <a:srcRect r="38486" b="59281"/>
+          <a:stretch/>
+        </p:blipFill>
+        <p:spPr bwMode="auto">
+          <a:xfrm>
+            <a:off x="4355975" y="3947136"/>
+            <a:ext cx="3438623" cy="1820416"/>
+          </a:xfrm>
+          <a:prstGeom prst="rect">
+            <a:avLst/>
+          </a:prstGeom>
+          <a:noFill/>
+          <a:ln>
+            <a:noFill/>
+          </a:ln>
+          <a:effectLst/>
+          <a:extLst>
+            <a:ext uri="{909E8E84-426E-40DD-AFC4-6F175D3DCCD1}">
+              <a14:hiddenFill xmlns:a14="http://schemas.microsoft.com/office/drawing/2010/main">
+                <a:solidFill>
+                  <a:schemeClr val="accent1"/>
+                </a:solidFill>
+              </a14:hiddenFill>
+            </a:ext>
+            <a:ext uri="{91240B29-F687-4F45-9708-019B960494DF}">
+              <a14:hiddenLine xmlns:a14="http://schemas.microsoft.com/office/drawing/2010/main" w="9525">
+                <a:solidFill>
+                  <a:schemeClr val="tx1"/>
+                </a:solidFill>
+                <a:miter lim="800000"/>
+                <a:headEnd/>
+                <a:tailEnd/>
+              </a14:hiddenLine>
+            </a:ext>
+            <a:ext uri="{AF507438-7753-43E0-B8FC-AC1667EBCBE1}">
+              <a14:hiddenEffects xmlns:a14="http://schemas.microsoft.com/office/drawing/2010/main">
+                <a:effectLst>
+                  <a:outerShdw dist="35921" dir="2700000" algn="ctr" rotWithShape="0">
+                    <a:schemeClr val="bg2"/>
+                  </a:outerShdw>
+                </a:effectLst>
+              </a14:hiddenEffects>
+            </a:ext>
+          </a:extLst>
+        </p:spPr>
+      </p:pic>
+      <p:sp>
+        <p:nvSpPr>
+          <p:cNvPr id="5" name="Rectangle 4"/>
+          <p:cNvSpPr/>
+          <p:nvPr/>
+        </p:nvSpPr>
+        <p:spPr>
+          <a:xfrm>
+            <a:off x="4355975" y="4005064"/>
+            <a:ext cx="288033" cy="216024"/>
+          </a:xfrm>
+          <a:prstGeom prst="rect">
+            <a:avLst/>
+          </a:prstGeom>
+          <a:noFill/>
+          <a:ln>
+            <a:solidFill>
+              <a:srgbClr val="FF0000"/>
+            </a:solidFill>
+          </a:ln>
+        </p:spPr>
+        <p:style>
+          <a:lnRef idx="2">
+            <a:schemeClr val="accent1">
+              <a:shade val="50000"/>
+            </a:schemeClr>
+          </a:lnRef>
+          <a:fillRef idx="1">
+            <a:schemeClr val="accent1"/>
+          </a:fillRef>
+          <a:effectRef idx="0">
+            <a:schemeClr val="accent1"/>
+          </a:effectRef>
+          <a:fontRef idx="minor">
+            <a:schemeClr val="lt1"/>
+          </a:fontRef>
+        </p:style>
+        <p:txBody>
+          <a:bodyPr rtlCol="0" anchor="ctr"/>
+          <a:lstStyle/>
+          <a:p>
+            <a:pPr algn="ctr"/>
+            <a:endParaRPr lang="fr-FR"/>
+          </a:p>
+        </p:txBody>
+      </p:sp>
+    </p:spTree>
+    <p:extLst>
+      <p:ext uri="{BB962C8B-B14F-4D97-AF65-F5344CB8AC3E}">
+        <p14:creationId xmlns:p14="http://schemas.microsoft.com/office/powerpoint/2010/main" val="1651410228"/>
+      </p:ext>
+    </p:extLst>
+  </p:cSld>
+  <p:clrMapOvr>
+    <a:masterClrMapping/>
+  </p:clrMapOvr>
+  <p:timing>
+    <p:tnLst>
+      <p:par>
+        <p:cTn id="1" dur="indefinite" restart="never" nodeType="tmRoot"/>
+      </p:par>
+    </p:tnLst>
+  </p:timing>
+</p:sld>
+</file>
+
+<file path=ppt/slides/slide14.xml><?xml version="1.0" encoding="utf-8"?>
+<p:sld xmlns:a="http://schemas.openxmlformats.org/drawingml/2006/main" xmlns:r="http://schemas.openxmlformats.org/officeDocument/2006/relationships" xmlns:p="http://schemas.openxmlformats.org/presentationml/2006/main">
+  <p:cSld>
+    <p:spTree>
+      <p:nvGrpSpPr>
+        <p:cNvPr id="1" name=""/>
+        <p:cNvGrpSpPr/>
+        <p:nvPr/>
+      </p:nvGrpSpPr>
+      <p:grpSpPr>
+        <a:xfrm>
+          <a:off x="0" y="0"/>
+          <a:ext cx="0" cy="0"/>
+          <a:chOff x="0" y="0"/>
+          <a:chExt cx="0" cy="0"/>
+        </a:xfrm>
+      </p:grpSpPr>
+      <p:sp>
+        <p:nvSpPr>
+          <p:cNvPr id="2" name="Espace réservé du contenu 1"/>
+          <p:cNvSpPr>
+            <a:spLocks noGrp="1"/>
+          </p:cNvSpPr>
+          <p:nvPr>
+            <p:ph sz="quarter" idx="15"/>
+          </p:nvPr>
+        </p:nvSpPr>
+        <p:spPr>
+          <a:xfrm>
+            <a:off x="107504" y="980728"/>
+            <a:ext cx="5688632" cy="4069370"/>
+          </a:xfrm>
+        </p:spPr>
+        <p:txBody>
+          <a:bodyPr>
+            <a:normAutofit fontScale="85000" lnSpcReduction="10000"/>
+          </a:bodyPr>
+          <a:lstStyle/>
+          <a:p>
+            <a:r>
+              <a:rPr lang="fr-FR" dirty="0" smtClean="0"/>
+              <a:t>Les fichiers de mesure sont des fichiers texte deux colonnes</a:t>
+            </a:r>
+          </a:p>
+          <a:p>
+            <a:pPr lvl="1"/>
+            <a:r>
+              <a:rPr lang="fr-FR" dirty="0" smtClean="0"/>
+              <a:t>1</a:t>
+            </a:r>
+            <a:r>
+              <a:rPr lang="fr-FR" baseline="30000" dirty="0" smtClean="0"/>
+              <a:t>ère</a:t>
+            </a:r>
+            <a:r>
+              <a:rPr lang="fr-FR" dirty="0" smtClean="0"/>
+              <a:t> colonne : temps (ms)</a:t>
+            </a:r>
+          </a:p>
+          <a:p>
+            <a:pPr lvl="1"/>
+            <a:r>
+              <a:rPr lang="fr-FR" dirty="0" smtClean="0"/>
+              <a:t>2</a:t>
+            </a:r>
+            <a:r>
+              <a:rPr lang="fr-FR" baseline="30000" dirty="0" smtClean="0"/>
+              <a:t>nde</a:t>
+            </a:r>
+            <a:r>
+              <a:rPr lang="fr-FR" dirty="0" smtClean="0"/>
+              <a:t> colonne : position (en tops)</a:t>
+            </a:r>
+          </a:p>
+          <a:p>
+            <a:pPr lvl="1"/>
+            <a:r>
+              <a:rPr lang="fr-FR" dirty="0" smtClean="0"/>
+              <a:t>Séparateur : espace</a:t>
+            </a:r>
+          </a:p>
+          <a:p>
+            <a:r>
+              <a:rPr lang="fr-FR" dirty="0" smtClean="0"/>
+              <a:t>Ouvrir Excel</a:t>
+            </a:r>
+          </a:p>
+          <a:p>
+            <a:pPr lvl="1"/>
+            <a:r>
+              <a:rPr lang="fr-FR" dirty="0" smtClean="0"/>
+              <a:t>Fichier, Ouvrir</a:t>
+            </a:r>
+          </a:p>
+          <a:p>
+            <a:pPr lvl="2"/>
+            <a:r>
+              <a:rPr lang="fr-FR" dirty="0" smtClean="0"/>
+              <a:t>Tous les fichiers (et pas seulement « Tous les fichiers Excel »)</a:t>
+            </a:r>
+          </a:p>
+          <a:p>
+            <a:pPr lvl="2"/>
+            <a:r>
+              <a:rPr lang="fr-FR" dirty="0" smtClean="0"/>
+              <a:t>« V1TOP.txt » (par exemple)</a:t>
+            </a:r>
+          </a:p>
+          <a:p>
+            <a:pPr lvl="2"/>
+            <a:r>
+              <a:rPr lang="fr-FR" dirty="0" smtClean="0"/>
+              <a:t>Origine du fichier : WINDOWS (ANSI)</a:t>
+            </a:r>
+          </a:p>
+          <a:p>
+            <a:pPr lvl="2"/>
+            <a:r>
+              <a:rPr lang="fr-FR" dirty="0" smtClean="0"/>
+              <a:t>Suivant</a:t>
+            </a:r>
+          </a:p>
+          <a:p>
+            <a:pPr lvl="2"/>
+            <a:r>
+              <a:rPr lang="fr-FR" dirty="0" smtClean="0"/>
+              <a:t>Séparateur : Espace</a:t>
+            </a:r>
+          </a:p>
+          <a:p>
+            <a:pPr lvl="2"/>
+            <a:r>
+              <a:rPr lang="fr-FR" dirty="0" smtClean="0"/>
+              <a:t>Terminer</a:t>
+            </a:r>
+            <a:endParaRPr lang="fr-FR" dirty="0"/>
+          </a:p>
+        </p:txBody>
+      </p:sp>
+      <p:sp>
+        <p:nvSpPr>
+          <p:cNvPr id="3" name="Espace réservé du numéro de diapositive 2"/>
+          <p:cNvSpPr>
+            <a:spLocks noGrp="1"/>
+          </p:cNvSpPr>
+          <p:nvPr>
+            <p:ph type="sldNum" sz="quarter" idx="17"/>
+          </p:nvPr>
+        </p:nvSpPr>
+        <p:spPr/>
+        <p:txBody>
+          <a:bodyPr/>
+          <a:lstStyle/>
+          <a:p>
+            <a:fld id="{256D3EEF-DE4E-429D-8EC4-DDC531AFF587}" type="slidenum">
+              <a:rPr lang="fr-FR" smtClean="0"/>
+              <a:pPr/>
+              <a:t>14</a:t>
+            </a:fld>
+            <a:endParaRPr lang="fr-FR" dirty="0"/>
+          </a:p>
+        </p:txBody>
+      </p:sp>
+      <p:sp>
+        <p:nvSpPr>
+          <p:cNvPr id="4" name="Espace réservé du texte 3"/>
+          <p:cNvSpPr>
+            <a:spLocks noGrp="1"/>
+          </p:cNvSpPr>
+          <p:nvPr>
+            <p:ph type="body" sz="quarter" idx="13"/>
+          </p:nvPr>
+        </p:nvSpPr>
+        <p:spPr/>
+        <p:txBody>
+          <a:bodyPr>
+            <a:normAutofit fontScale="55000" lnSpcReduction="20000"/>
+          </a:bodyPr>
+          <a:lstStyle/>
+          <a:p>
+            <a:r>
+              <a:rPr lang="fr-FR" dirty="0"/>
+              <a:t>Présentation du logiciel d’acquisition</a:t>
+            </a:r>
+            <a:br>
+              <a:rPr lang="fr-FR" dirty="0"/>
+            </a:br>
+            <a:r>
+              <a:rPr lang="fr-FR" dirty="0" smtClean="0"/>
+              <a:t>Import des points en utilisant un tableur</a:t>
+            </a:r>
+            <a:endParaRPr lang="fr-FR" dirty="0"/>
+          </a:p>
+        </p:txBody>
+      </p:sp>
+      <p:pic>
+        <p:nvPicPr>
+          <p:cNvPr id="2050" name="Picture 2"/>
+          <p:cNvPicPr>
+            <a:picLocks noChangeAspect="1" noChangeArrowheads="1"/>
+          </p:cNvPicPr>
+          <p:nvPr/>
+        </p:nvPicPr>
+        <p:blipFill>
+          <a:blip r:embed="rId2" cstate="print">
+            <a:extLst>
+              <a:ext uri="{28A0092B-C50C-407E-A947-70E740481C1C}">
+                <a14:useLocalDpi xmlns:a14="http://schemas.microsoft.com/office/drawing/2010/main" val="0"/>
+              </a:ext>
+            </a:extLst>
+          </a:blip>
+          <a:srcRect/>
+          <a:stretch>
+            <a:fillRect/>
+          </a:stretch>
+        </p:blipFill>
+        <p:spPr bwMode="auto">
+          <a:xfrm>
+            <a:off x="1259632" y="5046796"/>
+            <a:ext cx="2866684" cy="1697272"/>
+          </a:xfrm>
+          <a:prstGeom prst="rect">
+            <a:avLst/>
+          </a:prstGeom>
+          <a:noFill/>
+          <a:ln>
+            <a:noFill/>
+          </a:ln>
+          <a:effectLst/>
+          <a:extLst>
+            <a:ext uri="{909E8E84-426E-40DD-AFC4-6F175D3DCCD1}">
+              <a14:hiddenFill xmlns:a14="http://schemas.microsoft.com/office/drawing/2010/main">
+                <a:solidFill>
+                  <a:schemeClr val="accent1"/>
+                </a:solidFill>
+              </a14:hiddenFill>
+            </a:ext>
+            <a:ext uri="{91240B29-F687-4F45-9708-019B960494DF}">
+              <a14:hiddenLine xmlns:a14="http://schemas.microsoft.com/office/drawing/2010/main" w="9525">
+                <a:solidFill>
+                  <a:schemeClr val="tx1"/>
+                </a:solidFill>
+                <a:miter lim="800000"/>
+                <a:headEnd/>
+                <a:tailEnd/>
+              </a14:hiddenLine>
+            </a:ext>
+            <a:ext uri="{AF507438-7753-43E0-B8FC-AC1667EBCBE1}">
+              <a14:hiddenEffects xmlns:a14="http://schemas.microsoft.com/office/drawing/2010/main">
+                <a:effectLst>
+                  <a:outerShdw dist="35921" dir="2700000" algn="ctr" rotWithShape="0">
+                    <a:schemeClr val="bg2"/>
+                  </a:outerShdw>
+                </a:effectLst>
+              </a14:hiddenEffects>
+            </a:ext>
+          </a:extLst>
+        </p:spPr>
+      </p:pic>
+      <p:pic>
+        <p:nvPicPr>
+          <p:cNvPr id="2051" name="Picture 3"/>
+          <p:cNvPicPr>
+            <a:picLocks noChangeAspect="1" noChangeArrowheads="1"/>
+          </p:cNvPicPr>
+          <p:nvPr/>
+        </p:nvPicPr>
+        <p:blipFill>
+          <a:blip r:embed="rId3" cstate="print">
+            <a:extLst>
+              <a:ext uri="{28A0092B-C50C-407E-A947-70E740481C1C}">
+                <a14:useLocalDpi xmlns:a14="http://schemas.microsoft.com/office/drawing/2010/main" val="0"/>
+              </a:ext>
+            </a:extLst>
+          </a:blip>
+          <a:srcRect/>
+          <a:stretch>
+            <a:fillRect/>
+          </a:stretch>
+        </p:blipFill>
+        <p:spPr bwMode="auto">
+          <a:xfrm>
+            <a:off x="4572000" y="5046795"/>
+            <a:ext cx="2844949" cy="1697271"/>
+          </a:xfrm>
+          <a:prstGeom prst="rect">
+            <a:avLst/>
+          </a:prstGeom>
+          <a:noFill/>
+          <a:ln>
+            <a:noFill/>
+          </a:ln>
+          <a:effectLst/>
+          <a:extLst>
+            <a:ext uri="{909E8E84-426E-40DD-AFC4-6F175D3DCCD1}">
+              <a14:hiddenFill xmlns:a14="http://schemas.microsoft.com/office/drawing/2010/main">
+                <a:solidFill>
+                  <a:schemeClr val="accent1"/>
+                </a:solidFill>
+              </a14:hiddenFill>
+            </a:ext>
+            <a:ext uri="{91240B29-F687-4F45-9708-019B960494DF}">
+              <a14:hiddenLine xmlns:a14="http://schemas.microsoft.com/office/drawing/2010/main" w="9525">
+                <a:solidFill>
+                  <a:schemeClr val="tx1"/>
+                </a:solidFill>
+                <a:miter lim="800000"/>
+                <a:headEnd/>
+                <a:tailEnd/>
+              </a14:hiddenLine>
+            </a:ext>
+            <a:ext uri="{AF507438-7753-43E0-B8FC-AC1667EBCBE1}">
+              <a14:hiddenEffects xmlns:a14="http://schemas.microsoft.com/office/drawing/2010/main">
+                <a:effectLst>
+                  <a:outerShdw dist="35921" dir="2700000" algn="ctr" rotWithShape="0">
+                    <a:schemeClr val="bg2"/>
+                  </a:outerShdw>
+                </a:effectLst>
+              </a14:hiddenEffects>
+            </a:ext>
+          </a:extLst>
+        </p:spPr>
+      </p:pic>
+      <p:pic>
+        <p:nvPicPr>
+          <p:cNvPr id="2052" name="Picture 4"/>
+          <p:cNvPicPr>
+            <a:picLocks noChangeAspect="1" noChangeArrowheads="1"/>
+          </p:cNvPicPr>
+          <p:nvPr/>
+        </p:nvPicPr>
+        <p:blipFill>
+          <a:blip r:embed="rId4">
+            <a:extLst>
+              <a:ext uri="{28A0092B-C50C-407E-A947-70E740481C1C}">
+                <a14:useLocalDpi xmlns:a14="http://schemas.microsoft.com/office/drawing/2010/main" val="0"/>
+              </a:ext>
+            </a:extLst>
+          </a:blip>
+          <a:srcRect/>
+          <a:stretch>
+            <a:fillRect/>
+          </a:stretch>
+        </p:blipFill>
+        <p:spPr bwMode="auto">
+          <a:xfrm>
+            <a:off x="5364088" y="1124744"/>
+            <a:ext cx="2869506" cy="1904348"/>
+          </a:xfrm>
+          <a:prstGeom prst="rect">
+            <a:avLst/>
+          </a:prstGeom>
+          <a:noFill/>
+          <a:ln>
+            <a:noFill/>
+          </a:ln>
+          <a:effectLst/>
+          <a:extLst>
+            <a:ext uri="{909E8E84-426E-40DD-AFC4-6F175D3DCCD1}">
+              <a14:hiddenFill xmlns:a14="http://schemas.microsoft.com/office/drawing/2010/main">
+                <a:solidFill>
+                  <a:schemeClr val="accent1"/>
+                </a:solidFill>
+              </a14:hiddenFill>
+            </a:ext>
+            <a:ext uri="{91240B29-F687-4F45-9708-019B960494DF}">
+              <a14:hiddenLine xmlns:a14="http://schemas.microsoft.com/office/drawing/2010/main" w="9525">
+                <a:solidFill>
+                  <a:schemeClr val="tx1"/>
+                </a:solidFill>
+                <a:miter lim="800000"/>
+                <a:headEnd/>
+                <a:tailEnd/>
+              </a14:hiddenLine>
+            </a:ext>
+            <a:ext uri="{AF507438-7753-43E0-B8FC-AC1667EBCBE1}">
+              <a14:hiddenEffects xmlns:a14="http://schemas.microsoft.com/office/drawing/2010/main">
+                <a:effectLst>
+                  <a:outerShdw dist="35921" dir="2700000" algn="ctr" rotWithShape="0">
+                    <a:schemeClr val="bg2"/>
+                  </a:outerShdw>
+                </a:effectLst>
+              </a14:hiddenEffects>
+            </a:ext>
+          </a:extLst>
+        </p:spPr>
+      </p:pic>
+      <p:sp>
+        <p:nvSpPr>
+          <p:cNvPr id="5" name="Rectangle 4"/>
+          <p:cNvSpPr/>
+          <p:nvPr/>
+        </p:nvSpPr>
+        <p:spPr>
+          <a:xfrm>
+            <a:off x="7269670" y="2670286"/>
+            <a:ext cx="925290" cy="144016"/>
+          </a:xfrm>
+          <a:prstGeom prst="rect">
+            <a:avLst/>
+          </a:prstGeom>
+          <a:noFill/>
+          <a:ln>
+            <a:solidFill>
+              <a:srgbClr val="FF0000"/>
+            </a:solidFill>
+          </a:ln>
+        </p:spPr>
+        <p:style>
+          <a:lnRef idx="2">
+            <a:schemeClr val="accent1">
+              <a:shade val="50000"/>
+            </a:schemeClr>
+          </a:lnRef>
+          <a:fillRef idx="1">
+            <a:schemeClr val="accent1"/>
+          </a:fillRef>
+          <a:effectRef idx="0">
+            <a:schemeClr val="accent1"/>
+          </a:effectRef>
+          <a:fontRef idx="minor">
+            <a:schemeClr val="lt1"/>
+          </a:fontRef>
+        </p:style>
+        <p:txBody>
+          <a:bodyPr rtlCol="0" anchor="ctr"/>
+          <a:lstStyle/>
+          <a:p>
+            <a:pPr algn="ctr"/>
+            <a:endParaRPr lang="fr-FR"/>
+          </a:p>
+        </p:txBody>
+      </p:sp>
+    </p:spTree>
+    <p:extLst>
+      <p:ext uri="{BB962C8B-B14F-4D97-AF65-F5344CB8AC3E}">
+        <p14:creationId xmlns:p14="http://schemas.microsoft.com/office/powerpoint/2010/main" val="3570676962"/>
+      </p:ext>
+    </p:extLst>
+  </p:cSld>
+  <p:clrMapOvr>
+    <a:masterClrMapping/>
+  </p:clrMapOvr>
+</p:sld>
+</file>
+
 <file path=ppt/slides/slide2.xml><?xml version="1.0" encoding="utf-8"?>
 <p:sld xmlns:a="http://schemas.openxmlformats.org/drawingml/2006/main" xmlns:r="http://schemas.openxmlformats.org/officeDocument/2006/relationships" xmlns:p="http://schemas.openxmlformats.org/presentationml/2006/main">
   <p:cSld>
@@ -12812,13 +12827,7 @@
               <a:rPr lang="fr-FR" dirty="0" smtClean="0">
                 <a:hlinkClick r:id="rId2" action="ppaction://hlinksldjump"/>
               </a:rPr>
-              <a:t>Présentation générale </a:t>
-            </a:r>
-            <a:r>
-              <a:rPr lang="fr-FR" dirty="0" smtClean="0">
-                <a:hlinkClick r:id="rId2" action="ppaction://hlinksldjump"/>
-              </a:rPr>
-              <a:t>du </a:t>
+              <a:t>Présentation générale du </a:t>
             </a:r>
             <a:r>
               <a:rPr lang="fr-FR" dirty="0" err="1" smtClean="0">
@@ -12894,13 +12903,7 @@
               <a:rPr lang="fr-FR" dirty="0">
                 <a:hlinkClick r:id="rId4" action="ppaction://hlinksldjump"/>
               </a:rPr>
-              <a:t>Présentation externe </a:t>
-            </a:r>
-            <a:r>
-              <a:rPr lang="fr-FR" dirty="0">
-                <a:hlinkClick r:id="rId4" action="ppaction://hlinksldjump"/>
-              </a:rPr>
-              <a:t>d</a:t>
+              <a:t>Présentation externe d</a:t>
             </a:r>
             <a:r>
               <a:rPr lang="fr-FR" dirty="0" smtClean="0">
@@ -13528,232 +13531,6 @@
         </p:txBody>
       </p:sp>
     </p:spTree>
-  </p:cSld>
-  <p:clrMapOvr>
-    <a:masterClrMapping/>
-  </p:clrMapOvr>
-  <p:timing>
-    <p:tnLst>
-      <p:par>
-        <p:cTn id="1" dur="indefinite" restart="never" nodeType="tmRoot"/>
-      </p:par>
-    </p:tnLst>
-  </p:timing>
-</p:sld>
-</file>
-
-<file path=ppt/slides/slide20.xml><?xml version="1.0" encoding="utf-8"?>
-<p:sld xmlns:a="http://schemas.openxmlformats.org/drawingml/2006/main" xmlns:r="http://schemas.openxmlformats.org/officeDocument/2006/relationships" xmlns:p="http://schemas.openxmlformats.org/presentationml/2006/main">
-  <p:cSld>
-    <p:spTree>
-      <p:nvGrpSpPr>
-        <p:cNvPr id="1" name=""/>
-        <p:cNvGrpSpPr/>
-        <p:nvPr/>
-      </p:nvGrpSpPr>
-      <p:grpSpPr>
-        <a:xfrm>
-          <a:off x="0" y="0"/>
-          <a:ext cx="0" cy="0"/>
-          <a:chOff x="0" y="0"/>
-          <a:chExt cx="0" cy="0"/>
-        </a:xfrm>
-      </p:grpSpPr>
-      <p:sp>
-        <p:nvSpPr>
-          <p:cNvPr id="2" name="Espace réservé du contenu 1"/>
-          <p:cNvSpPr>
-            <a:spLocks noGrp="1"/>
-          </p:cNvSpPr>
-          <p:nvPr>
-            <p:ph sz="quarter" idx="15"/>
-          </p:nvPr>
-        </p:nvSpPr>
-        <p:spPr>
-          <a:xfrm>
-            <a:off x="304800" y="980728"/>
-            <a:ext cx="7839100" cy="5760640"/>
-          </a:xfrm>
-        </p:spPr>
-        <p:txBody>
-          <a:bodyPr>
-            <a:normAutofit/>
-          </a:bodyPr>
-          <a:lstStyle/>
-          <a:p>
-            <a:pPr lvl="0"/>
-            <a:r>
-              <a:rPr lang="fr-FR" sz="2000" dirty="0" smtClean="0"/>
-              <a:t>Asservissement en position : Module 7</a:t>
-            </a:r>
-          </a:p>
-          <a:p>
-            <a:pPr lvl="1"/>
-            <a:r>
-              <a:rPr lang="fr-FR" sz="1600" dirty="0" smtClean="0"/>
-              <a:t>Sélectionner le doit et le vérin à déplacer</a:t>
-            </a:r>
-          </a:p>
-          <a:p>
-            <a:pPr lvl="1"/>
-            <a:r>
-              <a:rPr lang="fr-FR" sz="1600" dirty="0" smtClean="0"/>
-              <a:t>Régler les différents paramètres du correcteur PID</a:t>
-            </a:r>
-          </a:p>
-          <a:p>
-            <a:pPr lvl="1"/>
-            <a:r>
-              <a:rPr lang="fr-FR" sz="1600" dirty="0" smtClean="0"/>
-              <a:t>Cliquer sur GO pour lancer la mesure</a:t>
-            </a:r>
-          </a:p>
-          <a:p>
-            <a:pPr lvl="1"/>
-            <a:r>
-              <a:rPr lang="fr-FR" sz="1600" dirty="0" smtClean="0"/>
-              <a:t>Cliquer sur Voir Courbe vérin pour afficher la courbe des vérins</a:t>
-            </a:r>
-          </a:p>
-          <a:p>
-            <a:pPr lvl="2"/>
-            <a:r>
-              <a:rPr lang="fr-FR" sz="1600" dirty="0" smtClean="0"/>
-              <a:t>Une fenêtre </a:t>
-            </a:r>
-            <a:r>
-              <a:rPr lang="fr-FR" sz="1600" dirty="0" err="1" smtClean="0"/>
-              <a:t>gnuplot</a:t>
-            </a:r>
-            <a:r>
-              <a:rPr lang="fr-FR" sz="1600" dirty="0" smtClean="0"/>
-              <a:t> s’ouvre</a:t>
-            </a:r>
-          </a:p>
-          <a:p>
-            <a:pPr lvl="2"/>
-            <a:r>
-              <a:rPr lang="fr-FR" sz="1600" dirty="0" smtClean="0"/>
-              <a:t>Dans le menu sélectionner Position pour visualiser la courbe de position</a:t>
-            </a:r>
-            <a:endParaRPr lang="fr-FR" sz="1600" dirty="0"/>
-          </a:p>
-          <a:p>
-            <a:pPr lvl="0"/>
-            <a:endParaRPr lang="fr-FR" sz="2000" dirty="0"/>
-          </a:p>
-        </p:txBody>
-      </p:sp>
-      <p:sp>
-        <p:nvSpPr>
-          <p:cNvPr id="3" name="Espace réservé du numéro de diapositive 2"/>
-          <p:cNvSpPr>
-            <a:spLocks noGrp="1"/>
-          </p:cNvSpPr>
-          <p:nvPr>
-            <p:ph type="sldNum" sz="quarter" idx="17"/>
-          </p:nvPr>
-        </p:nvSpPr>
-        <p:spPr/>
-        <p:txBody>
-          <a:bodyPr/>
-          <a:lstStyle/>
-          <a:p>
-            <a:fld id="{256D3EEF-DE4E-429D-8EC4-DDC531AFF587}" type="slidenum">
-              <a:rPr lang="fr-FR" smtClean="0"/>
-              <a:pPr/>
-              <a:t>20</a:t>
-            </a:fld>
-            <a:endParaRPr lang="fr-FR" dirty="0"/>
-          </a:p>
-        </p:txBody>
-      </p:sp>
-      <p:sp>
-        <p:nvSpPr>
-          <p:cNvPr id="4" name="Espace réservé du texte 3"/>
-          <p:cNvSpPr>
-            <a:spLocks noGrp="1"/>
-          </p:cNvSpPr>
-          <p:nvPr>
-            <p:ph type="body" sz="quarter" idx="13"/>
-          </p:nvPr>
-        </p:nvSpPr>
-        <p:spPr/>
-        <p:txBody>
-          <a:bodyPr>
-            <a:normAutofit fontScale="55000" lnSpcReduction="20000"/>
-          </a:bodyPr>
-          <a:lstStyle/>
-          <a:p>
-            <a:r>
-              <a:rPr lang="fr-FR" dirty="0"/>
-              <a:t>Présentation du logiciel d’acquisition</a:t>
-            </a:r>
-            <a:br>
-              <a:rPr lang="fr-FR" dirty="0"/>
-            </a:br>
-            <a:r>
-              <a:rPr lang="fr-FR" dirty="0" smtClean="0"/>
-              <a:t>Réalisation d’une acquisition</a:t>
-            </a:r>
-            <a:endParaRPr lang="fr-FR" dirty="0"/>
-          </a:p>
-          <a:p>
-            <a:endParaRPr lang="fr-FR" dirty="0"/>
-          </a:p>
-        </p:txBody>
-      </p:sp>
-      <p:sp>
-        <p:nvSpPr>
-          <p:cNvPr id="10" name="ZoneTexte 9">
-            <a:hlinkClick r:id="rId2" action="ppaction://hlinksldjump"/>
-          </p:cNvPr>
-          <p:cNvSpPr txBox="1"/>
-          <p:nvPr/>
-        </p:nvSpPr>
-        <p:spPr>
-          <a:xfrm>
-            <a:off x="107504" y="6525344"/>
-            <a:ext cx="8136904" cy="307777"/>
-          </a:xfrm>
-          <a:prstGeom prst="rect">
-            <a:avLst/>
-          </a:prstGeom>
-          <a:noFill/>
-        </p:spPr>
-        <p:txBody>
-          <a:bodyPr wrap="square" rtlCol="0">
-            <a:spAutoFit/>
-          </a:bodyPr>
-          <a:lstStyle/>
-          <a:p>
-            <a:pPr algn="r"/>
-            <a:r>
-              <a:rPr lang="fr-FR" sz="1400" i="1" dirty="0" smtClean="0">
-                <a:solidFill>
-                  <a:schemeClr val="bg1">
-                    <a:lumMod val="50000"/>
-                  </a:schemeClr>
-                </a:solidFill>
-              </a:rPr>
-              <a:t>Retour vers le menu</a:t>
-            </a:r>
-            <a:endParaRPr lang="fr-FR" sz="1400" i="1" dirty="0">
-              <a:solidFill>
-                <a:schemeClr val="bg1">
-                  <a:lumMod val="50000"/>
-                </a:schemeClr>
-              </a:solidFill>
-            </a:endParaRPr>
-          </a:p>
-        </p:txBody>
-      </p:sp>
-    </p:spTree>
-    <p:extLst>
-      <p:ext uri="{BB962C8B-B14F-4D97-AF65-F5344CB8AC3E}">
-        <p14:creationId xmlns:p14="http://schemas.microsoft.com/office/powerpoint/2010/main" val="1651410228"/>
-      </p:ext>
-    </p:extLst>
   </p:cSld>
   <p:clrMapOvr>
     <a:masterClrMapping/>
@@ -13802,7 +13579,11 @@
           <a:p>
             <a:r>
               <a:rPr lang="fr-FR" dirty="0" smtClean="0"/>
-              <a:t>Présentation générale de l’axe EMERICC</a:t>
+              <a:t>Présentation générale du </a:t>
+            </a:r>
+            <a:r>
+              <a:rPr lang="fr-FR" dirty="0" err="1" smtClean="0"/>
+              <a:t>Tribar</a:t>
             </a:r>
             <a:endParaRPr lang="fr-FR" dirty="0"/>
           </a:p>
@@ -14197,11 +13978,7 @@
           <a:p>
             <a:r>
               <a:rPr lang="fr-FR" dirty="0" smtClean="0"/>
-              <a:t>Mise en œuvre </a:t>
-            </a:r>
-            <a:r>
-              <a:rPr lang="fr-FR" dirty="0" smtClean="0"/>
-              <a:t>Du </a:t>
+              <a:t>Mise en œuvre Du </a:t>
             </a:r>
             <a:r>
               <a:rPr lang="fr-FR" dirty="0" err="1" smtClean="0"/>
@@ -14337,16 +14114,11 @@
               <a:rPr lang="fr-FR" dirty="0" smtClean="0"/>
               <a:t>Allumer l’ordinateur</a:t>
             </a:r>
-            <a:endParaRPr lang="fr-FR" dirty="0" smtClean="0"/>
           </a:p>
           <a:p>
             <a:r>
               <a:rPr lang="fr-FR" dirty="0" smtClean="0"/>
-              <a:t>Pour mettre sous tension </a:t>
-            </a:r>
-            <a:r>
-              <a:rPr lang="fr-FR" dirty="0" smtClean="0"/>
-              <a:t>le </a:t>
+              <a:t>Pour mettre sous tension le </a:t>
             </a:r>
             <a:r>
               <a:rPr lang="fr-FR" dirty="0" err="1" smtClean="0"/>
@@ -14354,19 +14126,8 @@
             </a:r>
             <a:r>
               <a:rPr lang="fr-FR" dirty="0" smtClean="0"/>
-              <a:t>, allumer le pupitre </a:t>
-            </a:r>
-            <a:r>
-              <a:rPr lang="fr-FR" dirty="0" smtClean="0"/>
-              <a:t>(bouton au dos)</a:t>
-            </a:r>
-          </a:p>
-          <a:p>
-            <a:r>
-              <a:rPr lang="fr-FR" dirty="0" smtClean="0"/>
-              <a:t>Actionner les boutons + et -  pour déplacer le chariot</a:t>
-            </a:r>
-            <a:endParaRPr lang="fr-FR" dirty="0"/>
+              <a:t>, allumer le pupitre (bouton au dos)</a:t>
+            </a:r>
           </a:p>
         </p:txBody>
       </p:sp>
@@ -14541,204 +14302,70 @@
           </a:p>
         </p:txBody>
       </p:sp>
-      <p:cxnSp>
-        <p:nvCxnSpPr>
-          <p:cNvPr id="8" name="Connecteur droit avec flèche 7"/>
-          <p:cNvCxnSpPr/>
+      <p:pic>
+        <p:nvPicPr>
+          <p:cNvPr id="1026" name="Picture 2"/>
+          <p:cNvPicPr>
+            <a:picLocks noChangeAspect="1" noChangeArrowheads="1"/>
+          </p:cNvPicPr>
           <p:nvPr/>
-        </p:nvCxnSpPr>
-        <p:spPr>
-          <a:xfrm flipH="1">
-            <a:off x="2987824" y="4424560"/>
-            <a:ext cx="2016224" cy="0"/>
-          </a:xfrm>
-          <a:prstGeom prst="straightConnector1">
-            <a:avLst/>
-          </a:prstGeom>
-          <a:ln w="28575">
-            <a:solidFill>
-              <a:srgbClr val="FF0000"/>
-            </a:solidFill>
-            <a:tailEnd type="stealth" w="med" len="lg"/>
-          </a:ln>
-        </p:spPr>
-        <p:style>
-          <a:lnRef idx="1">
-            <a:schemeClr val="accent1"/>
-          </a:lnRef>
-          <a:fillRef idx="0">
-            <a:schemeClr val="accent1"/>
-          </a:fillRef>
-          <a:effectRef idx="0">
-            <a:schemeClr val="accent1"/>
-          </a:effectRef>
-          <a:fontRef idx="minor">
-            <a:schemeClr val="tx1"/>
-          </a:fontRef>
-        </p:style>
-      </p:cxnSp>
-      <p:sp>
-        <p:nvSpPr>
-          <p:cNvPr id="10" name="ZoneTexte 9"/>
-          <p:cNvSpPr txBox="1"/>
-          <p:nvPr/>
-        </p:nvSpPr>
-        <p:spPr>
-          <a:xfrm>
-            <a:off x="5042061" y="4207194"/>
-            <a:ext cx="2736304" cy="369332"/>
+        </p:nvPicPr>
+        <p:blipFill>
+          <a:blip r:embed="rId3" cstate="print">
+            <a:extLst>
+              <a:ext uri="{28A0092B-C50C-407E-A947-70E740481C1C}">
+                <a14:useLocalDpi xmlns:a14="http://schemas.microsoft.com/office/drawing/2010/main" val="0"/>
+              </a:ext>
+            </a:extLst>
+          </a:blip>
+          <a:srcRect/>
+          <a:stretch>
+            <a:fillRect/>
+          </a:stretch>
+        </p:blipFill>
+        <p:spPr bwMode="auto">
+          <a:xfrm>
+            <a:off x="1511393" y="2906942"/>
+            <a:ext cx="4824536" cy="3618402"/>
           </a:xfrm>
           <a:prstGeom prst="rect">
             <a:avLst/>
           </a:prstGeom>
           <a:noFill/>
-        </p:spPr>
-        <p:txBody>
-          <a:bodyPr wrap="square" rtlCol="0">
-            <a:spAutoFit/>
-          </a:bodyPr>
-          <a:lstStyle/>
-          <a:p>
-            <a:r>
-              <a:rPr lang="fr-FR" dirty="0" err="1" smtClean="0"/>
-              <a:t>Tribar</a:t>
-            </a:r>
-            <a:endParaRPr lang="fr-FR" dirty="0"/>
-          </a:p>
-        </p:txBody>
-      </p:sp>
-      <p:cxnSp>
-        <p:nvCxnSpPr>
-          <p:cNvPr id="13" name="Connecteur droit avec flèche 12"/>
-          <p:cNvCxnSpPr/>
-          <p:nvPr/>
-        </p:nvCxnSpPr>
-        <p:spPr>
-          <a:xfrm flipH="1">
-            <a:off x="3995936" y="4797152"/>
-            <a:ext cx="1008112" cy="0"/>
-          </a:xfrm>
-          <a:prstGeom prst="straightConnector1">
-            <a:avLst/>
-          </a:prstGeom>
-          <a:ln w="28575">
-            <a:solidFill>
-              <a:srgbClr val="FF0000"/>
-            </a:solidFill>
-            <a:tailEnd type="stealth" w="med" len="lg"/>
+          <a:ln>
+            <a:noFill/>
           </a:ln>
-        </p:spPr>
-        <p:style>
-          <a:lnRef idx="1">
-            <a:schemeClr val="accent1"/>
-          </a:lnRef>
-          <a:fillRef idx="0">
-            <a:schemeClr val="accent1"/>
-          </a:fillRef>
-          <a:effectRef idx="0">
-            <a:schemeClr val="accent1"/>
-          </a:effectRef>
-          <a:fontRef idx="minor">
-            <a:schemeClr val="tx1"/>
-          </a:fontRef>
-        </p:style>
-      </p:cxnSp>
-      <p:sp>
-        <p:nvSpPr>
-          <p:cNvPr id="14" name="ZoneTexte 13"/>
-          <p:cNvSpPr txBox="1"/>
-          <p:nvPr/>
-        </p:nvSpPr>
-        <p:spPr>
-          <a:xfrm>
-            <a:off x="5042061" y="4612486"/>
-            <a:ext cx="1440160" cy="369332"/>
-          </a:xfrm>
-          <a:prstGeom prst="rect">
-            <a:avLst/>
-          </a:prstGeom>
-          <a:noFill/>
-        </p:spPr>
-        <p:txBody>
-          <a:bodyPr wrap="square" rtlCol="0">
-            <a:spAutoFit/>
-          </a:bodyPr>
-          <a:lstStyle/>
-          <a:p>
-            <a:r>
-              <a:rPr lang="fr-FR" dirty="0" smtClean="0"/>
-              <a:t>Pupitre</a:t>
-            </a:r>
-            <a:endParaRPr lang="fr-FR" dirty="0"/>
-          </a:p>
-        </p:txBody>
-      </p:sp>
-      <p:cxnSp>
-        <p:nvCxnSpPr>
-          <p:cNvPr id="16" name="Connecteur droit avec flèche 15"/>
-          <p:cNvCxnSpPr/>
-          <p:nvPr/>
-        </p:nvCxnSpPr>
-        <p:spPr>
-          <a:xfrm flipH="1">
-            <a:off x="3275856" y="5229081"/>
-            <a:ext cx="1728192" cy="0"/>
-          </a:xfrm>
-          <a:prstGeom prst="straightConnector1">
-            <a:avLst/>
-          </a:prstGeom>
-          <a:ln w="28575">
-            <a:solidFill>
-              <a:srgbClr val="FF0000"/>
-            </a:solidFill>
-            <a:tailEnd type="stealth" w="med" len="lg"/>
-          </a:ln>
-        </p:spPr>
-        <p:style>
-          <a:lnRef idx="1">
-            <a:schemeClr val="accent1"/>
-          </a:lnRef>
-          <a:fillRef idx="0">
-            <a:schemeClr val="accent1"/>
-          </a:fillRef>
-          <a:effectRef idx="0">
-            <a:schemeClr val="accent1"/>
-          </a:effectRef>
-          <a:fontRef idx="minor">
-            <a:schemeClr val="tx1"/>
-          </a:fontRef>
-        </p:style>
-      </p:cxnSp>
-      <p:sp>
-        <p:nvSpPr>
-          <p:cNvPr id="17" name="ZoneTexte 16"/>
-          <p:cNvSpPr txBox="1"/>
-          <p:nvPr/>
-        </p:nvSpPr>
-        <p:spPr>
-          <a:xfrm>
-            <a:off x="5042060" y="5044415"/>
-            <a:ext cx="3130339" cy="646331"/>
-          </a:xfrm>
-          <a:prstGeom prst="rect">
-            <a:avLst/>
-          </a:prstGeom>
-          <a:noFill/>
-        </p:spPr>
-        <p:txBody>
-          <a:bodyPr wrap="square" rtlCol="0">
-            <a:spAutoFit/>
-          </a:bodyPr>
-          <a:lstStyle/>
-          <a:p>
-            <a:r>
-              <a:rPr lang="fr-FR" dirty="0" smtClean="0"/>
-              <a:t>Déplacement manuel du chariot</a:t>
-            </a:r>
-            <a:endParaRPr lang="fr-FR" dirty="0"/>
-          </a:p>
-        </p:txBody>
-      </p:sp>
+          <a:effectLst/>
+          <a:extLst>
+            <a:ext uri="{909E8E84-426E-40DD-AFC4-6F175D3DCCD1}">
+              <a14:hiddenFill xmlns:a14="http://schemas.microsoft.com/office/drawing/2010/main">
+                <a:solidFill>
+                  <a:schemeClr val="accent1"/>
+                </a:solidFill>
+              </a14:hiddenFill>
+            </a:ext>
+            <a:ext uri="{91240B29-F687-4F45-9708-019B960494DF}">
+              <a14:hiddenLine xmlns:a14="http://schemas.microsoft.com/office/drawing/2010/main" w="9525">
+                <a:solidFill>
+                  <a:schemeClr val="tx1"/>
+                </a:solidFill>
+                <a:miter lim="800000"/>
+                <a:headEnd/>
+                <a:tailEnd/>
+              </a14:hiddenLine>
+            </a:ext>
+            <a:ext uri="{AF507438-7753-43E0-B8FC-AC1667EBCBE1}">
+              <a14:hiddenEffects xmlns:a14="http://schemas.microsoft.com/office/drawing/2010/main">
+                <a:effectLst>
+                  <a:outerShdw dist="35921" dir="2700000" algn="ctr" rotWithShape="0">
+                    <a:schemeClr val="bg2"/>
+                  </a:outerShdw>
+                </a:effectLst>
+              </a14:hiddenEffects>
+            </a:ext>
+          </a:extLst>
+        </p:spPr>
+      </p:pic>
     </p:spTree>
     <p:extLst>
       <p:ext uri="{BB962C8B-B14F-4D97-AF65-F5344CB8AC3E}">
@@ -14786,11 +14413,11 @@
           <a:p>
             <a:r>
               <a:rPr lang="fr-FR" dirty="0" smtClean="0"/>
-              <a:t>Présentation externe de L’axe </a:t>
+              <a:t>Présentation externe Du </a:t>
             </a:r>
             <a:r>
               <a:rPr lang="fr-FR" dirty="0" err="1" smtClean="0"/>
-              <a:t>Emericc</a:t>
+              <a:t>tribar</a:t>
             </a:r>
             <a:endParaRPr lang="fr-FR" dirty="0"/>
           </a:p>
@@ -14959,17 +14586,22 @@
           <a:p>
             <a:r>
               <a:rPr lang="fr-FR" dirty="0"/>
-              <a:t>Présentation externe de la </a:t>
+              <a:t>Présentation externe </a:t>
             </a:r>
             <a:r>
               <a:rPr lang="fr-FR" dirty="0" smtClean="0"/>
-              <a:t>DAE</a:t>
-            </a:r>
+              <a:t>du </a:t>
+            </a:r>
+            <a:r>
+              <a:rPr lang="fr-FR" dirty="0" err="1" smtClean="0"/>
+              <a:t>tribar</a:t>
+            </a:r>
+            <a:endParaRPr lang="fr-FR" dirty="0" smtClean="0"/>
           </a:p>
           <a:p>
             <a:r>
               <a:rPr lang="fr-FR" dirty="0" smtClean="0"/>
-              <a:t>Constituants de la DAE</a:t>
+              <a:t>Exigences du système industriel</a:t>
             </a:r>
             <a:endParaRPr lang="fr-FR" dirty="0"/>
           </a:p>
@@ -15059,12 +14691,12 @@
       </p:grpSpPr>
       <p:sp>
         <p:nvSpPr>
-          <p:cNvPr id="2" name="Espace réservé du contenu 1"/>
-          <p:cNvSpPr>
-            <a:spLocks noGrp="1"/>
-          </p:cNvSpPr>
-          <p:nvPr>
-            <p:ph sz="quarter" idx="15"/>
+          <p:cNvPr id="2" name="Titre 1"/>
+          <p:cNvSpPr>
+            <a:spLocks noGrp="1"/>
+          </p:cNvSpPr>
+          <p:nvPr>
+            <p:ph type="ctrTitle"/>
           </p:nvPr>
         </p:nvSpPr>
         <p:spPr/>
@@ -15072,6 +14704,14 @@
           <a:bodyPr/>
           <a:lstStyle/>
           <a:p>
+            <a:r>
+              <a:rPr lang="fr-FR" dirty="0" smtClean="0"/>
+              <a:t>Présentation interne Du </a:t>
+            </a:r>
+            <a:r>
+              <a:rPr lang="fr-FR" dirty="0" err="1" smtClean="0"/>
+              <a:t>tribar</a:t>
+            </a:r>
             <a:endParaRPr lang="fr-FR" dirty="0"/>
           </a:p>
         </p:txBody>
@@ -15083,7 +14723,7 @@
             <a:spLocks noGrp="1"/>
           </p:cNvSpPr>
           <p:nvPr>
-            <p:ph type="sldNum" sz="quarter" idx="17"/>
+            <p:ph type="sldNum" sz="quarter" idx="12"/>
           </p:nvPr>
         </p:nvSpPr>
         <p:spPr/>
@@ -15091,53 +14731,19 @@
           <a:bodyPr/>
           <a:lstStyle/>
           <a:p>
+            <a:pPr algn="r"/>
             <a:fld id="{256D3EEF-DE4E-429D-8EC4-DDC531AFF587}" type="slidenum">
-              <a:rPr lang="fr-FR" smtClean="0"/>
-              <a:pPr/>
+              <a:rPr kumimoji="0" lang="fr-FR" sz="1000" smtClean="0"/>
+              <a:pPr algn="r"/>
               <a:t>9</a:t>
             </a:fld>
-            <a:endParaRPr lang="fr-FR" dirty="0"/>
-          </a:p>
-        </p:txBody>
-      </p:sp>
-      <p:sp>
-        <p:nvSpPr>
-          <p:cNvPr id="4" name="Espace réservé du texte 3"/>
-          <p:cNvSpPr>
-            <a:spLocks noGrp="1"/>
-          </p:cNvSpPr>
-          <p:nvPr>
-            <p:ph type="body" sz="quarter" idx="13"/>
-          </p:nvPr>
-        </p:nvSpPr>
-        <p:spPr/>
-        <p:txBody>
-          <a:bodyPr>
-            <a:normAutofit fontScale="55000" lnSpcReduction="20000"/>
-          </a:bodyPr>
-          <a:lstStyle/>
-          <a:p>
-            <a:r>
-              <a:rPr lang="fr-FR" dirty="0"/>
-              <a:t>Présentation externe de la </a:t>
-            </a:r>
-            <a:r>
-              <a:rPr lang="fr-FR" dirty="0" smtClean="0"/>
-              <a:t>DAE</a:t>
-            </a:r>
-          </a:p>
-          <a:p>
-            <a:r>
-              <a:rPr lang="fr-FR" dirty="0" smtClean="0"/>
-              <a:t>Diagramme d’exigences</a:t>
-            </a:r>
-            <a:endParaRPr lang="fr-FR" dirty="0"/>
-          </a:p>
-        </p:txBody>
-      </p:sp>
-      <p:sp>
-        <p:nvSpPr>
-          <p:cNvPr id="7" name="ZoneTexte 6">
+            <a:endParaRPr kumimoji="0" lang="fr-FR"/>
+          </a:p>
+        </p:txBody>
+      </p:sp>
+      <p:sp>
+        <p:nvSpPr>
+          <p:cNvPr id="5" name="ZoneTexte 4">
             <a:hlinkClick r:id="rId2" action="ppaction://hlinksldjump"/>
           </p:cNvPr>
           <p:cNvSpPr txBox="1"/>
@@ -15183,7 +14789,7 @@
     </p:spTree>
     <p:extLst>
       <p:ext uri="{BB962C8B-B14F-4D97-AF65-F5344CB8AC3E}">
-        <p14:creationId xmlns:p14="http://schemas.microsoft.com/office/powerpoint/2010/main" val="3305654377"/>
+        <p14:creationId xmlns:p14="http://schemas.microsoft.com/office/powerpoint/2010/main" val="3834210991"/>
       </p:ext>
     </p:extLst>
   </p:cSld>

--- a/DocumentsTP/Documentation_Tribar.pptx
+++ b/DocumentsTP/Documentation_Tribar.pptx
@@ -5,10 +5,10 @@
     <p:sldMasterId id="2147483648" r:id="rId1"/>
   </p:sldMasterIdLst>
   <p:notesMasterIdLst>
-    <p:notesMasterId r:id="rId16"/>
+    <p:notesMasterId r:id="rId19"/>
   </p:notesMasterIdLst>
   <p:handoutMasterIdLst>
-    <p:handoutMasterId r:id="rId17"/>
+    <p:handoutMasterId r:id="rId20"/>
   </p:handoutMasterIdLst>
   <p:sldIdLst>
     <p:sldId id="256" r:id="rId2"/>
@@ -21,10 +21,13 @@
     <p:sldId id="296" r:id="rId9"/>
     <p:sldId id="302" r:id="rId10"/>
     <p:sldId id="316" r:id="rId11"/>
-    <p:sldId id="293" r:id="rId12"/>
-    <p:sldId id="294" r:id="rId13"/>
-    <p:sldId id="295" r:id="rId14"/>
-    <p:sldId id="319" r:id="rId15"/>
+    <p:sldId id="320" r:id="rId12"/>
+    <p:sldId id="321" r:id="rId13"/>
+    <p:sldId id="322" r:id="rId14"/>
+    <p:sldId id="293" r:id="rId15"/>
+    <p:sldId id="294" r:id="rId16"/>
+    <p:sldId id="295" r:id="rId17"/>
+    <p:sldId id="319" r:id="rId18"/>
   </p:sldIdLst>
   <p:sldSz cx="9144000" cy="6858000" type="screen4x3"/>
   <p:notesSz cx="7099300" cy="10234613"/>
@@ -203,7 +206,7 @@
             <a:fld id="{31555DB1-8736-42A3-B48D-2B08FB93332A}" type="datetimeFigureOut">
               <a:rPr lang="fr-FR" smtClean="0"/>
               <a:pPr/>
-              <a:t>06/01/2014</a:t>
+              <a:t>09/01/2014</a:t>
             </a:fld>
             <a:endParaRPr lang="fr-FR"/>
           </a:p>
@@ -275,7 +278,7 @@
     </p:spTree>
     <p:extLst>
       <p:ext uri="{BB962C8B-B14F-4D97-AF65-F5344CB8AC3E}">
-        <p14:creationId xmlns:p14="http://schemas.microsoft.com/office/powerpoint/2010/main" val="1438495985"/>
+        <p14:creationId xmlns:p14="http://schemas.microsoft.com/office/powerpoint/2010/main" xmlns="" val="1438495985"/>
       </p:ext>
     </p:extLst>
   </p:cSld>
@@ -362,7 +365,7 @@
             <a:fld id="{0BDB199F-A56C-4049-BA04-1447030960FF}" type="datetimeFigureOut">
               <a:rPr lang="fr-FR"/>
               <a:pPr/>
-              <a:t>06/01/2014</a:t>
+              <a:t>09/01/2014</a:t>
             </a:fld>
             <a:endParaRPr lang="fr-FR"/>
           </a:p>
@@ -532,7 +535,7 @@
     </p:spTree>
     <p:extLst>
       <p:ext uri="{BB962C8B-B14F-4D97-AF65-F5344CB8AC3E}">
-        <p14:creationId xmlns:p14="http://schemas.microsoft.com/office/powerpoint/2010/main" val="4250513878"/>
+        <p14:creationId xmlns:p14="http://schemas.microsoft.com/office/powerpoint/2010/main" xmlns="" val="4250513878"/>
       </p:ext>
     </p:extLst>
   </p:cSld>
@@ -5749,7 +5752,7 @@
           <a:blip r:embed="rId2" cstate="print">
             <a:extLst>
               <a:ext uri="{28A0092B-C50C-407E-A947-70E740481C1C}">
-                <a14:useLocalDpi xmlns:a14="http://schemas.microsoft.com/office/drawing/2010/main" val="0"/>
+                <a14:useLocalDpi xmlns:a14="http://schemas.microsoft.com/office/drawing/2010/main" xmlns="" val="0"/>
               </a:ext>
             </a:extLst>
           </a:blip>
@@ -5772,14 +5775,14 @@
           </a:ln>
           <a:extLst>
             <a:ext uri="{909E8E84-426E-40DD-AFC4-6F175D3DCCD1}">
-              <a14:hiddenFill xmlns:a14="http://schemas.microsoft.com/office/drawing/2010/main">
+              <a14:hiddenFill xmlns:a14="http://schemas.microsoft.com/office/drawing/2010/main" xmlns="">
                 <a:solidFill>
                   <a:srgbClr val="FFFFFF"/>
                 </a:solidFill>
               </a14:hiddenFill>
             </a:ext>
             <a:ext uri="{91240B29-F687-4F45-9708-019B960494DF}">
-              <a14:hiddenLine xmlns:a14="http://schemas.microsoft.com/office/drawing/2010/main" w="9525">
+              <a14:hiddenLine xmlns:a14="http://schemas.microsoft.com/office/drawing/2010/main" xmlns="" w="9525">
                 <a:solidFill>
                   <a:srgbClr val="000000"/>
                 </a:solidFill>
@@ -7321,7 +7324,7 @@
           <a:blip r:embed="rId2" cstate="print">
             <a:extLst>
               <a:ext uri="{28A0092B-C50C-407E-A947-70E740481C1C}">
-                <a14:useLocalDpi xmlns:a14="http://schemas.microsoft.com/office/drawing/2010/main" val="0"/>
+                <a14:useLocalDpi xmlns:a14="http://schemas.microsoft.com/office/drawing/2010/main" xmlns="" val="0"/>
               </a:ext>
             </a:extLst>
           </a:blip>
@@ -9295,7 +9298,7 @@
           <a:blip r:embed="rId18" cstate="print">
             <a:extLst>
               <a:ext uri="{28A0092B-C50C-407E-A947-70E740481C1C}">
-                <a14:useLocalDpi xmlns:a14="http://schemas.microsoft.com/office/drawing/2010/main" val="0"/>
+                <a14:useLocalDpi xmlns:a14="http://schemas.microsoft.com/office/drawing/2010/main" xmlns="" val="0"/>
               </a:ext>
             </a:extLst>
           </a:blip>
@@ -9747,6 +9750,72 @@
           </a:p>
         </p:txBody>
       </p:sp>
+      <p:pic>
+        <p:nvPicPr>
+          <p:cNvPr id="1027" name="Picture 3"/>
+          <p:cNvPicPr>
+            <a:picLocks noChangeAspect="1" noChangeArrowheads="1"/>
+          </p:cNvPicPr>
+          <p:nvPr/>
+        </p:nvPicPr>
+        <p:blipFill>
+          <a:blip r:embed="rId3"/>
+          <a:srcRect/>
+          <a:stretch>
+            <a:fillRect/>
+          </a:stretch>
+        </p:blipFill>
+        <p:spPr bwMode="auto">
+          <a:xfrm>
+            <a:off x="500034" y="5143512"/>
+            <a:ext cx="2071702" cy="1452749"/>
+          </a:xfrm>
+          <a:prstGeom prst="rect">
+            <a:avLst/>
+          </a:prstGeom>
+          <a:noFill/>
+          <a:ln w="9525">
+            <a:noFill/>
+            <a:miter lim="800000"/>
+            <a:headEnd/>
+            <a:tailEnd/>
+          </a:ln>
+          <a:effectLst/>
+        </p:spPr>
+      </p:pic>
+      <p:pic>
+        <p:nvPicPr>
+          <p:cNvPr id="1028" name="Picture 4"/>
+          <p:cNvPicPr>
+            <a:picLocks noChangeAspect="1" noChangeArrowheads="1"/>
+          </p:cNvPicPr>
+          <p:nvPr/>
+        </p:nvPicPr>
+        <p:blipFill>
+          <a:blip r:embed="rId4"/>
+          <a:srcRect/>
+          <a:stretch>
+            <a:fillRect/>
+          </a:stretch>
+        </p:blipFill>
+        <p:spPr bwMode="auto">
+          <a:xfrm>
+            <a:off x="2571736" y="5072074"/>
+            <a:ext cx="2143140" cy="1413188"/>
+          </a:xfrm>
+          <a:prstGeom prst="rect">
+            <a:avLst/>
+          </a:prstGeom>
+          <a:noFill/>
+          <a:ln w="9525">
+            <a:noFill/>
+            <a:miter lim="800000"/>
+            <a:headEnd/>
+            <a:tailEnd/>
+          </a:ln>
+          <a:effectLst/>
+        </p:spPr>
+      </p:pic>
     </p:spTree>
   </p:cSld>
   <p:clrMapOvr>
@@ -9920,7 +9989,7 @@
           <p:nvPr>
             <p:extLst>
               <p:ext uri="{D42A27DB-BD31-4B8C-83A1-F6EECF244321}">
-                <p14:modId xmlns:p14="http://schemas.microsoft.com/office/powerpoint/2010/main" val="2079557365"/>
+                <p14:modId xmlns:p14="http://schemas.microsoft.com/office/powerpoint/2010/main" xmlns="" val="2079557365"/>
               </p:ext>
             </p:extLst>
           </p:nvPr>
@@ -11441,7 +11510,7 @@
     </p:spTree>
     <p:extLst>
       <p:ext uri="{BB962C8B-B14F-4D97-AF65-F5344CB8AC3E}">
-        <p14:creationId xmlns:p14="http://schemas.microsoft.com/office/powerpoint/2010/main" val="1680089201"/>
+        <p14:creationId xmlns:p14="http://schemas.microsoft.com/office/powerpoint/2010/main" xmlns="" val="1680089201"/>
       </p:ext>
     </p:extLst>
   </p:cSld>
@@ -11477,38 +11546,12 @@
       </p:grpSpPr>
       <p:sp>
         <p:nvSpPr>
-          <p:cNvPr id="5" name="Titre 4"/>
-          <p:cNvSpPr>
-            <a:spLocks noGrp="1"/>
-          </p:cNvSpPr>
-          <p:nvPr>
-            <p:ph type="ctrTitle"/>
-          </p:nvPr>
-        </p:nvSpPr>
-        <p:spPr/>
-        <p:txBody>
-          <a:bodyPr/>
-          <a:lstStyle/>
-          <a:p>
-            <a:r>
-              <a:rPr lang="fr-FR" dirty="0"/>
-              <a:t>Présentation du logiciel d’acquisition</a:t>
-            </a:r>
-            <a:br>
-              <a:rPr lang="fr-FR" dirty="0"/>
-            </a:br>
-            <a:endParaRPr lang="fr-FR" dirty="0"/>
-          </a:p>
-        </p:txBody>
-      </p:sp>
-      <p:sp>
-        <p:nvSpPr>
           <p:cNvPr id="3" name="Espace réservé du numéro de diapositive 2"/>
           <p:cNvSpPr>
             <a:spLocks noGrp="1"/>
           </p:cNvSpPr>
           <p:nvPr>
-            <p:ph type="sldNum" sz="quarter" idx="12"/>
+            <p:ph type="sldNum" sz="quarter" idx="17"/>
           </p:nvPr>
         </p:nvSpPr>
         <p:spPr/>
@@ -11527,66 +11570,93 @@
       </p:sp>
       <p:sp>
         <p:nvSpPr>
-          <p:cNvPr id="7" name="ZoneTexte 6">
-            <a:hlinkClick r:id="rId2" action="ppaction://hlinksldjump"/>
-          </p:cNvPr>
-          <p:cNvSpPr txBox="1"/>
-          <p:nvPr/>
-        </p:nvSpPr>
-        <p:spPr>
-          <a:xfrm>
-            <a:off x="107504" y="6525344"/>
-            <a:ext cx="8136904" cy="307777"/>
+          <p:cNvPr id="4" name="Espace réservé du texte 3"/>
+          <p:cNvSpPr>
+            <a:spLocks noGrp="1"/>
+          </p:cNvSpPr>
+          <p:nvPr>
+            <p:ph type="body" sz="quarter" idx="13"/>
+          </p:nvPr>
+        </p:nvSpPr>
+        <p:spPr/>
+        <p:txBody>
+          <a:bodyPr/>
+          <a:lstStyle/>
+          <a:p>
+            <a:endParaRPr lang="fr-FR"/>
+          </a:p>
+        </p:txBody>
+      </p:sp>
+      <p:pic>
+        <p:nvPicPr>
+          <p:cNvPr id="2078" name="Picture 30"/>
+          <p:cNvPicPr>
+            <a:picLocks noGrp="1" noChangeAspect="1" noChangeArrowheads="1"/>
+          </p:cNvPicPr>
+          <p:nvPr>
+            <p:ph sz="quarter" idx="15"/>
+          </p:nvPr>
+        </p:nvPicPr>
+        <p:blipFill>
+          <a:blip r:embed="rId2"/>
+          <a:srcRect/>
+          <a:stretch>
+            <a:fillRect/>
+          </a:stretch>
+        </p:blipFill>
+        <p:spPr bwMode="auto">
+          <a:xfrm>
+            <a:off x="1668135" y="981075"/>
+            <a:ext cx="5112404" cy="5267325"/>
           </a:xfrm>
           <a:prstGeom prst="rect">
             <a:avLst/>
           </a:prstGeom>
           <a:noFill/>
-        </p:spPr>
-        <p:txBody>
-          <a:bodyPr wrap="square" rtlCol="0">
-            <a:spAutoFit/>
-          </a:bodyPr>
-          <a:lstStyle/>
-          <a:p>
-            <a:pPr algn="r"/>
-            <a:r>
-              <a:rPr lang="fr-FR" sz="1400" i="1" dirty="0" smtClean="0">
-                <a:solidFill>
-                  <a:schemeClr val="bg1">
-                    <a:lumMod val="50000"/>
-                  </a:schemeClr>
-                </a:solidFill>
-              </a:rPr>
-              <a:t>Retour vers le menu</a:t>
-            </a:r>
-            <a:endParaRPr lang="fr-FR" sz="1400" i="1" dirty="0">
-              <a:solidFill>
-                <a:schemeClr val="bg1">
-                  <a:lumMod val="50000"/>
-                </a:schemeClr>
-              </a:solidFill>
-            </a:endParaRPr>
-          </a:p>
-        </p:txBody>
-      </p:sp>
+          <a:ln w="9525">
+            <a:noFill/>
+            <a:miter lim="800000"/>
+            <a:headEnd/>
+            <a:tailEnd/>
+          </a:ln>
+          <a:effectLst/>
+        </p:spPr>
+      </p:pic>
+      <p:cxnSp>
+        <p:nvCxnSpPr>
+          <p:cNvPr id="36" name="Connecteur droit 35"/>
+          <p:cNvCxnSpPr/>
+          <p:nvPr/>
+        </p:nvCxnSpPr>
+        <p:spPr>
+          <a:xfrm flipV="1">
+            <a:off x="1481701" y="3717032"/>
+            <a:ext cx="5472608" cy="2877414"/>
+          </a:xfrm>
+          <a:prstGeom prst="line">
+            <a:avLst/>
+          </a:prstGeom>
+        </p:spPr>
+        <p:style>
+          <a:lnRef idx="2">
+            <a:schemeClr val="accent1"/>
+          </a:lnRef>
+          <a:fillRef idx="0">
+            <a:schemeClr val="accent1"/>
+          </a:fillRef>
+          <a:effectRef idx="1">
+            <a:schemeClr val="accent1"/>
+          </a:effectRef>
+          <a:fontRef idx="minor">
+            <a:schemeClr val="tx1"/>
+          </a:fontRef>
+        </p:style>
+      </p:cxnSp>
     </p:spTree>
-    <p:extLst>
-      <p:ext uri="{BB962C8B-B14F-4D97-AF65-F5344CB8AC3E}">
-        <p14:creationId xmlns:p14="http://schemas.microsoft.com/office/powerpoint/2010/main" val="3771198579"/>
-      </p:ext>
-    </p:extLst>
   </p:cSld>
   <p:clrMapOvr>
     <a:masterClrMapping/>
   </p:clrMapOvr>
-  <p:timing>
-    <p:tnLst>
-      <p:par>
-        <p:cTn id="1" dur="indefinite" restart="never" nodeType="tmRoot"/>
-      </p:par>
-    </p:tnLst>
-  </p:timing>
 </p:sld>
 </file>
 
@@ -11609,91 +11679,6 @@
       </p:grpSpPr>
       <p:sp>
         <p:nvSpPr>
-          <p:cNvPr id="2" name="Espace réservé du contenu 1"/>
-          <p:cNvSpPr>
-            <a:spLocks noGrp="1"/>
-          </p:cNvSpPr>
-          <p:nvPr>
-            <p:ph sz="quarter" idx="15"/>
-          </p:nvPr>
-        </p:nvSpPr>
-        <p:spPr>
-          <a:xfrm>
-            <a:off x="304800" y="980728"/>
-            <a:ext cx="4987280" cy="5267672"/>
-          </a:xfrm>
-        </p:spPr>
-        <p:txBody>
-          <a:bodyPr>
-            <a:normAutofit/>
-          </a:bodyPr>
-          <a:lstStyle/>
-          <a:p>
-            <a:r>
-              <a:rPr lang="fr-FR" dirty="0" smtClean="0"/>
-              <a:t>Lancer le logiciel TRIBAR</a:t>
-            </a:r>
-          </a:p>
-          <a:p>
-            <a:r>
-              <a:rPr lang="fr-FR" dirty="0" smtClean="0"/>
-              <a:t>Valider la demande d’initialisation</a:t>
-            </a:r>
-          </a:p>
-          <a:p>
-            <a:r>
-              <a:rPr lang="fr-FR" dirty="0" smtClean="0"/>
-              <a:t>Dans l’onglet Initialisation </a:t>
-            </a:r>
-          </a:p>
-          <a:p>
-            <a:pPr lvl="1"/>
-            <a:r>
-              <a:rPr lang="fr-FR" dirty="0" smtClean="0"/>
-              <a:t>Choisir la configuration 11 </a:t>
-            </a:r>
-            <a:r>
-              <a:rPr lang="fr-FR" dirty="0"/>
-              <a:t>– 5 – 8 </a:t>
-            </a:r>
-            <a:endParaRPr lang="fr-FR" dirty="0" smtClean="0"/>
-          </a:p>
-          <a:p>
-            <a:pPr lvl="1"/>
-            <a:r>
-              <a:rPr lang="fr-FR" dirty="0" smtClean="0"/>
-              <a:t>Cliquer sur initialisations vérins</a:t>
-            </a:r>
-          </a:p>
-          <a:p>
-            <a:pPr lvl="1"/>
-            <a:r>
-              <a:rPr lang="fr-FR" dirty="0" smtClean="0"/>
-              <a:t>Valider les étapes successives</a:t>
-            </a:r>
-          </a:p>
-          <a:p>
-            <a:pPr lvl="1"/>
-            <a:endParaRPr lang="fr-FR" dirty="0"/>
-          </a:p>
-          <a:p>
-            <a:r>
-              <a:rPr lang="fr-FR" dirty="0" smtClean="0"/>
-              <a:t>Pour relancer une initialisation, taper F7 dans le menu principal</a:t>
-            </a:r>
-          </a:p>
-          <a:p>
-            <a:pPr lvl="1"/>
-            <a:endParaRPr lang="fr-FR" dirty="0"/>
-          </a:p>
-          <a:p>
-            <a:pPr lvl="1"/>
-            <a:endParaRPr lang="fr-FR" dirty="0"/>
-          </a:p>
-        </p:txBody>
-      </p:sp>
-      <p:sp>
-        <p:nvSpPr>
           <p:cNvPr id="3" name="Espace réservé du numéro de diapositive 2"/>
           <p:cNvSpPr>
             <a:spLocks noGrp="1"/>
@@ -11734,19 +11719,14 @@
           <a:lstStyle/>
           <a:p>
             <a:r>
-              <a:rPr lang="fr-FR" dirty="0"/>
-              <a:t>Présentation du logiciel d’acquisition</a:t>
-            </a:r>
-            <a:br>
-              <a:rPr lang="fr-FR" dirty="0"/>
-            </a:br>
-            <a:r>
-              <a:rPr lang="fr-FR" dirty="0" smtClean="0"/>
-              <a:t>Initialisation du </a:t>
-            </a:r>
-            <a:r>
-              <a:rPr lang="fr-FR" dirty="0" err="1" smtClean="0"/>
-              <a:t>tribar</a:t>
+              <a:rPr smtClean="0"/>
+              <a:t>Présentation interne du tribar</a:t>
+            </a:r>
+          </a:p>
+          <a:p>
+            <a:r>
+              <a:rPr smtClean="0"/>
+              <a:t>Plan d'ensemble</a:t>
             </a:r>
             <a:endParaRPr lang="fr-FR" dirty="0"/>
           </a:p>
@@ -11754,65 +11734,33 @@
       </p:sp>
       <p:sp>
         <p:nvSpPr>
-          <p:cNvPr id="10" name="ZoneTexte 9">
-            <a:hlinkClick r:id="rId2" action="ppaction://hlinksldjump"/>
-          </p:cNvPr>
-          <p:cNvSpPr txBox="1"/>
-          <p:nvPr/>
-        </p:nvSpPr>
-        <p:spPr>
-          <a:xfrm>
-            <a:off x="107504" y="6525344"/>
-            <a:ext cx="8136904" cy="307777"/>
-          </a:xfrm>
-          <a:prstGeom prst="rect">
-            <a:avLst/>
-          </a:prstGeom>
-          <a:noFill/>
-        </p:spPr>
-        <p:txBody>
-          <a:bodyPr wrap="square" rtlCol="0">
-            <a:spAutoFit/>
-          </a:bodyPr>
+          <p:cNvPr id="5" name="Espace réservé du contenu 4"/>
+          <p:cNvSpPr>
+            <a:spLocks noGrp="1"/>
+          </p:cNvSpPr>
+          <p:nvPr>
+            <p:ph sz="quarter" idx="15"/>
+          </p:nvPr>
+        </p:nvSpPr>
+        <p:spPr/>
+        <p:txBody>
+          <a:bodyPr/>
           <a:lstStyle/>
           <a:p>
-            <a:pPr algn="r"/>
-            <a:r>
-              <a:rPr lang="fr-FR" sz="1400" i="1" dirty="0" smtClean="0">
-                <a:solidFill>
-                  <a:schemeClr val="bg1">
-                    <a:lumMod val="50000"/>
-                  </a:schemeClr>
-                </a:solidFill>
-              </a:rPr>
-              <a:t>Retour vers le menu</a:t>
-            </a:r>
-            <a:endParaRPr lang="fr-FR" sz="1400" i="1" dirty="0">
-              <a:solidFill>
-                <a:schemeClr val="bg1">
-                  <a:lumMod val="50000"/>
-                </a:schemeClr>
-              </a:solidFill>
-            </a:endParaRPr>
+            <a:endParaRPr lang="fr-FR"/>
           </a:p>
         </p:txBody>
       </p:sp>
       <p:pic>
         <p:nvPicPr>
-          <p:cNvPr id="1026" name="Picture 2"/>
+          <p:cNvPr id="36867" name="Picture 3"/>
           <p:cNvPicPr>
             <a:picLocks noChangeAspect="1" noChangeArrowheads="1"/>
           </p:cNvPicPr>
           <p:nvPr/>
         </p:nvPicPr>
         <p:blipFill>
-          <a:blip r:embed="rId3">
-            <a:extLst>
-              <a:ext uri="{28A0092B-C50C-407E-A947-70E740481C1C}">
-                <a14:useLocalDpi xmlns:a14="http://schemas.microsoft.com/office/drawing/2010/main" val="0"/>
-              </a:ext>
-            </a:extLst>
-          </a:blip>
+          <a:blip r:embed="rId2"/>
           <a:srcRect/>
           <a:stretch>
             <a:fillRect/>
@@ -11820,128 +11768,27 @@
         </p:blipFill>
         <p:spPr bwMode="auto">
           <a:xfrm>
-            <a:off x="4175956" y="980728"/>
-            <a:ext cx="533400" cy="495300"/>
+            <a:off x="1142976" y="1000108"/>
+            <a:ext cx="6000792" cy="5747536"/>
           </a:xfrm>
           <a:prstGeom prst="rect">
             <a:avLst/>
           </a:prstGeom>
           <a:noFill/>
-          <a:ln>
+          <a:ln w="9525">
             <a:noFill/>
+            <a:miter lim="800000"/>
+            <a:headEnd/>
+            <a:tailEnd/>
           </a:ln>
           <a:effectLst/>
-          <a:extLst>
-            <a:ext uri="{909E8E84-426E-40DD-AFC4-6F175D3DCCD1}">
-              <a14:hiddenFill xmlns:a14="http://schemas.microsoft.com/office/drawing/2010/main">
-                <a:solidFill>
-                  <a:schemeClr val="accent1"/>
-                </a:solidFill>
-              </a14:hiddenFill>
-            </a:ext>
-            <a:ext uri="{91240B29-F687-4F45-9708-019B960494DF}">
-              <a14:hiddenLine xmlns:a14="http://schemas.microsoft.com/office/drawing/2010/main" w="9525">
-                <a:solidFill>
-                  <a:schemeClr val="tx1"/>
-                </a:solidFill>
-                <a:miter lim="800000"/>
-                <a:headEnd/>
-                <a:tailEnd/>
-              </a14:hiddenLine>
-            </a:ext>
-            <a:ext uri="{AF507438-7753-43E0-B8FC-AC1667EBCBE1}">
-              <a14:hiddenEffects xmlns:a14="http://schemas.microsoft.com/office/drawing/2010/main">
-                <a:effectLst>
-                  <a:outerShdw dist="35921" dir="2700000" algn="ctr" rotWithShape="0">
-                    <a:schemeClr val="bg2"/>
-                  </a:outerShdw>
-                </a:effectLst>
-              </a14:hiddenEffects>
-            </a:ext>
-          </a:extLst>
-        </p:spPr>
-      </p:pic>
-      <p:pic>
-        <p:nvPicPr>
-          <p:cNvPr id="1027" name="Picture 3"/>
-          <p:cNvPicPr>
-            <a:picLocks noChangeAspect="1" noChangeArrowheads="1"/>
-          </p:cNvPicPr>
-          <p:nvPr/>
-        </p:nvPicPr>
-        <p:blipFill>
-          <a:blip r:embed="rId4">
-            <a:extLst>
-              <a:ext uri="{28A0092B-C50C-407E-A947-70E740481C1C}">
-                <a14:useLocalDpi xmlns:a14="http://schemas.microsoft.com/office/drawing/2010/main" val="0"/>
-              </a:ext>
-            </a:extLst>
-          </a:blip>
-          <a:srcRect/>
-          <a:stretch>
-            <a:fillRect/>
-          </a:stretch>
-        </p:blipFill>
-        <p:spPr bwMode="auto">
-          <a:xfrm>
-            <a:off x="4860032" y="1700808"/>
-            <a:ext cx="3168352" cy="2387115"/>
-          </a:xfrm>
-          <a:prstGeom prst="rect">
-            <a:avLst/>
-          </a:prstGeom>
-          <a:noFill/>
-          <a:ln>
-            <a:noFill/>
-          </a:ln>
-          <a:effectLst/>
-          <a:extLst>
-            <a:ext uri="{909E8E84-426E-40DD-AFC4-6F175D3DCCD1}">
-              <a14:hiddenFill xmlns:a14="http://schemas.microsoft.com/office/drawing/2010/main">
-                <a:solidFill>
-                  <a:schemeClr val="accent1"/>
-                </a:solidFill>
-              </a14:hiddenFill>
-            </a:ext>
-            <a:ext uri="{91240B29-F687-4F45-9708-019B960494DF}">
-              <a14:hiddenLine xmlns:a14="http://schemas.microsoft.com/office/drawing/2010/main" w="9525">
-                <a:solidFill>
-                  <a:schemeClr val="tx1"/>
-                </a:solidFill>
-                <a:miter lim="800000"/>
-                <a:headEnd/>
-                <a:tailEnd/>
-              </a14:hiddenLine>
-            </a:ext>
-            <a:ext uri="{AF507438-7753-43E0-B8FC-AC1667EBCBE1}">
-              <a14:hiddenEffects xmlns:a14="http://schemas.microsoft.com/office/drawing/2010/main">
-                <a:effectLst>
-                  <a:outerShdw dist="35921" dir="2700000" algn="ctr" rotWithShape="0">
-                    <a:schemeClr val="bg2"/>
-                  </a:outerShdw>
-                </a:effectLst>
-              </a14:hiddenEffects>
-            </a:ext>
-          </a:extLst>
         </p:spPr>
       </p:pic>
     </p:spTree>
-    <p:extLst>
-      <p:ext uri="{BB962C8B-B14F-4D97-AF65-F5344CB8AC3E}">
-        <p14:creationId xmlns:p14="http://schemas.microsoft.com/office/powerpoint/2010/main" val="1069924367"/>
-      </p:ext>
-    </p:extLst>
   </p:cSld>
   <p:clrMapOvr>
     <a:masterClrMapping/>
   </p:clrMapOvr>
-  <p:timing>
-    <p:tnLst>
-      <p:par>
-        <p:cTn id="1" dur="indefinite" restart="never" nodeType="tmRoot"/>
-      </p:par>
-    </p:tnLst>
-  </p:timing>
 </p:sld>
 </file>
 
@@ -11964,91 +11811,6 @@
       </p:grpSpPr>
       <p:sp>
         <p:nvSpPr>
-          <p:cNvPr id="2" name="Espace réservé du contenu 1"/>
-          <p:cNvSpPr>
-            <a:spLocks noGrp="1"/>
-          </p:cNvSpPr>
-          <p:nvPr>
-            <p:ph sz="quarter" idx="15"/>
-          </p:nvPr>
-        </p:nvSpPr>
-        <p:spPr>
-          <a:xfrm>
-            <a:off x="304800" y="980728"/>
-            <a:ext cx="7839100" cy="5760640"/>
-          </a:xfrm>
-        </p:spPr>
-        <p:txBody>
-          <a:bodyPr>
-            <a:normAutofit/>
-          </a:bodyPr>
-          <a:lstStyle/>
-          <a:p>
-            <a:pPr lvl="0"/>
-            <a:r>
-              <a:rPr lang="fr-FR" sz="2000" dirty="0" smtClean="0"/>
-              <a:t>Asservissement en position : Module 7</a:t>
-            </a:r>
-          </a:p>
-          <a:p>
-            <a:pPr lvl="1"/>
-            <a:r>
-              <a:rPr lang="fr-FR" sz="1600" dirty="0" smtClean="0"/>
-              <a:t>Sélectionner le doit et le vérin à déplacer</a:t>
-            </a:r>
-          </a:p>
-          <a:p>
-            <a:pPr lvl="1"/>
-            <a:r>
-              <a:rPr lang="fr-FR" sz="1600" dirty="0" smtClean="0"/>
-              <a:t>Régler les différents paramètres du correcteur PID</a:t>
-            </a:r>
-          </a:p>
-          <a:p>
-            <a:pPr lvl="1"/>
-            <a:r>
-              <a:rPr lang="fr-FR" sz="1600" dirty="0" smtClean="0"/>
-              <a:t>Cliquer sur GO pour lancer la mesure</a:t>
-            </a:r>
-          </a:p>
-          <a:p>
-            <a:pPr lvl="1"/>
-            <a:r>
-              <a:rPr lang="fr-FR" sz="1600" dirty="0" smtClean="0"/>
-              <a:t>Cliquer sur Voir Courbe vérin pour afficher la courbe des vérins</a:t>
-            </a:r>
-          </a:p>
-          <a:p>
-            <a:pPr lvl="2"/>
-            <a:r>
-              <a:rPr lang="fr-FR" sz="1600" dirty="0" smtClean="0"/>
-              <a:t>Une fenêtre </a:t>
-            </a:r>
-            <a:r>
-              <a:rPr lang="fr-FR" sz="1600" dirty="0" err="1" smtClean="0"/>
-              <a:t>gnuplot</a:t>
-            </a:r>
-            <a:r>
-              <a:rPr lang="fr-FR" sz="1600" dirty="0" smtClean="0"/>
-              <a:t> s’ouvre</a:t>
-            </a:r>
-          </a:p>
-          <a:p>
-            <a:pPr lvl="2"/>
-            <a:r>
-              <a:rPr lang="fr-FR" sz="1600" dirty="0" smtClean="0"/>
-              <a:t>Dans le menu sélectionner Position pour visualiser la courbe de position</a:t>
-            </a:r>
-            <a:endParaRPr lang="fr-FR" sz="1600" dirty="0"/>
-          </a:p>
-          <a:p>
-            <a:pPr lvl="0"/>
-            <a:endParaRPr lang="fr-FR" sz="2000" dirty="0"/>
-          </a:p>
-        </p:txBody>
-      </p:sp>
-      <p:sp>
-        <p:nvSpPr>
           <p:cNvPr id="3" name="Espace réservé du numéro de diapositive 2"/>
           <p:cNvSpPr>
             <a:spLocks noGrp="1"/>
@@ -12089,84 +11851,45 @@
           <a:lstStyle/>
           <a:p>
             <a:r>
-              <a:rPr lang="fr-FR" dirty="0"/>
-              <a:t>Présentation du logiciel d’acquisition</a:t>
-            </a:r>
-            <a:br>
-              <a:rPr lang="fr-FR" dirty="0"/>
-            </a:br>
+              <a:rPr smtClean="0"/>
+              <a:t>Présentation interne du tribar</a:t>
+            </a:r>
+          </a:p>
+          <a:p>
+            <a:r>
+              <a:rPr smtClean="0"/>
+              <a:t>Unité de transfert </a:t>
+            </a:r>
             <a:r>
               <a:rPr lang="fr-FR" dirty="0" smtClean="0"/>
-              <a:t>Réalisation d’une acquisition</a:t>
+              <a:t>–</a:t>
+            </a:r>
+            <a:r>
+              <a:rPr smtClean="0"/>
+              <a:t> Unité d'indexage </a:t>
+            </a:r>
+            <a:r>
+              <a:rPr lang="fr-FR" dirty="0" smtClean="0"/>
+              <a:t>–</a:t>
+            </a:r>
+            <a:r>
+              <a:rPr smtClean="0"/>
+              <a:t> Outil (sonde)</a:t>
             </a:r>
             <a:endParaRPr lang="fr-FR" dirty="0"/>
-          </a:p>
-          <a:p>
-            <a:endParaRPr lang="fr-FR" dirty="0"/>
-          </a:p>
-        </p:txBody>
-      </p:sp>
-      <p:sp>
-        <p:nvSpPr>
-          <p:cNvPr id="10" name="ZoneTexte 9">
-            <a:hlinkClick r:id="rId2" action="ppaction://hlinksldjump"/>
-          </p:cNvPr>
-          <p:cNvSpPr txBox="1"/>
-          <p:nvPr/>
-        </p:nvSpPr>
-        <p:spPr>
-          <a:xfrm>
-            <a:off x="107504" y="6525344"/>
-            <a:ext cx="8136904" cy="307777"/>
-          </a:xfrm>
-          <a:prstGeom prst="rect">
-            <a:avLst/>
-          </a:prstGeom>
-          <a:noFill/>
-        </p:spPr>
-        <p:txBody>
-          <a:bodyPr wrap="square" rtlCol="0">
-            <a:spAutoFit/>
-          </a:bodyPr>
-          <a:lstStyle/>
-          <a:p>
-            <a:pPr algn="r"/>
-            <a:r>
-              <a:rPr lang="fr-FR" sz="1400" i="1" dirty="0" smtClean="0">
-                <a:solidFill>
-                  <a:schemeClr val="bg1">
-                    <a:lumMod val="50000"/>
-                  </a:schemeClr>
-                </a:solidFill>
-              </a:rPr>
-              <a:t>Retour vers le menu</a:t>
-            </a:r>
-            <a:endParaRPr lang="fr-FR" sz="1400" i="1" dirty="0">
-              <a:solidFill>
-                <a:schemeClr val="bg1">
-                  <a:lumMod val="50000"/>
-                </a:schemeClr>
-              </a:solidFill>
-            </a:endParaRPr>
           </a:p>
         </p:txBody>
       </p:sp>
       <p:pic>
         <p:nvPicPr>
-          <p:cNvPr id="2050" name="Picture 2"/>
+          <p:cNvPr id="37890" name="Picture 2"/>
           <p:cNvPicPr>
             <a:picLocks noChangeAspect="1" noChangeArrowheads="1"/>
           </p:cNvPicPr>
           <p:nvPr/>
         </p:nvPicPr>
         <p:blipFill>
-          <a:blip r:embed="rId3">
-            <a:extLst>
-              <a:ext uri="{28A0092B-C50C-407E-A947-70E740481C1C}">
-                <a14:useLocalDpi xmlns:a14="http://schemas.microsoft.com/office/drawing/2010/main" val="0"/>
-              </a:ext>
-            </a:extLst>
-          </a:blip>
+          <a:blip r:embed="rId2"/>
           <a:srcRect/>
           <a:stretch>
             <a:fillRect/>
@@ -12174,172 +11897,93 @@
         </p:blipFill>
         <p:spPr bwMode="auto">
           <a:xfrm>
-            <a:off x="361888" y="3429000"/>
-            <a:ext cx="3790454" cy="2856688"/>
+            <a:off x="357158" y="1000108"/>
+            <a:ext cx="1731077" cy="5715040"/>
           </a:xfrm>
           <a:prstGeom prst="rect">
             <a:avLst/>
           </a:prstGeom>
           <a:noFill/>
-          <a:ln>
+          <a:ln w="9525">
             <a:noFill/>
+            <a:miter lim="800000"/>
+            <a:headEnd/>
+            <a:tailEnd/>
           </a:ln>
           <a:effectLst/>
-          <a:extLst>
-            <a:ext uri="{909E8E84-426E-40DD-AFC4-6F175D3DCCD1}">
-              <a14:hiddenFill xmlns:a14="http://schemas.microsoft.com/office/drawing/2010/main">
-                <a:solidFill>
-                  <a:schemeClr val="accent1"/>
-                </a:solidFill>
-              </a14:hiddenFill>
-            </a:ext>
-            <a:ext uri="{91240B29-F687-4F45-9708-019B960494DF}">
-              <a14:hiddenLine xmlns:a14="http://schemas.microsoft.com/office/drawing/2010/main" w="9525">
-                <a:solidFill>
-                  <a:schemeClr val="tx1"/>
-                </a:solidFill>
-                <a:miter lim="800000"/>
-                <a:headEnd/>
-                <a:tailEnd/>
-              </a14:hiddenLine>
-            </a:ext>
-            <a:ext uri="{AF507438-7753-43E0-B8FC-AC1667EBCBE1}">
-              <a14:hiddenEffects xmlns:a14="http://schemas.microsoft.com/office/drawing/2010/main">
-                <a:effectLst>
-                  <a:outerShdw dist="35921" dir="2700000" algn="ctr" rotWithShape="0">
-                    <a:schemeClr val="bg2"/>
-                  </a:outerShdw>
-                </a:effectLst>
-              </a14:hiddenEffects>
-            </a:ext>
-          </a:extLst>
         </p:spPr>
       </p:pic>
       <p:pic>
         <p:nvPicPr>
-          <p:cNvPr id="7" name="Picture 4"/>
+          <p:cNvPr id="37891" name="Picture 3"/>
           <p:cNvPicPr>
             <a:picLocks noChangeAspect="1" noChangeArrowheads="1"/>
           </p:cNvPicPr>
           <p:nvPr/>
         </p:nvPicPr>
-        <p:blipFill rotWithShape="1">
-          <a:blip r:embed="rId4">
-            <a:extLst>
-              <a:ext uri="{28A0092B-C50C-407E-A947-70E740481C1C}">
-                <a14:useLocalDpi xmlns:a14="http://schemas.microsoft.com/office/drawing/2010/main" val="0"/>
-              </a:ext>
-            </a:extLst>
-          </a:blip>
-          <a:srcRect r="38486" b="59281"/>
-          <a:stretch/>
+        <p:blipFill>
+          <a:blip r:embed="rId3"/>
+          <a:srcRect/>
+          <a:stretch>
+            <a:fillRect/>
+          </a:stretch>
         </p:blipFill>
         <p:spPr bwMode="auto">
           <a:xfrm>
-            <a:off x="4355975" y="3947136"/>
-            <a:ext cx="3438623" cy="1820416"/>
+            <a:off x="2143108" y="928670"/>
+            <a:ext cx="1876425" cy="5667375"/>
           </a:xfrm>
           <a:prstGeom prst="rect">
             <a:avLst/>
           </a:prstGeom>
           <a:noFill/>
-          <a:ln>
+          <a:ln w="9525">
             <a:noFill/>
+            <a:miter lim="800000"/>
+            <a:headEnd/>
+            <a:tailEnd/>
           </a:ln>
           <a:effectLst/>
-          <a:extLst>
-            <a:ext uri="{909E8E84-426E-40DD-AFC4-6F175D3DCCD1}">
-              <a14:hiddenFill xmlns:a14="http://schemas.microsoft.com/office/drawing/2010/main">
-                <a:solidFill>
-                  <a:schemeClr val="accent1"/>
-                </a:solidFill>
-              </a14:hiddenFill>
-            </a:ext>
-            <a:ext uri="{91240B29-F687-4F45-9708-019B960494DF}">
-              <a14:hiddenLine xmlns:a14="http://schemas.microsoft.com/office/drawing/2010/main" w="9525">
-                <a:solidFill>
-                  <a:schemeClr val="tx1"/>
-                </a:solidFill>
-                <a:miter lim="800000"/>
-                <a:headEnd/>
-                <a:tailEnd/>
-              </a14:hiddenLine>
-            </a:ext>
-            <a:ext uri="{AF507438-7753-43E0-B8FC-AC1667EBCBE1}">
-              <a14:hiddenEffects xmlns:a14="http://schemas.microsoft.com/office/drawing/2010/main">
-                <a:effectLst>
-                  <a:outerShdw dist="35921" dir="2700000" algn="ctr" rotWithShape="0">
-                    <a:schemeClr val="bg2"/>
-                  </a:outerShdw>
-                </a:effectLst>
-              </a14:hiddenEffects>
-            </a:ext>
-          </a:extLst>
         </p:spPr>
       </p:pic>
-      <p:sp>
-        <p:nvSpPr>
-          <p:cNvPr id="5" name="Rectangle 4"/>
-          <p:cNvSpPr/>
+      <p:pic>
+        <p:nvPicPr>
+          <p:cNvPr id="37892" name="Picture 4"/>
+          <p:cNvPicPr>
+            <a:picLocks noChangeAspect="1" noChangeArrowheads="1"/>
+          </p:cNvPicPr>
           <p:nvPr/>
-        </p:nvSpPr>
-        <p:spPr>
-          <a:xfrm>
-            <a:off x="4355975" y="4005064"/>
-            <a:ext cx="288033" cy="216024"/>
+        </p:nvPicPr>
+        <p:blipFill>
+          <a:blip r:embed="rId4"/>
+          <a:srcRect/>
+          <a:stretch>
+            <a:fillRect/>
+          </a:stretch>
+        </p:blipFill>
+        <p:spPr bwMode="auto">
+          <a:xfrm>
+            <a:off x="4214810" y="1142984"/>
+            <a:ext cx="3705326" cy="5434044"/>
           </a:xfrm>
           <a:prstGeom prst="rect">
             <a:avLst/>
           </a:prstGeom>
           <a:noFill/>
-          <a:ln>
-            <a:solidFill>
-              <a:srgbClr val="FF0000"/>
-            </a:solidFill>
+          <a:ln w="9525">
+            <a:noFill/>
+            <a:miter lim="800000"/>
+            <a:headEnd/>
+            <a:tailEnd/>
           </a:ln>
-        </p:spPr>
-        <p:style>
-          <a:lnRef idx="2">
-            <a:schemeClr val="accent1">
-              <a:shade val="50000"/>
-            </a:schemeClr>
-          </a:lnRef>
-          <a:fillRef idx="1">
-            <a:schemeClr val="accent1"/>
-          </a:fillRef>
-          <a:effectRef idx="0">
-            <a:schemeClr val="accent1"/>
-          </a:effectRef>
-          <a:fontRef idx="minor">
-            <a:schemeClr val="lt1"/>
-          </a:fontRef>
-        </p:style>
-        <p:txBody>
-          <a:bodyPr rtlCol="0" anchor="ctr"/>
-          <a:lstStyle/>
-          <a:p>
-            <a:pPr algn="ctr"/>
-            <a:endParaRPr lang="fr-FR"/>
-          </a:p>
-        </p:txBody>
-      </p:sp>
+          <a:effectLst/>
+        </p:spPr>
+      </p:pic>
     </p:spTree>
-    <p:extLst>
-      <p:ext uri="{BB962C8B-B14F-4D97-AF65-F5344CB8AC3E}">
-        <p14:creationId xmlns:p14="http://schemas.microsoft.com/office/powerpoint/2010/main" val="1651410228"/>
-      </p:ext>
-    </p:extLst>
   </p:cSld>
   <p:clrMapOvr>
     <a:masterClrMapping/>
   </p:clrMapOvr>
-  <p:timing>
-    <p:tnLst>
-      <p:par>
-        <p:cTn id="1" dur="indefinite" restart="never" nodeType="tmRoot"/>
-      </p:par>
-    </p:tnLst>
-  </p:timing>
 </p:sld>
 </file>
 
@@ -12362,122 +12006,26 @@
       </p:grpSpPr>
       <p:sp>
         <p:nvSpPr>
-          <p:cNvPr id="2" name="Espace réservé du contenu 1"/>
-          <p:cNvSpPr>
-            <a:spLocks noGrp="1"/>
-          </p:cNvSpPr>
-          <p:nvPr>
-            <p:ph sz="quarter" idx="15"/>
-          </p:nvPr>
-        </p:nvSpPr>
-        <p:spPr>
-          <a:xfrm>
-            <a:off x="107504" y="980728"/>
-            <a:ext cx="5688632" cy="4069370"/>
-          </a:xfrm>
-        </p:spPr>
-        <p:txBody>
-          <a:bodyPr>
-            <a:normAutofit fontScale="85000" lnSpcReduction="10000"/>
-          </a:bodyPr>
+          <p:cNvPr id="5" name="Titre 4"/>
+          <p:cNvSpPr>
+            <a:spLocks noGrp="1"/>
+          </p:cNvSpPr>
+          <p:nvPr>
+            <p:ph type="ctrTitle"/>
+          </p:nvPr>
+        </p:nvSpPr>
+        <p:spPr/>
+        <p:txBody>
+          <a:bodyPr/>
           <a:lstStyle/>
           <a:p>
             <a:r>
-              <a:rPr lang="fr-FR" dirty="0" smtClean="0"/>
-              <a:t>Les fichiers de mesure sont des fichiers texte deux colonnes</a:t>
-            </a:r>
-          </a:p>
-          <a:p>
-            <a:pPr lvl="1"/>
-            <a:r>
-              <a:rPr lang="fr-FR" dirty="0" smtClean="0"/>
-              <a:t>1</a:t>
-            </a:r>
-            <a:r>
-              <a:rPr lang="fr-FR" baseline="30000" dirty="0" smtClean="0"/>
-              <a:t>ère</a:t>
-            </a:r>
-            <a:r>
-              <a:rPr lang="fr-FR" dirty="0" smtClean="0"/>
-              <a:t> colonne : temps (ms)</a:t>
-            </a:r>
-          </a:p>
-          <a:p>
-            <a:pPr lvl="1"/>
-            <a:r>
-              <a:rPr lang="fr-FR" dirty="0" smtClean="0"/>
-              <a:t>2</a:t>
-            </a:r>
-            <a:r>
-              <a:rPr lang="fr-FR" baseline="30000" dirty="0" smtClean="0"/>
-              <a:t>nde</a:t>
-            </a:r>
-            <a:r>
-              <a:rPr lang="fr-FR" dirty="0" smtClean="0"/>
-              <a:t> colonne : position (en tops)</a:t>
-            </a:r>
-          </a:p>
-          <a:p>
-            <a:pPr lvl="1"/>
-            <a:r>
-              <a:rPr lang="fr-FR" dirty="0" smtClean="0"/>
-              <a:t>Séparateur : espace</a:t>
-            </a:r>
-          </a:p>
-          <a:p>
-            <a:r>
-              <a:rPr lang="fr-FR" dirty="0" smtClean="0"/>
-              <a:t>Ouvrir Excel</a:t>
-            </a:r>
-          </a:p>
-          <a:p>
-            <a:pPr lvl="1"/>
-            <a:r>
-              <a:rPr lang="fr-FR" dirty="0" smtClean="0"/>
-              <a:t>Fichier, Ouvrir</a:t>
-            </a:r>
-          </a:p>
-          <a:p>
-            <a:pPr lvl="2"/>
-            <a:r>
-              <a:rPr lang="fr-FR" dirty="0" smtClean="0"/>
-              <a:t>Tous les fichiers (et pas seulement « Tous les fichiers Excel »)</a:t>
-            </a:r>
-          </a:p>
-          <a:p>
-            <a:pPr lvl="2"/>
-            <a:r>
-              <a:rPr lang="fr-FR" dirty="0" smtClean="0"/>
-              <a:t>« V1TOP.txt » (par exemple)</a:t>
-            </a:r>
-          </a:p>
-          <a:p>
-            <a:pPr lvl="2"/>
-            <a:r>
-              <a:rPr lang="fr-FR" dirty="0" smtClean="0"/>
-              <a:t>Origine du fichier : WINDOWS (ANSI)</a:t>
-            </a:r>
-          </a:p>
-          <a:p>
-            <a:pPr lvl="2"/>
-            <a:r>
-              <a:rPr lang="fr-FR" dirty="0" smtClean="0"/>
-              <a:t>Suivant</a:t>
-            </a:r>
-          </a:p>
-          <a:p>
-            <a:pPr lvl="2"/>
-            <a:r>
-              <a:rPr lang="fr-FR" dirty="0" smtClean="0"/>
-              <a:t>Séparateur : Espace</a:t>
-            </a:r>
-          </a:p>
-          <a:p>
-            <a:pPr lvl="2"/>
-            <a:r>
-              <a:rPr lang="fr-FR" dirty="0" smtClean="0"/>
-              <a:t>Terminer</a:t>
-            </a:r>
+              <a:rPr lang="fr-FR" dirty="0"/>
+              <a:t>Présentation du logiciel d’acquisition</a:t>
+            </a:r>
+            <a:br>
+              <a:rPr lang="fr-FR" dirty="0"/>
+            </a:br>
             <a:endParaRPr lang="fr-FR" dirty="0"/>
           </a:p>
         </p:txBody>
@@ -12489,7 +12037,7 @@
             <a:spLocks noGrp="1"/>
           </p:cNvSpPr>
           <p:nvPr>
-            <p:ph type="sldNum" sz="quarter" idx="17"/>
+            <p:ph type="sldNum" sz="quarter" idx="12"/>
           </p:nvPr>
         </p:nvSpPr>
         <p:spPr/>
@@ -12508,6 +12056,197 @@
       </p:sp>
       <p:sp>
         <p:nvSpPr>
+          <p:cNvPr id="7" name="ZoneTexte 6">
+            <a:hlinkClick r:id="rId2" action="ppaction://hlinksldjump"/>
+          </p:cNvPr>
+          <p:cNvSpPr txBox="1"/>
+          <p:nvPr/>
+        </p:nvSpPr>
+        <p:spPr>
+          <a:xfrm>
+            <a:off x="107504" y="6525344"/>
+            <a:ext cx="8136904" cy="307777"/>
+          </a:xfrm>
+          <a:prstGeom prst="rect">
+            <a:avLst/>
+          </a:prstGeom>
+          <a:noFill/>
+        </p:spPr>
+        <p:txBody>
+          <a:bodyPr wrap="square" rtlCol="0">
+            <a:spAutoFit/>
+          </a:bodyPr>
+          <a:lstStyle/>
+          <a:p>
+            <a:pPr algn="r"/>
+            <a:r>
+              <a:rPr lang="fr-FR" sz="1400" i="1" dirty="0" smtClean="0">
+                <a:solidFill>
+                  <a:schemeClr val="bg1">
+                    <a:lumMod val="50000"/>
+                  </a:schemeClr>
+                </a:solidFill>
+              </a:rPr>
+              <a:t>Retour vers le menu</a:t>
+            </a:r>
+            <a:endParaRPr lang="fr-FR" sz="1400" i="1" dirty="0">
+              <a:solidFill>
+                <a:schemeClr val="bg1">
+                  <a:lumMod val="50000"/>
+                </a:schemeClr>
+              </a:solidFill>
+            </a:endParaRPr>
+          </a:p>
+        </p:txBody>
+      </p:sp>
+    </p:spTree>
+    <p:extLst>
+      <p:ext uri="{BB962C8B-B14F-4D97-AF65-F5344CB8AC3E}">
+        <p14:creationId xmlns:p14="http://schemas.microsoft.com/office/powerpoint/2010/main" xmlns="" val="3771198579"/>
+      </p:ext>
+    </p:extLst>
+  </p:cSld>
+  <p:clrMapOvr>
+    <a:masterClrMapping/>
+  </p:clrMapOvr>
+  <p:timing>
+    <p:tnLst>
+      <p:par>
+        <p:cTn id="1" dur="indefinite" restart="never" nodeType="tmRoot"/>
+      </p:par>
+    </p:tnLst>
+  </p:timing>
+</p:sld>
+</file>
+
+<file path=ppt/slides/slide15.xml><?xml version="1.0" encoding="utf-8"?>
+<p:sld xmlns:a="http://schemas.openxmlformats.org/drawingml/2006/main" xmlns:r="http://schemas.openxmlformats.org/officeDocument/2006/relationships" xmlns:p="http://schemas.openxmlformats.org/presentationml/2006/main">
+  <p:cSld>
+    <p:spTree>
+      <p:nvGrpSpPr>
+        <p:cNvPr id="1" name=""/>
+        <p:cNvGrpSpPr/>
+        <p:nvPr/>
+      </p:nvGrpSpPr>
+      <p:grpSpPr>
+        <a:xfrm>
+          <a:off x="0" y="0"/>
+          <a:ext cx="0" cy="0"/>
+          <a:chOff x="0" y="0"/>
+          <a:chExt cx="0" cy="0"/>
+        </a:xfrm>
+      </p:grpSpPr>
+      <p:sp>
+        <p:nvSpPr>
+          <p:cNvPr id="2" name="Espace réservé du contenu 1"/>
+          <p:cNvSpPr>
+            <a:spLocks noGrp="1"/>
+          </p:cNvSpPr>
+          <p:nvPr>
+            <p:ph sz="quarter" idx="15"/>
+          </p:nvPr>
+        </p:nvSpPr>
+        <p:spPr>
+          <a:xfrm>
+            <a:off x="304800" y="980728"/>
+            <a:ext cx="4987280" cy="5267672"/>
+          </a:xfrm>
+        </p:spPr>
+        <p:txBody>
+          <a:bodyPr>
+            <a:normAutofit/>
+          </a:bodyPr>
+          <a:lstStyle/>
+          <a:p>
+            <a:r>
+              <a:rPr lang="fr-FR" dirty="0" smtClean="0"/>
+              <a:t>Lancer le logiciel TRIBAR</a:t>
+            </a:r>
+          </a:p>
+          <a:p>
+            <a:r>
+              <a:rPr lang="fr-FR" dirty="0" smtClean="0"/>
+              <a:t>Valider la demande d’initialisation</a:t>
+            </a:r>
+          </a:p>
+          <a:p>
+            <a:r>
+              <a:rPr lang="fr-FR" dirty="0" smtClean="0"/>
+              <a:t>Dans l’onglet Initialisation </a:t>
+            </a:r>
+          </a:p>
+          <a:p>
+            <a:pPr lvl="1"/>
+            <a:r>
+              <a:rPr lang="fr-FR" dirty="0" smtClean="0"/>
+              <a:t>Choisir la configuration 11 </a:t>
+            </a:r>
+            <a:r>
+              <a:rPr lang="fr-FR" dirty="0"/>
+              <a:t>– 5 – 8 </a:t>
+            </a:r>
+            <a:endParaRPr lang="fr-FR" dirty="0" smtClean="0"/>
+          </a:p>
+          <a:p>
+            <a:pPr lvl="1"/>
+            <a:r>
+              <a:rPr lang="fr-FR" dirty="0" smtClean="0"/>
+              <a:t>Cliquer sur initialisations vérins</a:t>
+            </a:r>
+          </a:p>
+          <a:p>
+            <a:pPr lvl="1"/>
+            <a:r>
+              <a:rPr lang="fr-FR" dirty="0" smtClean="0"/>
+              <a:t>Valider les étapes successives</a:t>
+            </a:r>
+          </a:p>
+          <a:p>
+            <a:pPr lvl="1"/>
+            <a:endParaRPr lang="fr-FR" dirty="0"/>
+          </a:p>
+          <a:p>
+            <a:r>
+              <a:rPr lang="fr-FR" dirty="0" smtClean="0"/>
+              <a:t>Pour relancer une initialisation, taper F7 dans le menu principal</a:t>
+            </a:r>
+          </a:p>
+          <a:p>
+            <a:pPr lvl="1"/>
+            <a:endParaRPr lang="fr-FR" dirty="0"/>
+          </a:p>
+          <a:p>
+            <a:pPr lvl="1"/>
+            <a:endParaRPr lang="fr-FR" dirty="0"/>
+          </a:p>
+        </p:txBody>
+      </p:sp>
+      <p:sp>
+        <p:nvSpPr>
+          <p:cNvPr id="3" name="Espace réservé du numéro de diapositive 2"/>
+          <p:cNvSpPr>
+            <a:spLocks noGrp="1"/>
+          </p:cNvSpPr>
+          <p:nvPr>
+            <p:ph type="sldNum" sz="quarter" idx="17"/>
+          </p:nvPr>
+        </p:nvSpPr>
+        <p:spPr/>
+        <p:txBody>
+          <a:bodyPr/>
+          <a:lstStyle/>
+          <a:p>
+            <a:fld id="{256D3EEF-DE4E-429D-8EC4-DDC531AFF587}" type="slidenum">
+              <a:rPr lang="fr-FR" smtClean="0"/>
+              <a:pPr/>
+              <a:t>15</a:t>
+            </a:fld>
+            <a:endParaRPr lang="fr-FR" dirty="0"/>
+          </a:p>
+        </p:txBody>
+      </p:sp>
+      <p:sp>
+        <p:nvSpPr>
           <p:cNvPr id="4" name="Espace réservé du texte 3"/>
           <p:cNvSpPr>
             <a:spLocks noGrp="1"/>
@@ -12532,25 +12271,74 @@
             </a:br>
             <a:r>
               <a:rPr lang="fr-FR" dirty="0" smtClean="0"/>
-              <a:t>Import des points en utilisant un tableur</a:t>
+              <a:t>Initialisation du </a:t>
+            </a:r>
+            <a:r>
+              <a:rPr lang="fr-FR" dirty="0" err="1" smtClean="0"/>
+              <a:t>tribar</a:t>
             </a:r>
             <a:endParaRPr lang="fr-FR" dirty="0"/>
+          </a:p>
+        </p:txBody>
+      </p:sp>
+      <p:sp>
+        <p:nvSpPr>
+          <p:cNvPr id="10" name="ZoneTexte 9">
+            <a:hlinkClick r:id="rId2" action="ppaction://hlinksldjump"/>
+          </p:cNvPr>
+          <p:cNvSpPr txBox="1"/>
+          <p:nvPr/>
+        </p:nvSpPr>
+        <p:spPr>
+          <a:xfrm>
+            <a:off x="107504" y="6525344"/>
+            <a:ext cx="8136904" cy="307777"/>
+          </a:xfrm>
+          <a:prstGeom prst="rect">
+            <a:avLst/>
+          </a:prstGeom>
+          <a:noFill/>
+        </p:spPr>
+        <p:txBody>
+          <a:bodyPr wrap="square" rtlCol="0">
+            <a:spAutoFit/>
+          </a:bodyPr>
+          <a:lstStyle/>
+          <a:p>
+            <a:pPr algn="r"/>
+            <a:r>
+              <a:rPr lang="fr-FR" sz="1400" i="1" dirty="0" smtClean="0">
+                <a:solidFill>
+                  <a:schemeClr val="bg1">
+                    <a:lumMod val="50000"/>
+                  </a:schemeClr>
+                </a:solidFill>
+              </a:rPr>
+              <a:t>Retour vers le menu</a:t>
+            </a:r>
+            <a:endParaRPr lang="fr-FR" sz="1400" i="1" dirty="0">
+              <a:solidFill>
+                <a:schemeClr val="bg1">
+                  <a:lumMod val="50000"/>
+                </a:schemeClr>
+              </a:solidFill>
+            </a:endParaRPr>
           </a:p>
         </p:txBody>
       </p:sp>
       <p:pic>
         <p:nvPicPr>
-          <p:cNvPr id="2050" name="Picture 2"/>
+          <p:cNvPr id="1026" name="Picture 2"/>
           <p:cNvPicPr>
             <a:picLocks noChangeAspect="1" noChangeArrowheads="1"/>
           </p:cNvPicPr>
           <p:nvPr/>
         </p:nvPicPr>
         <p:blipFill>
-          <a:blip r:embed="rId2" cstate="print">
+          <a:blip r:embed="rId3">
             <a:extLst>
               <a:ext uri="{28A0092B-C50C-407E-A947-70E740481C1C}">
-                <a14:useLocalDpi xmlns:a14="http://schemas.microsoft.com/office/drawing/2010/main" val="0"/>
+                <a14:useLocalDpi xmlns:a14="http://schemas.microsoft.com/office/drawing/2010/main" xmlns="" val="0"/>
               </a:ext>
             </a:extLst>
           </a:blip>
@@ -12561,8 +12349,8 @@
         </p:blipFill>
         <p:spPr bwMode="auto">
           <a:xfrm>
-            <a:off x="1259632" y="5046796"/>
-            <a:ext cx="2866684" cy="1697272"/>
+            <a:off x="4175956" y="980728"/>
+            <a:ext cx="533400" cy="495300"/>
           </a:xfrm>
           <a:prstGeom prst="rect">
             <a:avLst/>
@@ -12574,14 +12362,14 @@
           <a:effectLst/>
           <a:extLst>
             <a:ext uri="{909E8E84-426E-40DD-AFC4-6F175D3DCCD1}">
-              <a14:hiddenFill xmlns:a14="http://schemas.microsoft.com/office/drawing/2010/main">
+              <a14:hiddenFill xmlns:a14="http://schemas.microsoft.com/office/drawing/2010/main" xmlns="">
                 <a:solidFill>
                   <a:schemeClr val="accent1"/>
                 </a:solidFill>
               </a14:hiddenFill>
             </a:ext>
             <a:ext uri="{91240B29-F687-4F45-9708-019B960494DF}">
-              <a14:hiddenLine xmlns:a14="http://schemas.microsoft.com/office/drawing/2010/main" w="9525">
+              <a14:hiddenLine xmlns:a14="http://schemas.microsoft.com/office/drawing/2010/main" xmlns="" w="9525">
                 <a:solidFill>
                   <a:schemeClr val="tx1"/>
                 </a:solidFill>
@@ -12591,7 +12379,7 @@
               </a14:hiddenLine>
             </a:ext>
             <a:ext uri="{AF507438-7753-43E0-B8FC-AC1667EBCBE1}">
-              <a14:hiddenEffects xmlns:a14="http://schemas.microsoft.com/office/drawing/2010/main">
+              <a14:hiddenEffects xmlns:a14="http://schemas.microsoft.com/office/drawing/2010/main" xmlns="">
                 <a:effectLst>
                   <a:outerShdw dist="35921" dir="2700000" algn="ctr" rotWithShape="0">
                     <a:schemeClr val="bg2"/>
@@ -12604,17 +12392,17 @@
       </p:pic>
       <p:pic>
         <p:nvPicPr>
-          <p:cNvPr id="2051" name="Picture 3"/>
+          <p:cNvPr id="1027" name="Picture 3"/>
           <p:cNvPicPr>
             <a:picLocks noChangeAspect="1" noChangeArrowheads="1"/>
           </p:cNvPicPr>
           <p:nvPr/>
         </p:nvPicPr>
         <p:blipFill>
-          <a:blip r:embed="rId3" cstate="print">
+          <a:blip r:embed="rId4">
             <a:extLst>
               <a:ext uri="{28A0092B-C50C-407E-A947-70E740481C1C}">
-                <a14:useLocalDpi xmlns:a14="http://schemas.microsoft.com/office/drawing/2010/main" val="0"/>
+                <a14:useLocalDpi xmlns:a14="http://schemas.microsoft.com/office/drawing/2010/main" xmlns="" val="0"/>
               </a:ext>
             </a:extLst>
           </a:blip>
@@ -12625,8 +12413,8 @@
         </p:blipFill>
         <p:spPr bwMode="auto">
           <a:xfrm>
-            <a:off x="4572000" y="5046795"/>
-            <a:ext cx="2844949" cy="1697271"/>
+            <a:off x="4860032" y="1700808"/>
+            <a:ext cx="3168352" cy="2387115"/>
           </a:xfrm>
           <a:prstGeom prst="rect">
             <a:avLst/>
@@ -12638,14 +12426,14 @@
           <a:effectLst/>
           <a:extLst>
             <a:ext uri="{909E8E84-426E-40DD-AFC4-6F175D3DCCD1}">
-              <a14:hiddenFill xmlns:a14="http://schemas.microsoft.com/office/drawing/2010/main">
+              <a14:hiddenFill xmlns:a14="http://schemas.microsoft.com/office/drawing/2010/main" xmlns="">
                 <a:solidFill>
                   <a:schemeClr val="accent1"/>
                 </a:solidFill>
               </a14:hiddenFill>
             </a:ext>
             <a:ext uri="{91240B29-F687-4F45-9708-019B960494DF}">
-              <a14:hiddenLine xmlns:a14="http://schemas.microsoft.com/office/drawing/2010/main" w="9525">
+              <a14:hiddenLine xmlns:a14="http://schemas.microsoft.com/office/drawing/2010/main" xmlns="" w="9525">
                 <a:solidFill>
                   <a:schemeClr val="tx1"/>
                 </a:solidFill>
@@ -12655,7 +12443,7 @@
               </a14:hiddenLine>
             </a:ext>
             <a:ext uri="{AF507438-7753-43E0-B8FC-AC1667EBCBE1}">
-              <a14:hiddenEffects xmlns:a14="http://schemas.microsoft.com/office/drawing/2010/main">
+              <a14:hiddenEffects xmlns:a14="http://schemas.microsoft.com/office/drawing/2010/main" xmlns="">
                 <a:effectLst>
                   <a:outerShdw dist="35921" dir="2700000" algn="ctr" rotWithShape="0">
                     <a:schemeClr val="bg2"/>
@@ -12666,19 +12454,245 @@
           </a:extLst>
         </p:spPr>
       </p:pic>
+    </p:spTree>
+    <p:extLst>
+      <p:ext uri="{BB962C8B-B14F-4D97-AF65-F5344CB8AC3E}">
+        <p14:creationId xmlns:p14="http://schemas.microsoft.com/office/powerpoint/2010/main" xmlns="" val="1069924367"/>
+      </p:ext>
+    </p:extLst>
+  </p:cSld>
+  <p:clrMapOvr>
+    <a:masterClrMapping/>
+  </p:clrMapOvr>
+  <p:timing>
+    <p:tnLst>
+      <p:par>
+        <p:cTn id="1" dur="indefinite" restart="never" nodeType="tmRoot"/>
+      </p:par>
+    </p:tnLst>
+  </p:timing>
+</p:sld>
+</file>
+
+<file path=ppt/slides/slide16.xml><?xml version="1.0" encoding="utf-8"?>
+<p:sld xmlns:a="http://schemas.openxmlformats.org/drawingml/2006/main" xmlns:r="http://schemas.openxmlformats.org/officeDocument/2006/relationships" xmlns:p="http://schemas.openxmlformats.org/presentationml/2006/main">
+  <p:cSld>
+    <p:spTree>
+      <p:nvGrpSpPr>
+        <p:cNvPr id="1" name=""/>
+        <p:cNvGrpSpPr/>
+        <p:nvPr/>
+      </p:nvGrpSpPr>
+      <p:grpSpPr>
+        <a:xfrm>
+          <a:off x="0" y="0"/>
+          <a:ext cx="0" cy="0"/>
+          <a:chOff x="0" y="0"/>
+          <a:chExt cx="0" cy="0"/>
+        </a:xfrm>
+      </p:grpSpPr>
+      <p:sp>
+        <p:nvSpPr>
+          <p:cNvPr id="2" name="Espace réservé du contenu 1"/>
+          <p:cNvSpPr>
+            <a:spLocks noGrp="1"/>
+          </p:cNvSpPr>
+          <p:nvPr>
+            <p:ph sz="quarter" idx="15"/>
+          </p:nvPr>
+        </p:nvSpPr>
+        <p:spPr>
+          <a:xfrm>
+            <a:off x="304800" y="980728"/>
+            <a:ext cx="7839100" cy="5760640"/>
+          </a:xfrm>
+        </p:spPr>
+        <p:txBody>
+          <a:bodyPr>
+            <a:normAutofit/>
+          </a:bodyPr>
+          <a:lstStyle/>
+          <a:p>
+            <a:pPr lvl="0"/>
+            <a:r>
+              <a:rPr lang="fr-FR" sz="2000" dirty="0" smtClean="0"/>
+              <a:t>Asservissement en position : Module 7</a:t>
+            </a:r>
+          </a:p>
+          <a:p>
+            <a:pPr lvl="1"/>
+            <a:r>
+              <a:rPr lang="fr-FR" sz="1600" dirty="0" smtClean="0"/>
+              <a:t>Sélectionner le doit et le vérin à déplacer</a:t>
+            </a:r>
+          </a:p>
+          <a:p>
+            <a:pPr lvl="1"/>
+            <a:r>
+              <a:rPr lang="fr-FR" sz="1600" dirty="0" smtClean="0"/>
+              <a:t>Régler les différents paramètres du correcteur PID</a:t>
+            </a:r>
+          </a:p>
+          <a:p>
+            <a:pPr lvl="1"/>
+            <a:r>
+              <a:rPr lang="fr-FR" sz="1600" dirty="0" smtClean="0"/>
+              <a:t>Cliquer sur GO pour lancer la mesure</a:t>
+            </a:r>
+          </a:p>
+          <a:p>
+            <a:pPr lvl="1"/>
+            <a:r>
+              <a:rPr lang="fr-FR" sz="1600" dirty="0" smtClean="0"/>
+              <a:t>Cliquer sur Voir Courbe vérin pour afficher la courbe des vérins</a:t>
+            </a:r>
+          </a:p>
+          <a:p>
+            <a:pPr lvl="2"/>
+            <a:r>
+              <a:rPr lang="fr-FR" sz="1600" dirty="0" smtClean="0"/>
+              <a:t>Une fenêtre </a:t>
+            </a:r>
+            <a:r>
+              <a:rPr lang="fr-FR" sz="1600" dirty="0" err="1" smtClean="0"/>
+              <a:t>gnuplot</a:t>
+            </a:r>
+            <a:r>
+              <a:rPr lang="fr-FR" sz="1600" dirty="0" smtClean="0"/>
+              <a:t> s’ouvre</a:t>
+            </a:r>
+          </a:p>
+          <a:p>
+            <a:pPr lvl="2"/>
+            <a:r>
+              <a:rPr lang="fr-FR" sz="1600" dirty="0" smtClean="0"/>
+              <a:t>Dans le menu sélectionner Position pour visualiser la courbe de position</a:t>
+            </a:r>
+            <a:endParaRPr lang="fr-FR" sz="1600" dirty="0"/>
+          </a:p>
+          <a:p>
+            <a:pPr lvl="0"/>
+            <a:endParaRPr lang="fr-FR" sz="2000" dirty="0"/>
+          </a:p>
+        </p:txBody>
+      </p:sp>
+      <p:sp>
+        <p:nvSpPr>
+          <p:cNvPr id="3" name="Espace réservé du numéro de diapositive 2"/>
+          <p:cNvSpPr>
+            <a:spLocks noGrp="1"/>
+          </p:cNvSpPr>
+          <p:nvPr>
+            <p:ph type="sldNum" sz="quarter" idx="17"/>
+          </p:nvPr>
+        </p:nvSpPr>
+        <p:spPr/>
+        <p:txBody>
+          <a:bodyPr/>
+          <a:lstStyle/>
+          <a:p>
+            <a:fld id="{256D3EEF-DE4E-429D-8EC4-DDC531AFF587}" type="slidenum">
+              <a:rPr lang="fr-FR" smtClean="0"/>
+              <a:pPr/>
+              <a:t>16</a:t>
+            </a:fld>
+            <a:endParaRPr lang="fr-FR" dirty="0"/>
+          </a:p>
+        </p:txBody>
+      </p:sp>
+      <p:sp>
+        <p:nvSpPr>
+          <p:cNvPr id="4" name="Espace réservé du texte 3"/>
+          <p:cNvSpPr>
+            <a:spLocks noGrp="1"/>
+          </p:cNvSpPr>
+          <p:nvPr>
+            <p:ph type="body" sz="quarter" idx="13"/>
+          </p:nvPr>
+        </p:nvSpPr>
+        <p:spPr/>
+        <p:txBody>
+          <a:bodyPr>
+            <a:normAutofit fontScale="55000" lnSpcReduction="20000"/>
+          </a:bodyPr>
+          <a:lstStyle/>
+          <a:p>
+            <a:r>
+              <a:rPr lang="fr-FR" dirty="0"/>
+              <a:t>Présentation du logiciel d’acquisition</a:t>
+            </a:r>
+            <a:br>
+              <a:rPr lang="fr-FR" dirty="0"/>
+            </a:br>
+            <a:r>
+              <a:rPr lang="fr-FR" dirty="0" smtClean="0"/>
+              <a:t>Réalisation d’une acquisition</a:t>
+            </a:r>
+            <a:endParaRPr lang="fr-FR" dirty="0"/>
+          </a:p>
+          <a:p>
+            <a:endParaRPr lang="fr-FR" dirty="0"/>
+          </a:p>
+        </p:txBody>
+      </p:sp>
+      <p:sp>
+        <p:nvSpPr>
+          <p:cNvPr id="10" name="ZoneTexte 9">
+            <a:hlinkClick r:id="rId2" action="ppaction://hlinksldjump"/>
+          </p:cNvPr>
+          <p:cNvSpPr txBox="1"/>
+          <p:nvPr/>
+        </p:nvSpPr>
+        <p:spPr>
+          <a:xfrm>
+            <a:off x="107504" y="6525344"/>
+            <a:ext cx="8136904" cy="307777"/>
+          </a:xfrm>
+          <a:prstGeom prst="rect">
+            <a:avLst/>
+          </a:prstGeom>
+          <a:noFill/>
+        </p:spPr>
+        <p:txBody>
+          <a:bodyPr wrap="square" rtlCol="0">
+            <a:spAutoFit/>
+          </a:bodyPr>
+          <a:lstStyle/>
+          <a:p>
+            <a:pPr algn="r"/>
+            <a:r>
+              <a:rPr lang="fr-FR" sz="1400" i="1" dirty="0" smtClean="0">
+                <a:solidFill>
+                  <a:schemeClr val="bg1">
+                    <a:lumMod val="50000"/>
+                  </a:schemeClr>
+                </a:solidFill>
+              </a:rPr>
+              <a:t>Retour vers le menu</a:t>
+            </a:r>
+            <a:endParaRPr lang="fr-FR" sz="1400" i="1" dirty="0">
+              <a:solidFill>
+                <a:schemeClr val="bg1">
+                  <a:lumMod val="50000"/>
+                </a:schemeClr>
+              </a:solidFill>
+            </a:endParaRPr>
+          </a:p>
+        </p:txBody>
+      </p:sp>
       <p:pic>
         <p:nvPicPr>
-          <p:cNvPr id="2052" name="Picture 4"/>
+          <p:cNvPr id="2050" name="Picture 2"/>
           <p:cNvPicPr>
             <a:picLocks noChangeAspect="1" noChangeArrowheads="1"/>
           </p:cNvPicPr>
           <p:nvPr/>
         </p:nvPicPr>
         <p:blipFill>
-          <a:blip r:embed="rId4">
+          <a:blip r:embed="rId3">
             <a:extLst>
               <a:ext uri="{28A0092B-C50C-407E-A947-70E740481C1C}">
-                <a14:useLocalDpi xmlns:a14="http://schemas.microsoft.com/office/drawing/2010/main" val="0"/>
+                <a14:useLocalDpi xmlns:a14="http://schemas.microsoft.com/office/drawing/2010/main" xmlns="" val="0"/>
               </a:ext>
             </a:extLst>
           </a:blip>
@@ -12689,8 +12703,8 @@
         </p:blipFill>
         <p:spPr bwMode="auto">
           <a:xfrm>
-            <a:off x="5364088" y="1124744"/>
-            <a:ext cx="2869506" cy="1904348"/>
+            <a:off x="361888" y="3429000"/>
+            <a:ext cx="3790454" cy="2856688"/>
           </a:xfrm>
           <a:prstGeom prst="rect">
             <a:avLst/>
@@ -12702,14 +12716,14 @@
           <a:effectLst/>
           <a:extLst>
             <a:ext uri="{909E8E84-426E-40DD-AFC4-6F175D3DCCD1}">
-              <a14:hiddenFill xmlns:a14="http://schemas.microsoft.com/office/drawing/2010/main">
+              <a14:hiddenFill xmlns:a14="http://schemas.microsoft.com/office/drawing/2010/main" xmlns="">
                 <a:solidFill>
                   <a:schemeClr val="accent1"/>
                 </a:solidFill>
               </a14:hiddenFill>
             </a:ext>
             <a:ext uri="{91240B29-F687-4F45-9708-019B960494DF}">
-              <a14:hiddenLine xmlns:a14="http://schemas.microsoft.com/office/drawing/2010/main" w="9525">
+              <a14:hiddenLine xmlns:a14="http://schemas.microsoft.com/office/drawing/2010/main" xmlns="" w="9525">
                 <a:solidFill>
                   <a:schemeClr val="tx1"/>
                 </a:solidFill>
@@ -12719,7 +12733,7 @@
               </a14:hiddenLine>
             </a:ext>
             <a:ext uri="{AF507438-7753-43E0-B8FC-AC1667EBCBE1}">
-              <a14:hiddenEffects xmlns:a14="http://schemas.microsoft.com/office/drawing/2010/main">
+              <a14:hiddenEffects xmlns:a14="http://schemas.microsoft.com/office/drawing/2010/main" xmlns="">
                 <a:effectLst>
                   <a:outerShdw dist="35921" dir="2700000" algn="ctr" rotWithShape="0">
                     <a:schemeClr val="bg2"/>
@@ -12730,6 +12744,68 @@
           </a:extLst>
         </p:spPr>
       </p:pic>
+      <p:pic>
+        <p:nvPicPr>
+          <p:cNvPr id="7" name="Picture 4"/>
+          <p:cNvPicPr>
+            <a:picLocks noChangeAspect="1" noChangeArrowheads="1"/>
+          </p:cNvPicPr>
+          <p:nvPr/>
+        </p:nvPicPr>
+        <p:blipFill rotWithShape="1">
+          <a:blip r:embed="rId4">
+            <a:extLst>
+              <a:ext uri="{28A0092B-C50C-407E-A947-70E740481C1C}">
+                <a14:useLocalDpi xmlns:a14="http://schemas.microsoft.com/office/drawing/2010/main" xmlns="" val="0"/>
+              </a:ext>
+            </a:extLst>
+          </a:blip>
+          <a:srcRect r="38486" b="59281"/>
+          <a:stretch/>
+        </p:blipFill>
+        <p:spPr bwMode="auto">
+          <a:xfrm>
+            <a:off x="4355975" y="3947136"/>
+            <a:ext cx="3438623" cy="1820416"/>
+          </a:xfrm>
+          <a:prstGeom prst="rect">
+            <a:avLst/>
+          </a:prstGeom>
+          <a:noFill/>
+          <a:ln>
+            <a:noFill/>
+          </a:ln>
+          <a:effectLst/>
+          <a:extLst>
+            <a:ext uri="{909E8E84-426E-40DD-AFC4-6F175D3DCCD1}">
+              <a14:hiddenFill xmlns:a14="http://schemas.microsoft.com/office/drawing/2010/main" xmlns="">
+                <a:solidFill>
+                  <a:schemeClr val="accent1"/>
+                </a:solidFill>
+              </a14:hiddenFill>
+            </a:ext>
+            <a:ext uri="{91240B29-F687-4F45-9708-019B960494DF}">
+              <a14:hiddenLine xmlns:a14="http://schemas.microsoft.com/office/drawing/2010/main" xmlns="" w="9525">
+                <a:solidFill>
+                  <a:schemeClr val="tx1"/>
+                </a:solidFill>
+                <a:miter lim="800000"/>
+                <a:headEnd/>
+                <a:tailEnd/>
+              </a14:hiddenLine>
+            </a:ext>
+            <a:ext uri="{AF507438-7753-43E0-B8FC-AC1667EBCBE1}">
+              <a14:hiddenEffects xmlns:a14="http://schemas.microsoft.com/office/drawing/2010/main" xmlns="">
+                <a:effectLst>
+                  <a:outerShdw dist="35921" dir="2700000" algn="ctr" rotWithShape="0">
+                    <a:schemeClr val="bg2"/>
+                  </a:outerShdw>
+                </a:effectLst>
+              </a14:hiddenEffects>
+            </a:ext>
+          </a:extLst>
+        </p:spPr>
+      </p:pic>
       <p:sp>
         <p:nvSpPr>
           <p:cNvPr id="5" name="Rectangle 4"/>
@@ -12738,8 +12814,8 @@
         </p:nvSpPr>
         <p:spPr>
           <a:xfrm>
-            <a:off x="7269670" y="2670286"/>
-            <a:ext cx="925290" cy="144016"/>
+            <a:off x="4355975" y="4005064"/>
+            <a:ext cx="288033" cy="216024"/>
           </a:xfrm>
           <a:prstGeom prst="rect">
             <a:avLst/>
@@ -12779,7 +12855,460 @@
     </p:spTree>
     <p:extLst>
       <p:ext uri="{BB962C8B-B14F-4D97-AF65-F5344CB8AC3E}">
-        <p14:creationId xmlns:p14="http://schemas.microsoft.com/office/powerpoint/2010/main" val="3570676962"/>
+        <p14:creationId xmlns:p14="http://schemas.microsoft.com/office/powerpoint/2010/main" xmlns="" val="1651410228"/>
+      </p:ext>
+    </p:extLst>
+  </p:cSld>
+  <p:clrMapOvr>
+    <a:masterClrMapping/>
+  </p:clrMapOvr>
+  <p:timing>
+    <p:tnLst>
+      <p:par>
+        <p:cTn id="1" dur="indefinite" restart="never" nodeType="tmRoot"/>
+      </p:par>
+    </p:tnLst>
+  </p:timing>
+</p:sld>
+</file>
+
+<file path=ppt/slides/slide17.xml><?xml version="1.0" encoding="utf-8"?>
+<p:sld xmlns:a="http://schemas.openxmlformats.org/drawingml/2006/main" xmlns:r="http://schemas.openxmlformats.org/officeDocument/2006/relationships" xmlns:p="http://schemas.openxmlformats.org/presentationml/2006/main">
+  <p:cSld>
+    <p:spTree>
+      <p:nvGrpSpPr>
+        <p:cNvPr id="1" name=""/>
+        <p:cNvGrpSpPr/>
+        <p:nvPr/>
+      </p:nvGrpSpPr>
+      <p:grpSpPr>
+        <a:xfrm>
+          <a:off x="0" y="0"/>
+          <a:ext cx="0" cy="0"/>
+          <a:chOff x="0" y="0"/>
+          <a:chExt cx="0" cy="0"/>
+        </a:xfrm>
+      </p:grpSpPr>
+      <p:sp>
+        <p:nvSpPr>
+          <p:cNvPr id="2" name="Espace réservé du contenu 1"/>
+          <p:cNvSpPr>
+            <a:spLocks noGrp="1"/>
+          </p:cNvSpPr>
+          <p:nvPr>
+            <p:ph sz="quarter" idx="15"/>
+          </p:nvPr>
+        </p:nvSpPr>
+        <p:spPr>
+          <a:xfrm>
+            <a:off x="107504" y="980728"/>
+            <a:ext cx="5688632" cy="4069370"/>
+          </a:xfrm>
+        </p:spPr>
+        <p:txBody>
+          <a:bodyPr>
+            <a:normAutofit fontScale="85000" lnSpcReduction="10000"/>
+          </a:bodyPr>
+          <a:lstStyle/>
+          <a:p>
+            <a:r>
+              <a:rPr lang="fr-FR" dirty="0" smtClean="0"/>
+              <a:t>Les fichiers de mesure sont des fichiers texte deux colonnes</a:t>
+            </a:r>
+          </a:p>
+          <a:p>
+            <a:pPr lvl="1"/>
+            <a:r>
+              <a:rPr lang="fr-FR" dirty="0" smtClean="0"/>
+              <a:t>1</a:t>
+            </a:r>
+            <a:r>
+              <a:rPr lang="fr-FR" baseline="30000" dirty="0" smtClean="0"/>
+              <a:t>ère</a:t>
+            </a:r>
+            <a:r>
+              <a:rPr lang="fr-FR" dirty="0" smtClean="0"/>
+              <a:t> colonne : temps (ms)</a:t>
+            </a:r>
+          </a:p>
+          <a:p>
+            <a:pPr lvl="1"/>
+            <a:r>
+              <a:rPr lang="fr-FR" dirty="0" smtClean="0"/>
+              <a:t>2</a:t>
+            </a:r>
+            <a:r>
+              <a:rPr lang="fr-FR" baseline="30000" dirty="0" smtClean="0"/>
+              <a:t>nde</a:t>
+            </a:r>
+            <a:r>
+              <a:rPr lang="fr-FR" dirty="0" smtClean="0"/>
+              <a:t> colonne : position (en tops)</a:t>
+            </a:r>
+          </a:p>
+          <a:p>
+            <a:pPr lvl="1"/>
+            <a:r>
+              <a:rPr lang="fr-FR" dirty="0" smtClean="0"/>
+              <a:t>Séparateur : espace</a:t>
+            </a:r>
+          </a:p>
+          <a:p>
+            <a:r>
+              <a:rPr lang="fr-FR" dirty="0" smtClean="0"/>
+              <a:t>Ouvrir Excel</a:t>
+            </a:r>
+          </a:p>
+          <a:p>
+            <a:pPr lvl="1"/>
+            <a:r>
+              <a:rPr lang="fr-FR" dirty="0" smtClean="0"/>
+              <a:t>Fichier, Ouvrir</a:t>
+            </a:r>
+          </a:p>
+          <a:p>
+            <a:pPr lvl="2"/>
+            <a:r>
+              <a:rPr lang="fr-FR" dirty="0" smtClean="0"/>
+              <a:t>Tous les fichiers (et pas seulement « Tous les fichiers Excel »)</a:t>
+            </a:r>
+          </a:p>
+          <a:p>
+            <a:pPr lvl="2"/>
+            <a:r>
+              <a:rPr lang="fr-FR" dirty="0" smtClean="0"/>
+              <a:t>« V1TOP.txt » (par exemple)</a:t>
+            </a:r>
+          </a:p>
+          <a:p>
+            <a:pPr lvl="2"/>
+            <a:r>
+              <a:rPr lang="fr-FR" dirty="0" smtClean="0"/>
+              <a:t>Origine du fichier : WINDOWS (ANSI)</a:t>
+            </a:r>
+          </a:p>
+          <a:p>
+            <a:pPr lvl="2"/>
+            <a:r>
+              <a:rPr lang="fr-FR" dirty="0" smtClean="0"/>
+              <a:t>Suivant</a:t>
+            </a:r>
+          </a:p>
+          <a:p>
+            <a:pPr lvl="2"/>
+            <a:r>
+              <a:rPr lang="fr-FR" dirty="0" smtClean="0"/>
+              <a:t>Séparateur : Espace</a:t>
+            </a:r>
+          </a:p>
+          <a:p>
+            <a:pPr lvl="2"/>
+            <a:r>
+              <a:rPr lang="fr-FR" dirty="0" smtClean="0"/>
+              <a:t>Terminer</a:t>
+            </a:r>
+            <a:endParaRPr lang="fr-FR" dirty="0"/>
+          </a:p>
+        </p:txBody>
+      </p:sp>
+      <p:sp>
+        <p:nvSpPr>
+          <p:cNvPr id="3" name="Espace réservé du numéro de diapositive 2"/>
+          <p:cNvSpPr>
+            <a:spLocks noGrp="1"/>
+          </p:cNvSpPr>
+          <p:nvPr>
+            <p:ph type="sldNum" sz="quarter" idx="17"/>
+          </p:nvPr>
+        </p:nvSpPr>
+        <p:spPr/>
+        <p:txBody>
+          <a:bodyPr/>
+          <a:lstStyle/>
+          <a:p>
+            <a:fld id="{256D3EEF-DE4E-429D-8EC4-DDC531AFF587}" type="slidenum">
+              <a:rPr lang="fr-FR" smtClean="0"/>
+              <a:pPr/>
+              <a:t>17</a:t>
+            </a:fld>
+            <a:endParaRPr lang="fr-FR" dirty="0"/>
+          </a:p>
+        </p:txBody>
+      </p:sp>
+      <p:sp>
+        <p:nvSpPr>
+          <p:cNvPr id="4" name="Espace réservé du texte 3"/>
+          <p:cNvSpPr>
+            <a:spLocks noGrp="1"/>
+          </p:cNvSpPr>
+          <p:nvPr>
+            <p:ph type="body" sz="quarter" idx="13"/>
+          </p:nvPr>
+        </p:nvSpPr>
+        <p:spPr/>
+        <p:txBody>
+          <a:bodyPr>
+            <a:normAutofit fontScale="55000" lnSpcReduction="20000"/>
+          </a:bodyPr>
+          <a:lstStyle/>
+          <a:p>
+            <a:r>
+              <a:rPr lang="fr-FR" dirty="0"/>
+              <a:t>Présentation du logiciel d’acquisition</a:t>
+            </a:r>
+            <a:br>
+              <a:rPr lang="fr-FR" dirty="0"/>
+            </a:br>
+            <a:r>
+              <a:rPr lang="fr-FR" dirty="0" smtClean="0"/>
+              <a:t>Import des points en utilisant un tableur</a:t>
+            </a:r>
+            <a:endParaRPr lang="fr-FR" dirty="0"/>
+          </a:p>
+        </p:txBody>
+      </p:sp>
+      <p:pic>
+        <p:nvPicPr>
+          <p:cNvPr id="2050" name="Picture 2"/>
+          <p:cNvPicPr>
+            <a:picLocks noChangeAspect="1" noChangeArrowheads="1"/>
+          </p:cNvPicPr>
+          <p:nvPr/>
+        </p:nvPicPr>
+        <p:blipFill>
+          <a:blip r:embed="rId2" cstate="print">
+            <a:extLst>
+              <a:ext uri="{28A0092B-C50C-407E-A947-70E740481C1C}">
+                <a14:useLocalDpi xmlns:a14="http://schemas.microsoft.com/office/drawing/2010/main" xmlns="" val="0"/>
+              </a:ext>
+            </a:extLst>
+          </a:blip>
+          <a:srcRect/>
+          <a:stretch>
+            <a:fillRect/>
+          </a:stretch>
+        </p:blipFill>
+        <p:spPr bwMode="auto">
+          <a:xfrm>
+            <a:off x="1259632" y="5046796"/>
+            <a:ext cx="2866684" cy="1697272"/>
+          </a:xfrm>
+          <a:prstGeom prst="rect">
+            <a:avLst/>
+          </a:prstGeom>
+          <a:noFill/>
+          <a:ln>
+            <a:noFill/>
+          </a:ln>
+          <a:effectLst/>
+          <a:extLst>
+            <a:ext uri="{909E8E84-426E-40DD-AFC4-6F175D3DCCD1}">
+              <a14:hiddenFill xmlns:a14="http://schemas.microsoft.com/office/drawing/2010/main" xmlns="">
+                <a:solidFill>
+                  <a:schemeClr val="accent1"/>
+                </a:solidFill>
+              </a14:hiddenFill>
+            </a:ext>
+            <a:ext uri="{91240B29-F687-4F45-9708-019B960494DF}">
+              <a14:hiddenLine xmlns:a14="http://schemas.microsoft.com/office/drawing/2010/main" xmlns="" w="9525">
+                <a:solidFill>
+                  <a:schemeClr val="tx1"/>
+                </a:solidFill>
+                <a:miter lim="800000"/>
+                <a:headEnd/>
+                <a:tailEnd/>
+              </a14:hiddenLine>
+            </a:ext>
+            <a:ext uri="{AF507438-7753-43E0-B8FC-AC1667EBCBE1}">
+              <a14:hiddenEffects xmlns:a14="http://schemas.microsoft.com/office/drawing/2010/main" xmlns="">
+                <a:effectLst>
+                  <a:outerShdw dist="35921" dir="2700000" algn="ctr" rotWithShape="0">
+                    <a:schemeClr val="bg2"/>
+                  </a:outerShdw>
+                </a:effectLst>
+              </a14:hiddenEffects>
+            </a:ext>
+          </a:extLst>
+        </p:spPr>
+      </p:pic>
+      <p:pic>
+        <p:nvPicPr>
+          <p:cNvPr id="2051" name="Picture 3"/>
+          <p:cNvPicPr>
+            <a:picLocks noChangeAspect="1" noChangeArrowheads="1"/>
+          </p:cNvPicPr>
+          <p:nvPr/>
+        </p:nvPicPr>
+        <p:blipFill>
+          <a:blip r:embed="rId3" cstate="print">
+            <a:extLst>
+              <a:ext uri="{28A0092B-C50C-407E-A947-70E740481C1C}">
+                <a14:useLocalDpi xmlns:a14="http://schemas.microsoft.com/office/drawing/2010/main" xmlns="" val="0"/>
+              </a:ext>
+            </a:extLst>
+          </a:blip>
+          <a:srcRect/>
+          <a:stretch>
+            <a:fillRect/>
+          </a:stretch>
+        </p:blipFill>
+        <p:spPr bwMode="auto">
+          <a:xfrm>
+            <a:off x="4572000" y="5046795"/>
+            <a:ext cx="2844949" cy="1697271"/>
+          </a:xfrm>
+          <a:prstGeom prst="rect">
+            <a:avLst/>
+          </a:prstGeom>
+          <a:noFill/>
+          <a:ln>
+            <a:noFill/>
+          </a:ln>
+          <a:effectLst/>
+          <a:extLst>
+            <a:ext uri="{909E8E84-426E-40DD-AFC4-6F175D3DCCD1}">
+              <a14:hiddenFill xmlns:a14="http://schemas.microsoft.com/office/drawing/2010/main" xmlns="">
+                <a:solidFill>
+                  <a:schemeClr val="accent1"/>
+                </a:solidFill>
+              </a14:hiddenFill>
+            </a:ext>
+            <a:ext uri="{91240B29-F687-4F45-9708-019B960494DF}">
+              <a14:hiddenLine xmlns:a14="http://schemas.microsoft.com/office/drawing/2010/main" xmlns="" w="9525">
+                <a:solidFill>
+                  <a:schemeClr val="tx1"/>
+                </a:solidFill>
+                <a:miter lim="800000"/>
+                <a:headEnd/>
+                <a:tailEnd/>
+              </a14:hiddenLine>
+            </a:ext>
+            <a:ext uri="{AF507438-7753-43E0-B8FC-AC1667EBCBE1}">
+              <a14:hiddenEffects xmlns:a14="http://schemas.microsoft.com/office/drawing/2010/main" xmlns="">
+                <a:effectLst>
+                  <a:outerShdw dist="35921" dir="2700000" algn="ctr" rotWithShape="0">
+                    <a:schemeClr val="bg2"/>
+                  </a:outerShdw>
+                </a:effectLst>
+              </a14:hiddenEffects>
+            </a:ext>
+          </a:extLst>
+        </p:spPr>
+      </p:pic>
+      <p:pic>
+        <p:nvPicPr>
+          <p:cNvPr id="2052" name="Picture 4"/>
+          <p:cNvPicPr>
+            <a:picLocks noChangeAspect="1" noChangeArrowheads="1"/>
+          </p:cNvPicPr>
+          <p:nvPr/>
+        </p:nvPicPr>
+        <p:blipFill>
+          <a:blip r:embed="rId4">
+            <a:extLst>
+              <a:ext uri="{28A0092B-C50C-407E-A947-70E740481C1C}">
+                <a14:useLocalDpi xmlns:a14="http://schemas.microsoft.com/office/drawing/2010/main" xmlns="" val="0"/>
+              </a:ext>
+            </a:extLst>
+          </a:blip>
+          <a:srcRect/>
+          <a:stretch>
+            <a:fillRect/>
+          </a:stretch>
+        </p:blipFill>
+        <p:spPr bwMode="auto">
+          <a:xfrm>
+            <a:off x="5364088" y="1124744"/>
+            <a:ext cx="2869506" cy="1904348"/>
+          </a:xfrm>
+          <a:prstGeom prst="rect">
+            <a:avLst/>
+          </a:prstGeom>
+          <a:noFill/>
+          <a:ln>
+            <a:noFill/>
+          </a:ln>
+          <a:effectLst/>
+          <a:extLst>
+            <a:ext uri="{909E8E84-426E-40DD-AFC4-6F175D3DCCD1}">
+              <a14:hiddenFill xmlns:a14="http://schemas.microsoft.com/office/drawing/2010/main" xmlns="">
+                <a:solidFill>
+                  <a:schemeClr val="accent1"/>
+                </a:solidFill>
+              </a14:hiddenFill>
+            </a:ext>
+            <a:ext uri="{91240B29-F687-4F45-9708-019B960494DF}">
+              <a14:hiddenLine xmlns:a14="http://schemas.microsoft.com/office/drawing/2010/main" xmlns="" w="9525">
+                <a:solidFill>
+                  <a:schemeClr val="tx1"/>
+                </a:solidFill>
+                <a:miter lim="800000"/>
+                <a:headEnd/>
+                <a:tailEnd/>
+              </a14:hiddenLine>
+            </a:ext>
+            <a:ext uri="{AF507438-7753-43E0-B8FC-AC1667EBCBE1}">
+              <a14:hiddenEffects xmlns:a14="http://schemas.microsoft.com/office/drawing/2010/main" xmlns="">
+                <a:effectLst>
+                  <a:outerShdw dist="35921" dir="2700000" algn="ctr" rotWithShape="0">
+                    <a:schemeClr val="bg2"/>
+                  </a:outerShdw>
+                </a:effectLst>
+              </a14:hiddenEffects>
+            </a:ext>
+          </a:extLst>
+        </p:spPr>
+      </p:pic>
+      <p:sp>
+        <p:nvSpPr>
+          <p:cNvPr id="5" name="Rectangle 4"/>
+          <p:cNvSpPr/>
+          <p:nvPr/>
+        </p:nvSpPr>
+        <p:spPr>
+          <a:xfrm>
+            <a:off x="7269670" y="2670286"/>
+            <a:ext cx="925290" cy="144016"/>
+          </a:xfrm>
+          <a:prstGeom prst="rect">
+            <a:avLst/>
+          </a:prstGeom>
+          <a:noFill/>
+          <a:ln>
+            <a:solidFill>
+              <a:srgbClr val="FF0000"/>
+            </a:solidFill>
+          </a:ln>
+        </p:spPr>
+        <p:style>
+          <a:lnRef idx="2">
+            <a:schemeClr val="accent1">
+              <a:shade val="50000"/>
+            </a:schemeClr>
+          </a:lnRef>
+          <a:fillRef idx="1">
+            <a:schemeClr val="accent1"/>
+          </a:fillRef>
+          <a:effectRef idx="0">
+            <a:schemeClr val="accent1"/>
+          </a:effectRef>
+          <a:fontRef idx="minor">
+            <a:schemeClr val="lt1"/>
+          </a:fontRef>
+        </p:style>
+        <p:txBody>
+          <a:bodyPr rtlCol="0" anchor="ctr"/>
+          <a:lstStyle/>
+          <a:p>
+            <a:pPr algn="ctr"/>
+            <a:endParaRPr lang="fr-FR"/>
+          </a:p>
+        </p:txBody>
+      </p:sp>
+    </p:spTree>
+    <p:extLst>
+      <p:ext uri="{BB962C8B-B14F-4D97-AF65-F5344CB8AC3E}">
+        <p14:creationId xmlns:p14="http://schemas.microsoft.com/office/powerpoint/2010/main" xmlns="" val="3570676962"/>
       </p:ext>
     </p:extLst>
   </p:cSld>
@@ -13662,7 +14191,7 @@
     </p:spTree>
     <p:extLst>
       <p:ext uri="{BB962C8B-B14F-4D97-AF65-F5344CB8AC3E}">
-        <p14:creationId xmlns:p14="http://schemas.microsoft.com/office/powerpoint/2010/main" val="494579730"/>
+        <p14:creationId xmlns:p14="http://schemas.microsoft.com/office/powerpoint/2010/main" xmlns="" val="494579730"/>
       </p:ext>
     </p:extLst>
   </p:cSld>
@@ -13819,7 +14348,7 @@
           <a:blip r:embed="rId2">
             <a:extLst>
               <a:ext uri="{28A0092B-C50C-407E-A947-70E740481C1C}">
-                <a14:useLocalDpi xmlns:a14="http://schemas.microsoft.com/office/drawing/2010/main" val="0"/>
+                <a14:useLocalDpi xmlns:a14="http://schemas.microsoft.com/office/drawing/2010/main" xmlns="" val="0"/>
               </a:ext>
             </a:extLst>
           </a:blip>
@@ -13843,14 +14372,14 @@
           <a:effectLst/>
           <a:extLst>
             <a:ext uri="{909E8E84-426E-40DD-AFC4-6F175D3DCCD1}">
-              <a14:hiddenFill xmlns:a14="http://schemas.microsoft.com/office/drawing/2010/main">
+              <a14:hiddenFill xmlns:a14="http://schemas.microsoft.com/office/drawing/2010/main" xmlns="">
                 <a:solidFill>
                   <a:schemeClr val="accent1"/>
                 </a:solidFill>
               </a14:hiddenFill>
             </a:ext>
             <a:ext uri="{91240B29-F687-4F45-9708-019B960494DF}">
-              <a14:hiddenLine xmlns:a14="http://schemas.microsoft.com/office/drawing/2010/main" w="9525">
+              <a14:hiddenLine xmlns:a14="http://schemas.microsoft.com/office/drawing/2010/main" xmlns="" w="9525">
                 <a:solidFill>
                   <a:schemeClr val="tx1"/>
                 </a:solidFill>
@@ -13860,7 +14389,7 @@
               </a14:hiddenLine>
             </a:ext>
             <a:ext uri="{AF507438-7753-43E0-B8FC-AC1667EBCBE1}">
-              <a14:hiddenEffects xmlns:a14="http://schemas.microsoft.com/office/drawing/2010/main">
+              <a14:hiddenEffects xmlns:a14="http://schemas.microsoft.com/office/drawing/2010/main" xmlns="">
                 <a:effectLst>
                   <a:outerShdw dist="35921" dir="2700000" algn="ctr" rotWithShape="0">
                     <a:schemeClr val="bg2"/>
@@ -13934,7 +14463,7 @@
     </p:spTree>
     <p:extLst>
       <p:ext uri="{BB962C8B-B14F-4D97-AF65-F5344CB8AC3E}">
-        <p14:creationId xmlns:p14="http://schemas.microsoft.com/office/powerpoint/2010/main" val="3270665889"/>
+        <p14:creationId xmlns:p14="http://schemas.microsoft.com/office/powerpoint/2010/main" xmlns="" val="3270665889"/>
       </p:ext>
     </p:extLst>
   </p:cSld>
@@ -14061,7 +14590,7 @@
     </p:spTree>
     <p:extLst>
       <p:ext uri="{BB962C8B-B14F-4D97-AF65-F5344CB8AC3E}">
-        <p14:creationId xmlns:p14="http://schemas.microsoft.com/office/powerpoint/2010/main" val="3693178686"/>
+        <p14:creationId xmlns:p14="http://schemas.microsoft.com/office/powerpoint/2010/main" xmlns="" val="3693178686"/>
       </p:ext>
     </p:extLst>
   </p:cSld>
@@ -14243,7 +14772,7 @@
           <a:noFill/>
           <a:extLst>
             <a:ext uri="{909E8E84-426E-40DD-AFC4-6F175D3DCCD1}">
-              <a14:hiddenFill xmlns:a14="http://schemas.microsoft.com/office/drawing/2010/main">
+              <a14:hiddenFill xmlns:a14="http://schemas.microsoft.com/office/drawing/2010/main" xmlns="">
                 <a:solidFill>
                   <a:srgbClr val="FFFFFF"/>
                 </a:solidFill>
@@ -14282,7 +14811,7 @@
           <a:noFill/>
           <a:extLst>
             <a:ext uri="{909E8E84-426E-40DD-AFC4-6F175D3DCCD1}">
-              <a14:hiddenFill xmlns:a14="http://schemas.microsoft.com/office/drawing/2010/main">
+              <a14:hiddenFill xmlns:a14="http://schemas.microsoft.com/office/drawing/2010/main" xmlns="">
                 <a:solidFill>
                   <a:srgbClr val="FFFFFF"/>
                 </a:solidFill>
@@ -14314,7 +14843,7 @@
           <a:blip r:embed="rId3" cstate="print">
             <a:extLst>
               <a:ext uri="{28A0092B-C50C-407E-A947-70E740481C1C}">
-                <a14:useLocalDpi xmlns:a14="http://schemas.microsoft.com/office/drawing/2010/main" val="0"/>
+                <a14:useLocalDpi xmlns:a14="http://schemas.microsoft.com/office/drawing/2010/main" xmlns="" val="0"/>
               </a:ext>
             </a:extLst>
           </a:blip>
@@ -14338,14 +14867,14 @@
           <a:effectLst/>
           <a:extLst>
             <a:ext uri="{909E8E84-426E-40DD-AFC4-6F175D3DCCD1}">
-              <a14:hiddenFill xmlns:a14="http://schemas.microsoft.com/office/drawing/2010/main">
+              <a14:hiddenFill xmlns:a14="http://schemas.microsoft.com/office/drawing/2010/main" xmlns="">
                 <a:solidFill>
                   <a:schemeClr val="accent1"/>
                 </a:solidFill>
               </a14:hiddenFill>
             </a:ext>
             <a:ext uri="{91240B29-F687-4F45-9708-019B960494DF}">
-              <a14:hiddenLine xmlns:a14="http://schemas.microsoft.com/office/drawing/2010/main" w="9525">
+              <a14:hiddenLine xmlns:a14="http://schemas.microsoft.com/office/drawing/2010/main" xmlns="" w="9525">
                 <a:solidFill>
                   <a:schemeClr val="tx1"/>
                 </a:solidFill>
@@ -14355,7 +14884,7 @@
               </a14:hiddenLine>
             </a:ext>
             <a:ext uri="{AF507438-7753-43E0-B8FC-AC1667EBCBE1}">
-              <a14:hiddenEffects xmlns:a14="http://schemas.microsoft.com/office/drawing/2010/main">
+              <a14:hiddenEffects xmlns:a14="http://schemas.microsoft.com/office/drawing/2010/main" xmlns="">
                 <a:effectLst>
                   <a:outerShdw dist="35921" dir="2700000" algn="ctr" rotWithShape="0">
                     <a:schemeClr val="bg2"/>
@@ -14369,7 +14898,7 @@
     </p:spTree>
     <p:extLst>
       <p:ext uri="{BB962C8B-B14F-4D97-AF65-F5344CB8AC3E}">
-        <p14:creationId xmlns:p14="http://schemas.microsoft.com/office/powerpoint/2010/main" val="4283005353"/>
+        <p14:creationId xmlns:p14="http://schemas.microsoft.com/office/powerpoint/2010/main" xmlns="" val="4283005353"/>
       </p:ext>
     </p:extLst>
   </p:cSld>
@@ -14496,7 +15025,7 @@
     </p:spTree>
     <p:extLst>
       <p:ext uri="{BB962C8B-B14F-4D97-AF65-F5344CB8AC3E}">
-        <p14:creationId xmlns:p14="http://schemas.microsoft.com/office/powerpoint/2010/main" val="3295037969"/>
+        <p14:creationId xmlns:p14="http://schemas.microsoft.com/office/powerpoint/2010/main" xmlns="" val="3295037969"/>
       </p:ext>
     </p:extLst>
   </p:cSld>
@@ -14655,7 +15184,7 @@
     </p:spTree>
     <p:extLst>
       <p:ext uri="{BB962C8B-B14F-4D97-AF65-F5344CB8AC3E}">
-        <p14:creationId xmlns:p14="http://schemas.microsoft.com/office/powerpoint/2010/main" val="3894496050"/>
+        <p14:creationId xmlns:p14="http://schemas.microsoft.com/office/powerpoint/2010/main" xmlns="" val="3894496050"/>
       </p:ext>
     </p:extLst>
   </p:cSld>
@@ -14789,7 +15318,7 @@
     </p:spTree>
     <p:extLst>
       <p:ext uri="{BB962C8B-B14F-4D97-AF65-F5344CB8AC3E}">
-        <p14:creationId xmlns:p14="http://schemas.microsoft.com/office/powerpoint/2010/main" val="3834210991"/>
+        <p14:creationId xmlns:p14="http://schemas.microsoft.com/office/powerpoint/2010/main" xmlns="" val="3834210991"/>
       </p:ext>
     </p:extLst>
   </p:cSld>
